--- a/ProjetRubyDoc/Presentation_RentArt.pptx
+++ b/ProjetRubyDoc/Presentation_RentArt.pptx
@@ -5,20 +5,24 @@
     <p:sldMasterId id="2147483648" r:id="rId1"/>
   </p:sldMasterIdLst>
   <p:notesMasterIdLst>
-    <p:notesMasterId r:id="rId13"/>
+    <p:notesMasterId r:id="rId17"/>
   </p:notesMasterIdLst>
   <p:sldIdLst>
     <p:sldId id="256" r:id="rId2"/>
     <p:sldId id="257" r:id="rId3"/>
     <p:sldId id="258" r:id="rId4"/>
     <p:sldId id="259" r:id="rId5"/>
-    <p:sldId id="260" r:id="rId6"/>
-    <p:sldId id="261" r:id="rId7"/>
-    <p:sldId id="265" r:id="rId8"/>
-    <p:sldId id="266" r:id="rId9"/>
-    <p:sldId id="264" r:id="rId10"/>
-    <p:sldId id="262" r:id="rId11"/>
-    <p:sldId id="263" r:id="rId12"/>
+    <p:sldId id="267" r:id="rId6"/>
+    <p:sldId id="260" r:id="rId7"/>
+    <p:sldId id="261" r:id="rId8"/>
+    <p:sldId id="265" r:id="rId9"/>
+    <p:sldId id="266" r:id="rId10"/>
+    <p:sldId id="264" r:id="rId11"/>
+    <p:sldId id="262" r:id="rId12"/>
+    <p:sldId id="268" r:id="rId13"/>
+    <p:sldId id="269" r:id="rId14"/>
+    <p:sldId id="270" r:id="rId15"/>
+    <p:sldId id="263" r:id="rId16"/>
   </p:sldIdLst>
   <p:sldSz cx="12192000" cy="6858000"/>
   <p:notesSz cx="6858000" cy="9144000"/>
@@ -117,6 +121,11 @@
       </a:defRPr>
     </a:lvl9pPr>
   </p:defaultTextStyle>
+  <p:extLst>
+    <p:ext uri="{EFAFB233-063F-42B5-8137-9DF3F51BA10A}">
+      <p15:sldGuideLst xmlns:p15="http://schemas.microsoft.com/office/powerpoint/2012/main"/>
+    </p:ext>
+  </p:extLst>
 </p:presentation>
 </file>
 
@@ -202,7 +211,7 @@
           <a:p>
             <a:fld id="{A24868FE-3F77-422E-BDF3-D91DE61DD84A}" type="datetimeFigureOut">
               <a:rPr lang="fr-CH" smtClean="0"/>
-              <a:t>13.04.2016</a:t>
+              <a:t>17.04.2016</a:t>
             </a:fld>
             <a:endParaRPr lang="fr-CH"/>
           </a:p>
@@ -535,7 +544,7 @@
           <a:p>
             <a:fld id="{88A4ED1B-AA3D-4189-9592-41E0E00A3361}" type="slidenum">
               <a:rPr lang="fr-CH" smtClean="0"/>
-              <a:t>8</a:t>
+              <a:t>9</a:t>
             </a:fld>
             <a:endParaRPr lang="fr-CH"/>
           </a:p>
@@ -649,7 +658,7 @@
           <a:effectLst/>
           <a:extLst>
             <a:ext uri="{91240B29-F687-4f45-9708-019B960494DF}">
-              <a14:hiddenLine xmlns:a14="http://schemas.microsoft.com/office/drawing/2010/main" xmlns="" w="9525">
+              <a14:hiddenLine xmlns="" xmlns:a14="http://schemas.microsoft.com/office/drawing/2010/main" w="9525">
                 <a:solidFill>
                   <a:srgbClr val="000000"/>
                 </a:solidFill>
@@ -841,7 +850,7 @@
           <a:p>
             <a:fld id="{4435790E-275F-42F2-BCC6-FF805FF34F08}" type="datetime1">
               <a:rPr lang="fr-CH" smtClean="0"/>
-              <a:t>13.04.2016</a:t>
+              <a:t>17.04.2016</a:t>
             </a:fld>
             <a:endParaRPr lang="en-US" dirty="0"/>
           </a:p>
@@ -1155,7 +1164,7 @@
           <a:p>
             <a:fld id="{C4C1D3D7-581D-4F9C-AEEB-E6B656CA6117}" type="datetime1">
               <a:rPr lang="fr-CH" smtClean="0"/>
-              <a:t>13.04.2016</a:t>
+              <a:t>17.04.2016</a:t>
             </a:fld>
             <a:endParaRPr lang="en-US" dirty="0"/>
           </a:p>
@@ -1639,7 +1648,7 @@
           <a:p>
             <a:fld id="{77E817FD-03A4-4F1D-B5A0-2DD4B8F4B78B}" type="datetime1">
               <a:rPr lang="fr-CH" smtClean="0"/>
-              <a:t>13.04.2016</a:t>
+              <a:t>17.04.2016</a:t>
             </a:fld>
             <a:endParaRPr lang="en-US" dirty="0"/>
           </a:p>
@@ -2004,7 +2013,7 @@
           <a:p>
             <a:fld id="{E66861EC-5EB4-4AF4-863A-118A9CC27610}" type="datetime1">
               <a:rPr lang="fr-CH" smtClean="0"/>
-              <a:t>13.04.2016</a:t>
+              <a:t>17.04.2016</a:t>
             </a:fld>
             <a:endParaRPr lang="en-US" dirty="0"/>
           </a:p>
@@ -2155,7 +2164,7 @@
           <a:ln/>
           <a:extLst>
             <a:ext uri="{91240B29-F687-4f45-9708-019B960494DF}">
-              <a14:hiddenLine xmlns:a14="http://schemas.microsoft.com/office/drawing/2010/main" xmlns="" w="9525">
+              <a14:hiddenLine xmlns="" xmlns:a14="http://schemas.microsoft.com/office/drawing/2010/main" w="9525">
                 <a:solidFill>
                   <a:srgbClr val="000000"/>
                 </a:solidFill>
@@ -2273,7 +2282,7 @@
           <a:p>
             <a:fld id="{CA004E3E-3B85-4E31-BEA3-2297218515CD}" type="datetime1">
               <a:rPr lang="fr-CH" smtClean="0"/>
-              <a:t>13.04.2016</a:t>
+              <a:t>17.04.2016</a:t>
             </a:fld>
             <a:endParaRPr lang="en-US" dirty="0"/>
           </a:p>
@@ -2426,7 +2435,7 @@
           <a:ln/>
           <a:extLst>
             <a:ext uri="{91240B29-F687-4f45-9708-019B960494DF}">
-              <a14:hiddenLine xmlns:a14="http://schemas.microsoft.com/office/drawing/2010/main" xmlns="" w="9525">
+              <a14:hiddenLine xmlns="" xmlns:a14="http://schemas.microsoft.com/office/drawing/2010/main" w="9525">
                 <a:solidFill>
                   <a:srgbClr val="000000"/>
                 </a:solidFill>
@@ -2554,7 +2563,7 @@
           <a:p>
             <a:fld id="{595775B3-7834-4268-85CC-E7743E383037}" type="datetime1">
               <a:rPr lang="fr-CH" smtClean="0"/>
-              <a:t>13.04.2016</a:t>
+              <a:t>17.04.2016</a:t>
             </a:fld>
             <a:endParaRPr lang="en-US" dirty="0"/>
           </a:p>
@@ -2705,7 +2714,7 @@
           <a:ln/>
           <a:extLst>
             <a:ext uri="{91240B29-F687-4f45-9708-019B960494DF}">
-              <a14:hiddenLine xmlns:a14="http://schemas.microsoft.com/office/drawing/2010/main" xmlns="" w="9525">
+              <a14:hiddenLine xmlns="" xmlns:a14="http://schemas.microsoft.com/office/drawing/2010/main" w="9525">
                 <a:solidFill>
                   <a:srgbClr val="000000"/>
                 </a:solidFill>
@@ -2833,7 +2842,7 @@
           <a:p>
             <a:fld id="{51A4681B-B51D-4237-B332-FCF0C75B96FC}" type="datetime1">
               <a:rPr lang="fr-CH" smtClean="0"/>
-              <a:t>13.04.2016</a:t>
+              <a:t>17.04.2016</a:t>
             </a:fld>
             <a:endParaRPr lang="en-US" dirty="0"/>
           </a:p>
@@ -3172,7 +3181,7 @@
           <a:p>
             <a:fld id="{49709CFE-B7BF-4E81-98B5-99A5CE40C10A}" type="datetime1">
               <a:rPr lang="fr-CH" smtClean="0"/>
-              <a:t>13.04.2016</a:t>
+              <a:t>17.04.2016</a:t>
             </a:fld>
             <a:endParaRPr lang="en-US" dirty="0"/>
           </a:p>
@@ -3323,7 +3332,7 @@
           <a:ln/>
           <a:extLst>
             <a:ext uri="{91240B29-F687-4f45-9708-019B960494DF}">
-              <a14:hiddenLine xmlns:a14="http://schemas.microsoft.com/office/drawing/2010/main" xmlns="" w="9525">
+              <a14:hiddenLine xmlns="" xmlns:a14="http://schemas.microsoft.com/office/drawing/2010/main" w="9525">
                 <a:solidFill>
                   <a:srgbClr val="000000"/>
                 </a:solidFill>
@@ -3507,7 +3516,7 @@
           <a:p>
             <a:fld id="{5BC857FB-7322-49A7-BDA6-9569A4C6B7B3}" type="datetime1">
               <a:rPr lang="fr-CH" smtClean="0"/>
-              <a:t>13.04.2016</a:t>
+              <a:t>17.04.2016</a:t>
             </a:fld>
             <a:endParaRPr lang="en-US" dirty="0"/>
           </a:p>
@@ -3658,7 +3667,7 @@
           <a:ln/>
           <a:extLst>
             <a:ext uri="{91240B29-F687-4f45-9708-019B960494DF}">
-              <a14:hiddenLine xmlns:a14="http://schemas.microsoft.com/office/drawing/2010/main" xmlns="" w="9525">
+              <a14:hiddenLine xmlns="" xmlns:a14="http://schemas.microsoft.com/office/drawing/2010/main" w="9525">
                 <a:solidFill>
                   <a:srgbClr val="000000"/>
                 </a:solidFill>
@@ -3980,7 +3989,7 @@
           <a:p>
             <a:fld id="{211143B2-DB96-424B-9EE2-A932DF274FDA}" type="datetime1">
               <a:rPr lang="fr-CH" smtClean="0"/>
-              <a:t>13.04.2016</a:t>
+              <a:t>17.04.2016</a:t>
             </a:fld>
             <a:endParaRPr lang="en-US" dirty="0"/>
           </a:p>
@@ -4131,7 +4140,7 @@
           <a:ln/>
           <a:extLst>
             <a:ext uri="{91240B29-F687-4f45-9708-019B960494DF}">
-              <a14:hiddenLine xmlns:a14="http://schemas.microsoft.com/office/drawing/2010/main" xmlns="" w="9525">
+              <a14:hiddenLine xmlns="" xmlns:a14="http://schemas.microsoft.com/office/drawing/2010/main" w="9525">
                 <a:solidFill>
                   <a:srgbClr val="000000"/>
                 </a:solidFill>
@@ -4197,7 +4206,7 @@
           <a:p>
             <a:fld id="{2FEE9559-CCAC-4583-88B3-5EBDE92D16C9}" type="datetime1">
               <a:rPr lang="fr-CH" smtClean="0"/>
-              <a:t>13.04.2016</a:t>
+              <a:t>17.04.2016</a:t>
             </a:fld>
             <a:endParaRPr lang="en-US" dirty="0"/>
           </a:p>
@@ -4288,7 +4297,7 @@
           <a:p>
             <a:fld id="{FF8CA1FA-B04D-4D7F-B8CB-6DE95D43D1D4}" type="datetime1">
               <a:rPr lang="fr-CH" smtClean="0"/>
-              <a:t>13.04.2016</a:t>
+              <a:t>17.04.2016</a:t>
             </a:fld>
             <a:endParaRPr lang="en-US" dirty="0"/>
           </a:p>
@@ -4552,7 +4561,7 @@
           <a:ln/>
           <a:extLst>
             <a:ext uri="{91240B29-F687-4f45-9708-019B960494DF}">
-              <a14:hiddenLine xmlns:a14="http://schemas.microsoft.com/office/drawing/2010/main" xmlns="" w="9525">
+              <a14:hiddenLine xmlns="" xmlns:a14="http://schemas.microsoft.com/office/drawing/2010/main" w="9525">
                 <a:solidFill>
                   <a:srgbClr val="000000"/>
                 </a:solidFill>
@@ -4751,7 +4760,7 @@
           <a:p>
             <a:fld id="{D577460D-CA29-4020-B1F9-D6BB43D42379}" type="datetime1">
               <a:rPr lang="fr-CH" smtClean="0"/>
-              <a:t>13.04.2016</a:t>
+              <a:t>17.04.2016</a:t>
             </a:fld>
             <a:endParaRPr lang="en-US" dirty="0"/>
           </a:p>
@@ -5060,7 +5069,7 @@
           <a:p>
             <a:fld id="{1E10A166-7804-4C02-9A50-99FBA879A29C}" type="datetime1">
               <a:rPr lang="fr-CH" smtClean="0"/>
-              <a:t>13.04.2016</a:t>
+              <a:t>17.04.2016</a:t>
             </a:fld>
             <a:endParaRPr lang="en-US" dirty="0"/>
           </a:p>
@@ -5326,7 +5335,7 @@
           <a:p>
             <a:fld id="{1812B9BA-BDB9-4C93-BA15-FFC2E63FDA65}" type="datetime1">
               <a:rPr lang="fr-CH" smtClean="0"/>
-              <a:t>13.04.2016</a:t>
+              <a:t>17.04.2016</a:t>
             </a:fld>
             <a:endParaRPr lang="en-US" dirty="0"/>
           </a:p>
@@ -5907,7 +5916,7 @@
           <a:p>
             <a:fld id="{EFDFD8E7-5471-450C-891C-86E238D394CE}" type="datetime1">
               <a:rPr lang="fr-CH" smtClean="0"/>
-              <a:t>13.04.2016</a:t>
+              <a:t>17.04.2016</a:t>
             </a:fld>
             <a:endParaRPr lang="en-US" dirty="0"/>
           </a:p>
@@ -6034,6 +6043,366 @@
             <a:spLocks noGrp="1"/>
           </p:cNvSpPr>
           <p:nvPr>
+            <p:ph type="title"/>
+          </p:nvPr>
+        </p:nvSpPr>
+        <p:spPr/>
+        <p:txBody>
+          <a:bodyPr/>
+          <a:lstStyle/>
+          <a:p>
+            <a:r>
+              <a:rPr lang="fr-CH" dirty="0" smtClean="0"/>
+              <a:t>Librairies</a:t>
+            </a:r>
+            <a:endParaRPr lang="fr-CH" dirty="0"/>
+          </a:p>
+        </p:txBody>
+      </p:sp>
+      <p:sp>
+        <p:nvSpPr>
+          <p:cNvPr id="3" name="Espace réservé du contenu 2"/>
+          <p:cNvSpPr>
+            <a:spLocks noGrp="1"/>
+          </p:cNvSpPr>
+          <p:nvPr>
+            <p:ph idx="1"/>
+          </p:nvPr>
+        </p:nvSpPr>
+        <p:spPr/>
+        <p:txBody>
+          <a:bodyPr/>
+          <a:lstStyle/>
+          <a:p>
+            <a:r>
+              <a:rPr lang="fr-CH" dirty="0" err="1" smtClean="0"/>
+              <a:t>Capistrano</a:t>
+            </a:r>
+            <a:r>
+              <a:rPr lang="fr-CH" dirty="0" smtClean="0"/>
+              <a:t>		: 	</a:t>
+            </a:r>
+            <a:r>
+              <a:rPr lang="fr-CH" b="1" dirty="0" err="1" smtClean="0"/>
+              <a:t>capistrano</a:t>
+            </a:r>
+            <a:r>
+              <a:rPr lang="fr-CH" b="1" dirty="0" smtClean="0"/>
+              <a:t>-rails</a:t>
+            </a:r>
+          </a:p>
+          <a:p>
+            <a:r>
+              <a:rPr lang="fr-CH" dirty="0" err="1" smtClean="0"/>
+              <a:t>Materialize</a:t>
+            </a:r>
+            <a:r>
+              <a:rPr lang="fr-CH" dirty="0" smtClean="0"/>
+              <a:t> 		: 	</a:t>
+            </a:r>
+            <a:r>
+              <a:rPr lang="fr-CH" b="1" dirty="0" err="1" smtClean="0"/>
+              <a:t>materialize-sass</a:t>
+            </a:r>
+            <a:r>
+              <a:rPr lang="fr-CH" b="1" dirty="0" smtClean="0"/>
+              <a:t>	</a:t>
+            </a:r>
+            <a:r>
+              <a:rPr lang="fr-CH" dirty="0" smtClean="0"/>
+              <a:t>	</a:t>
+            </a:r>
+          </a:p>
+          <a:p>
+            <a:r>
+              <a:rPr lang="fr-CH" dirty="0" smtClean="0"/>
+              <a:t>Administration 	: 	</a:t>
+            </a:r>
+            <a:r>
+              <a:rPr lang="fr-CH" b="1" dirty="0" err="1" smtClean="0"/>
+              <a:t>rails_admin</a:t>
+            </a:r>
+            <a:endParaRPr lang="fr-CH" b="1" dirty="0" smtClean="0"/>
+          </a:p>
+          <a:p>
+            <a:r>
+              <a:rPr lang="fr-CH" dirty="0" smtClean="0"/>
+              <a:t>Slim-rails                :	</a:t>
+            </a:r>
+            <a:r>
+              <a:rPr lang="fr-CH" b="1" dirty="0" smtClean="0"/>
+              <a:t>slim </a:t>
+            </a:r>
+            <a:r>
+              <a:rPr lang="fr-CH" b="1" dirty="0" err="1" smtClean="0"/>
+              <a:t>view</a:t>
+            </a:r>
+            <a:r>
+              <a:rPr lang="fr-CH" b="1" dirty="0" smtClean="0"/>
+              <a:t> </a:t>
+            </a:r>
+            <a:endParaRPr lang="fr-CH" b="1" dirty="0" smtClean="0"/>
+          </a:p>
+          <a:p>
+            <a:r>
+              <a:rPr lang="fr-CH" dirty="0" err="1" smtClean="0"/>
+              <a:t>FullCalendar</a:t>
+            </a:r>
+            <a:r>
+              <a:rPr lang="fr-CH" dirty="0" smtClean="0"/>
+              <a:t>		:	</a:t>
+            </a:r>
+            <a:r>
+              <a:rPr lang="fr-CH" b="1" dirty="0" err="1" smtClean="0"/>
+              <a:t>fullcalendar</a:t>
+            </a:r>
+            <a:r>
+              <a:rPr lang="fr-CH" b="1" dirty="0" smtClean="0"/>
+              <a:t>-rails</a:t>
+            </a:r>
+            <a:r>
+              <a:rPr lang="fr-CH" dirty="0" smtClean="0"/>
+              <a:t>, </a:t>
+            </a:r>
+            <a:r>
+              <a:rPr lang="fr-CH" b="1" dirty="0" err="1" smtClean="0"/>
+              <a:t>momentjs</a:t>
+            </a:r>
+            <a:r>
+              <a:rPr lang="fr-CH" b="1" dirty="0" smtClean="0"/>
+              <a:t>-rails</a:t>
+            </a:r>
+            <a:endParaRPr lang="fr-CH" b="1" dirty="0"/>
+          </a:p>
+        </p:txBody>
+      </p:sp>
+      <p:sp>
+        <p:nvSpPr>
+          <p:cNvPr id="5" name="Espace réservé de la date 4"/>
+          <p:cNvSpPr>
+            <a:spLocks noGrp="1"/>
+          </p:cNvSpPr>
+          <p:nvPr>
+            <p:ph type="dt" sz="half" idx="10"/>
+          </p:nvPr>
+        </p:nvSpPr>
+        <p:spPr/>
+        <p:txBody>
+          <a:bodyPr/>
+          <a:lstStyle/>
+          <a:p>
+            <a:fld id="{28E05341-C71E-4EBE-AE53-120129451AE5}" type="datetime1">
+              <a:rPr lang="fr-CH" smtClean="0"/>
+              <a:t>17.04.2016</a:t>
+            </a:fld>
+            <a:endParaRPr lang="en-US" dirty="0"/>
+          </a:p>
+        </p:txBody>
+      </p:sp>
+      <p:sp>
+        <p:nvSpPr>
+          <p:cNvPr id="6" name="Espace réservé du numéro de diapositive 5"/>
+          <p:cNvSpPr>
+            <a:spLocks noGrp="1"/>
+          </p:cNvSpPr>
+          <p:nvPr>
+            <p:ph type="sldNum" sz="quarter" idx="12"/>
+          </p:nvPr>
+        </p:nvSpPr>
+        <p:spPr/>
+        <p:txBody>
+          <a:bodyPr/>
+          <a:lstStyle/>
+          <a:p>
+            <a:fld id="{D57F1E4F-1CFF-5643-939E-217C01CDF565}" type="slidenum">
+              <a:rPr lang="en-US" smtClean="0"/>
+              <a:pPr/>
+              <a:t>10</a:t>
+            </a:fld>
+            <a:endParaRPr lang="en-US" dirty="0"/>
+          </a:p>
+        </p:txBody>
+      </p:sp>
+      <p:sp>
+        <p:nvSpPr>
+          <p:cNvPr id="8" name="ZoneTexte 7"/>
+          <p:cNvSpPr txBox="1"/>
+          <p:nvPr/>
+        </p:nvSpPr>
+        <p:spPr>
+          <a:xfrm>
+            <a:off x="8996264" y="-48768"/>
+            <a:ext cx="3412902" cy="2523768"/>
+          </a:xfrm>
+          <a:prstGeom prst="rect">
+            <a:avLst/>
+          </a:prstGeom>
+          <a:noFill/>
+        </p:spPr>
+        <p:txBody>
+          <a:bodyPr wrap="square" rtlCol="0">
+            <a:spAutoFit/>
+          </a:bodyPr>
+          <a:lstStyle/>
+          <a:p>
+            <a:pPr marL="285750" indent="-285750">
+              <a:buFont typeface="Arial" panose="020B0604020202020204" pitchFamily="34" charset="0"/>
+              <a:buChar char="•"/>
+            </a:pPr>
+            <a:r>
+              <a:rPr lang="fr-CH" sz="1400" dirty="0" smtClean="0"/>
+              <a:t>Introduction</a:t>
+            </a:r>
+          </a:p>
+          <a:p>
+            <a:pPr marL="285750" indent="-285750">
+              <a:buFont typeface="Arial" panose="020B0604020202020204" pitchFamily="34" charset="0"/>
+              <a:buChar char="•"/>
+            </a:pPr>
+            <a:r>
+              <a:rPr lang="fr-CH" sz="1400" dirty="0" smtClean="0"/>
+              <a:t>Répartition des </a:t>
+            </a:r>
+            <a:r>
+              <a:rPr lang="fr-CH" sz="1400" dirty="0" smtClean="0"/>
+              <a:t>tâches</a:t>
+            </a:r>
+          </a:p>
+          <a:p>
+            <a:pPr marL="285750" indent="-285750">
+              <a:buFont typeface="Arial" panose="020B0604020202020204" pitchFamily="34" charset="0"/>
+              <a:buChar char="•"/>
+            </a:pPr>
+            <a:r>
+              <a:rPr lang="fr-CH" sz="1400" dirty="0">
+                <a:ea typeface="Lato Thin" panose="020F0502020204030203" pitchFamily="34" charset="0"/>
+                <a:cs typeface="Lato Thin" panose="020F0502020204030203" pitchFamily="34" charset="0"/>
+              </a:rPr>
+              <a:t>Schéma base de </a:t>
+            </a:r>
+            <a:r>
+              <a:rPr lang="fr-CH" sz="1400" dirty="0" smtClean="0">
+                <a:ea typeface="Lato Thin" panose="020F0502020204030203" pitchFamily="34" charset="0"/>
+                <a:cs typeface="Lato Thin" panose="020F0502020204030203" pitchFamily="34" charset="0"/>
+              </a:rPr>
+              <a:t>données</a:t>
+            </a:r>
+            <a:endParaRPr lang="fr-CH" sz="1400" dirty="0"/>
+          </a:p>
+          <a:p>
+            <a:pPr marL="285750" indent="-285750">
+              <a:buFont typeface="Arial" panose="020B0604020202020204" pitchFamily="34" charset="0"/>
+              <a:buChar char="•"/>
+            </a:pPr>
+            <a:r>
+              <a:rPr lang="fr-CH" sz="1400" dirty="0" smtClean="0"/>
+              <a:t>Fonctionnalités </a:t>
+            </a:r>
+            <a:endParaRPr lang="fr-CH" sz="1400" dirty="0" smtClean="0"/>
+          </a:p>
+          <a:p>
+            <a:pPr marL="285750" indent="-285750">
+              <a:buFont typeface="Arial" panose="020B0604020202020204" pitchFamily="34" charset="0"/>
+              <a:buChar char="•"/>
+            </a:pPr>
+            <a:r>
+              <a:rPr lang="fr-CH" sz="1400" b="1" dirty="0" smtClean="0">
+                <a:solidFill>
+                  <a:srgbClr val="FF0000"/>
+                </a:solidFill>
+              </a:rPr>
+              <a:t>Librairies</a:t>
+            </a:r>
+          </a:p>
+          <a:p>
+            <a:pPr marL="285750" indent="-285750">
+              <a:buFont typeface="Arial" panose="020B0604020202020204" pitchFamily="34" charset="0"/>
+              <a:buChar char="•"/>
+            </a:pPr>
+            <a:r>
+              <a:rPr lang="fr-CH" sz="1400" dirty="0" smtClean="0"/>
+              <a:t>Démo</a:t>
+            </a:r>
+          </a:p>
+          <a:p>
+            <a:pPr marL="285750" indent="-285750">
+              <a:buFont typeface="Arial" panose="020B0604020202020204" pitchFamily="34" charset="0"/>
+              <a:buChar char="•"/>
+            </a:pPr>
+            <a:r>
+              <a:rPr lang="fr-CH" sz="1400" dirty="0"/>
+              <a:t>Améliorations</a:t>
+            </a:r>
+          </a:p>
+          <a:p>
+            <a:pPr marL="285750" indent="-285750">
+              <a:buFont typeface="Arial" panose="020B0604020202020204" pitchFamily="34" charset="0"/>
+              <a:buChar char="•"/>
+            </a:pPr>
+            <a:r>
+              <a:rPr lang="fr-CH" sz="1400" dirty="0"/>
+              <a:t>Conclusion</a:t>
+            </a:r>
+          </a:p>
+          <a:p>
+            <a:pPr marL="285750" indent="-285750">
+              <a:buFont typeface="Arial" panose="020B0604020202020204" pitchFamily="34" charset="0"/>
+              <a:buChar char="•"/>
+            </a:pPr>
+            <a:r>
+              <a:rPr lang="fr-CH" sz="1400" dirty="0"/>
+              <a:t>Sources</a:t>
+            </a:r>
+          </a:p>
+          <a:p>
+            <a:endParaRPr lang="fr-CH" sz="1400" dirty="0" smtClean="0"/>
+          </a:p>
+          <a:p>
+            <a:pPr marL="285750" indent="-285750">
+              <a:buFont typeface="Arial" panose="020B0604020202020204" pitchFamily="34" charset="0"/>
+              <a:buChar char="•"/>
+            </a:pPr>
+            <a:endParaRPr lang="fr-CH" dirty="0"/>
+          </a:p>
+        </p:txBody>
+      </p:sp>
+    </p:spTree>
+    <p:extLst>
+      <p:ext uri="{BB962C8B-B14F-4D97-AF65-F5344CB8AC3E}">
+        <p14:creationId xmlns:p14="http://schemas.microsoft.com/office/powerpoint/2010/main" val="2898080955"/>
+      </p:ext>
+    </p:extLst>
+  </p:cSld>
+  <p:clrMapOvr>
+    <a:masterClrMapping/>
+  </p:clrMapOvr>
+</p:sld>
+</file>
+
+<file path=ppt/slides/slide11.xml><?xml version="1.0" encoding="utf-8"?>
+<p:sld xmlns:a="http://schemas.openxmlformats.org/drawingml/2006/main" xmlns:r="http://schemas.openxmlformats.org/officeDocument/2006/relationships" xmlns:p="http://schemas.openxmlformats.org/presentationml/2006/main">
+  <p:cSld>
+    <p:spTree>
+      <p:nvGrpSpPr>
+        <p:cNvPr id="1" name=""/>
+        <p:cNvGrpSpPr/>
+        <p:nvPr/>
+      </p:nvGrpSpPr>
+      <p:grpSpPr>
+        <a:xfrm>
+          <a:off x="0" y="0"/>
+          <a:ext cx="0" cy="0"/>
+          <a:chOff x="0" y="0"/>
+          <a:chExt cx="0" cy="0"/>
+        </a:xfrm>
+      </p:grpSpPr>
+      <p:sp>
+        <p:nvSpPr>
+          <p:cNvPr id="2" name="Titre 1"/>
+          <p:cNvSpPr>
+            <a:spLocks noGrp="1"/>
+          </p:cNvSpPr>
+          <p:nvPr>
             <p:ph type="ctrTitle"/>
           </p:nvPr>
         </p:nvSpPr>
@@ -6092,7 +6461,7 @@
           <a:p>
             <a:fld id="{CFAEAA97-370E-4716-9CB0-AD6B796E4E1D}" type="datetime1">
               <a:rPr lang="fr-CH" smtClean="0"/>
-              <a:t>13.04.2016</a:t>
+              <a:t>17.04.2016</a:t>
             </a:fld>
             <a:endParaRPr lang="en-US" dirty="0"/>
           </a:p>
@@ -6116,7 +6485,7 @@
             <a:fld id="{D57F1E4F-1CFF-5643-939E-217C01CDF565}" type="slidenum">
               <a:rPr lang="en-US" smtClean="0"/>
               <a:pPr/>
-              <a:t>10</a:t>
+              <a:t>11</a:t>
             </a:fld>
             <a:endParaRPr lang="en-US" dirty="0"/>
           </a:p>
@@ -6142,7 +6511,7 @@
 </p:sld>
 </file>
 
-<file path=ppt/slides/slide11.xml><?xml version="1.0" encoding="utf-8"?>
+<file path=ppt/slides/slide12.xml><?xml version="1.0" encoding="utf-8"?>
 <p:sld xmlns:a="http://schemas.openxmlformats.org/drawingml/2006/main" xmlns:r="http://schemas.openxmlformats.org/officeDocument/2006/relationships" xmlns:p="http://schemas.openxmlformats.org/presentationml/2006/main">
   <p:cSld>
     <p:spTree>
@@ -6166,7 +6535,7 @@
             <a:spLocks noGrp="1"/>
           </p:cNvSpPr>
           <p:nvPr>
-            <p:ph type="ctrTitle"/>
+            <p:ph type="title"/>
           </p:nvPr>
         </p:nvSpPr>
         <p:spPr/>
@@ -6176,20 +6545,20 @@
           <a:p>
             <a:r>
               <a:rPr lang="fr-CH" dirty="0" smtClean="0"/>
-              <a:t>Question(s) ?</a:t>
-            </a:r>
-            <a:endParaRPr lang="fr-CH" dirty="0"/>
-          </a:p>
-        </p:txBody>
-      </p:sp>
-      <p:sp>
-        <p:nvSpPr>
-          <p:cNvPr id="3" name="Sous-titre 2"/>
-          <p:cNvSpPr>
-            <a:spLocks noGrp="1"/>
-          </p:cNvSpPr>
-          <p:nvPr>
-            <p:ph type="subTitle" idx="1"/>
+              <a:t>Améliorations</a:t>
+            </a:r>
+            <a:endParaRPr lang="fr-FR" dirty="0"/>
+          </a:p>
+        </p:txBody>
+      </p:sp>
+      <p:sp>
+        <p:nvSpPr>
+          <p:cNvPr id="4" name="Espace réservé de la date 3"/>
+          <p:cNvSpPr>
+            <a:spLocks noGrp="1"/>
+          </p:cNvSpPr>
+          <p:nvPr>
+            <p:ph type="dt" sz="half" idx="10"/>
           </p:nvPr>
         </p:nvSpPr>
         <p:spPr/>
@@ -6197,32 +6566,9 @@
           <a:bodyPr/>
           <a:lstStyle/>
           <a:p>
-            <a:r>
-              <a:rPr lang="fr-CH" dirty="0" smtClean="0"/>
-              <a:t>Vous pouvez éviter</a:t>
-            </a:r>
-            <a:endParaRPr lang="fr-CH" dirty="0"/>
-          </a:p>
-        </p:txBody>
-      </p:sp>
-      <p:sp>
-        <p:nvSpPr>
-          <p:cNvPr id="4" name="Espace réservé de la date 3"/>
-          <p:cNvSpPr>
-            <a:spLocks noGrp="1"/>
-          </p:cNvSpPr>
-          <p:nvPr>
-            <p:ph type="dt" sz="half" idx="10"/>
-          </p:nvPr>
-        </p:nvSpPr>
-        <p:spPr/>
-        <p:txBody>
-          <a:bodyPr/>
-          <a:lstStyle/>
-          <a:p>
-            <a:fld id="{9DFE51E5-50AC-48B7-BA12-E65971CB18CA}" type="datetime1">
+            <a:fld id="{51A4681B-B51D-4237-B332-FCF0C75B96FC}" type="datetime1">
               <a:rPr lang="fr-CH" smtClean="0"/>
-              <a:t>13.04.2016</a:t>
+              <a:t>17.04.2016</a:t>
             </a:fld>
             <a:endParaRPr lang="en-US" dirty="0"/>
           </a:p>
@@ -6246,7 +6592,958 @@
             <a:fld id="{D57F1E4F-1CFF-5643-939E-217C01CDF565}" type="slidenum">
               <a:rPr lang="en-US" smtClean="0"/>
               <a:pPr/>
-              <a:t>11</a:t>
+              <a:t>12</a:t>
+            </a:fld>
+            <a:endParaRPr lang="en-US" dirty="0"/>
+          </a:p>
+        </p:txBody>
+      </p:sp>
+      <p:sp>
+        <p:nvSpPr>
+          <p:cNvPr id="6" name="Espace réservé du contenu 2"/>
+          <p:cNvSpPr>
+            <a:spLocks noGrp="1"/>
+          </p:cNvSpPr>
+          <p:nvPr>
+            <p:ph idx="1"/>
+          </p:nvPr>
+        </p:nvSpPr>
+        <p:spPr>
+          <a:xfrm>
+            <a:off x="818712" y="2222287"/>
+            <a:ext cx="10554574" cy="3636511"/>
+          </a:xfrm>
+        </p:spPr>
+        <p:txBody>
+          <a:bodyPr/>
+          <a:lstStyle/>
+          <a:p>
+            <a:r>
+              <a:rPr lang="fr-CH" dirty="0" err="1" smtClean="0"/>
+              <a:t>Map</a:t>
+            </a:r>
+            <a:r>
+              <a:rPr lang="fr-CH" dirty="0" smtClean="0"/>
+              <a:t> </a:t>
+            </a:r>
+          </a:p>
+          <a:p>
+            <a:r>
+              <a:rPr lang="fr-CH" dirty="0" smtClean="0"/>
+              <a:t>Design </a:t>
+            </a:r>
+            <a:r>
+              <a:rPr lang="fr-CH" dirty="0" smtClean="0"/>
+              <a:t>	</a:t>
+            </a:r>
+          </a:p>
+          <a:p>
+            <a:r>
+              <a:rPr lang="fr-CH" dirty="0" smtClean="0"/>
+              <a:t>Ajout de critères </a:t>
+            </a:r>
+          </a:p>
+          <a:p>
+            <a:r>
+              <a:rPr lang="fr-CH" dirty="0" smtClean="0"/>
+              <a:t>Ajout de filtres</a:t>
+            </a:r>
+          </a:p>
+          <a:p>
+            <a:r>
+              <a:rPr lang="fr-CH" b="1" dirty="0" smtClean="0"/>
+              <a:t>Pagination</a:t>
+            </a:r>
+            <a:endParaRPr lang="fr-CH" b="1" dirty="0" smtClean="0"/>
+          </a:p>
+        </p:txBody>
+      </p:sp>
+      <p:sp>
+        <p:nvSpPr>
+          <p:cNvPr id="7" name="ZoneTexte 6"/>
+          <p:cNvSpPr txBox="1"/>
+          <p:nvPr/>
+        </p:nvSpPr>
+        <p:spPr>
+          <a:xfrm>
+            <a:off x="8996264" y="-48768"/>
+            <a:ext cx="3412902" cy="2523768"/>
+          </a:xfrm>
+          <a:prstGeom prst="rect">
+            <a:avLst/>
+          </a:prstGeom>
+          <a:noFill/>
+        </p:spPr>
+        <p:txBody>
+          <a:bodyPr wrap="square" rtlCol="0">
+            <a:spAutoFit/>
+          </a:bodyPr>
+          <a:lstStyle/>
+          <a:p>
+            <a:pPr marL="285750" indent="-285750">
+              <a:buFont typeface="Arial" panose="020B0604020202020204" pitchFamily="34" charset="0"/>
+              <a:buChar char="•"/>
+            </a:pPr>
+            <a:r>
+              <a:rPr lang="fr-CH" sz="1400" dirty="0" smtClean="0"/>
+              <a:t>Introduction</a:t>
+            </a:r>
+          </a:p>
+          <a:p>
+            <a:pPr marL="285750" indent="-285750">
+              <a:buFont typeface="Arial" panose="020B0604020202020204" pitchFamily="34" charset="0"/>
+              <a:buChar char="•"/>
+            </a:pPr>
+            <a:r>
+              <a:rPr lang="fr-CH" sz="1400" dirty="0" smtClean="0"/>
+              <a:t>Répartition des </a:t>
+            </a:r>
+            <a:r>
+              <a:rPr lang="fr-CH" sz="1400" dirty="0" smtClean="0"/>
+              <a:t>tâches</a:t>
+            </a:r>
+          </a:p>
+          <a:p>
+            <a:pPr marL="285750" indent="-285750">
+              <a:buFont typeface="Arial" panose="020B0604020202020204" pitchFamily="34" charset="0"/>
+              <a:buChar char="•"/>
+            </a:pPr>
+            <a:r>
+              <a:rPr lang="fr-CH" sz="1400" dirty="0">
+                <a:ea typeface="Lato Thin" panose="020F0502020204030203" pitchFamily="34" charset="0"/>
+                <a:cs typeface="Lato Thin" panose="020F0502020204030203" pitchFamily="34" charset="0"/>
+              </a:rPr>
+              <a:t>Schéma base de </a:t>
+            </a:r>
+            <a:r>
+              <a:rPr lang="fr-CH" sz="1400" dirty="0" smtClean="0">
+                <a:ea typeface="Lato Thin" panose="020F0502020204030203" pitchFamily="34" charset="0"/>
+                <a:cs typeface="Lato Thin" panose="020F0502020204030203" pitchFamily="34" charset="0"/>
+              </a:rPr>
+              <a:t>données</a:t>
+            </a:r>
+          </a:p>
+          <a:p>
+            <a:pPr marL="285750" indent="-285750">
+              <a:buFont typeface="Arial" panose="020B0604020202020204" pitchFamily="34" charset="0"/>
+              <a:buChar char="•"/>
+            </a:pPr>
+            <a:r>
+              <a:rPr lang="fr-CH" sz="1400" dirty="0" smtClean="0"/>
+              <a:t>Fonctionnalités</a:t>
+            </a:r>
+            <a:endParaRPr lang="fr-CH" sz="1400" dirty="0" smtClean="0"/>
+          </a:p>
+          <a:p>
+            <a:pPr marL="285750" indent="-285750">
+              <a:buFont typeface="Arial" panose="020B0604020202020204" pitchFamily="34" charset="0"/>
+              <a:buChar char="•"/>
+            </a:pPr>
+            <a:r>
+              <a:rPr lang="fr-CH" sz="1400" dirty="0" smtClean="0"/>
+              <a:t>Librairies</a:t>
+            </a:r>
+            <a:endParaRPr lang="fr-CH" sz="1400" dirty="0" smtClean="0"/>
+          </a:p>
+          <a:p>
+            <a:pPr marL="285750" indent="-285750">
+              <a:buFont typeface="Arial" panose="020B0604020202020204" pitchFamily="34" charset="0"/>
+              <a:buChar char="•"/>
+            </a:pPr>
+            <a:r>
+              <a:rPr lang="fr-CH" sz="1400" dirty="0" smtClean="0"/>
+              <a:t>Démo</a:t>
+            </a:r>
+          </a:p>
+          <a:p>
+            <a:pPr marL="285750" indent="-285750">
+              <a:buFont typeface="Arial" panose="020B0604020202020204" pitchFamily="34" charset="0"/>
+              <a:buChar char="•"/>
+            </a:pPr>
+            <a:r>
+              <a:rPr lang="fr-CH" sz="1400" b="1" dirty="0">
+                <a:solidFill>
+                  <a:srgbClr val="FF0000"/>
+                </a:solidFill>
+              </a:rPr>
+              <a:t>Améliorations</a:t>
+            </a:r>
+          </a:p>
+          <a:p>
+            <a:pPr marL="285750" indent="-285750">
+              <a:buFont typeface="Arial" panose="020B0604020202020204" pitchFamily="34" charset="0"/>
+              <a:buChar char="•"/>
+            </a:pPr>
+            <a:r>
+              <a:rPr lang="fr-CH" sz="1400" dirty="0"/>
+              <a:t>Conclusion</a:t>
+            </a:r>
+          </a:p>
+          <a:p>
+            <a:pPr marL="285750" indent="-285750">
+              <a:buFont typeface="Arial" panose="020B0604020202020204" pitchFamily="34" charset="0"/>
+              <a:buChar char="•"/>
+            </a:pPr>
+            <a:r>
+              <a:rPr lang="fr-CH" sz="1400" dirty="0"/>
+              <a:t>Sources</a:t>
+            </a:r>
+          </a:p>
+          <a:p>
+            <a:endParaRPr lang="fr-CH" sz="1400" dirty="0" smtClean="0"/>
+          </a:p>
+          <a:p>
+            <a:pPr marL="285750" indent="-285750">
+              <a:buFont typeface="Arial" panose="020B0604020202020204" pitchFamily="34" charset="0"/>
+              <a:buChar char="•"/>
+            </a:pPr>
+            <a:endParaRPr lang="fr-CH" dirty="0"/>
+          </a:p>
+        </p:txBody>
+      </p:sp>
+    </p:spTree>
+    <p:extLst>
+      <p:ext uri="{BB962C8B-B14F-4D97-AF65-F5344CB8AC3E}">
+        <p14:creationId xmlns:p14="http://schemas.microsoft.com/office/powerpoint/2010/main" val="3033567615"/>
+      </p:ext>
+    </p:extLst>
+  </p:cSld>
+  <p:clrMapOvr>
+    <a:masterClrMapping/>
+  </p:clrMapOvr>
+</p:sld>
+</file>
+
+<file path=ppt/slides/slide13.xml><?xml version="1.0" encoding="utf-8"?>
+<p:sld xmlns:a="http://schemas.openxmlformats.org/drawingml/2006/main" xmlns:r="http://schemas.openxmlformats.org/officeDocument/2006/relationships" xmlns:p="http://schemas.openxmlformats.org/presentationml/2006/main">
+  <p:cSld>
+    <p:spTree>
+      <p:nvGrpSpPr>
+        <p:cNvPr id="1" name=""/>
+        <p:cNvGrpSpPr/>
+        <p:nvPr/>
+      </p:nvGrpSpPr>
+      <p:grpSpPr>
+        <a:xfrm>
+          <a:off x="0" y="0"/>
+          <a:ext cx="0" cy="0"/>
+          <a:chOff x="0" y="0"/>
+          <a:chExt cx="0" cy="0"/>
+        </a:xfrm>
+      </p:grpSpPr>
+      <p:sp>
+        <p:nvSpPr>
+          <p:cNvPr id="2" name="Titre 1"/>
+          <p:cNvSpPr>
+            <a:spLocks noGrp="1"/>
+          </p:cNvSpPr>
+          <p:nvPr>
+            <p:ph type="title"/>
+          </p:nvPr>
+        </p:nvSpPr>
+        <p:spPr/>
+        <p:txBody>
+          <a:bodyPr/>
+          <a:lstStyle/>
+          <a:p>
+            <a:r>
+              <a:rPr lang="fr-CH" dirty="0" smtClean="0"/>
+              <a:t>Conclusion</a:t>
+            </a:r>
+            <a:endParaRPr lang="fr-FR" dirty="0"/>
+          </a:p>
+        </p:txBody>
+      </p:sp>
+      <p:sp>
+        <p:nvSpPr>
+          <p:cNvPr id="4" name="Espace réservé de la date 3"/>
+          <p:cNvSpPr>
+            <a:spLocks noGrp="1"/>
+          </p:cNvSpPr>
+          <p:nvPr>
+            <p:ph type="dt" sz="half" idx="10"/>
+          </p:nvPr>
+        </p:nvSpPr>
+        <p:spPr/>
+        <p:txBody>
+          <a:bodyPr/>
+          <a:lstStyle/>
+          <a:p>
+            <a:fld id="{51A4681B-B51D-4237-B332-FCF0C75B96FC}" type="datetime1">
+              <a:rPr lang="fr-CH" smtClean="0"/>
+              <a:t>17.04.2016</a:t>
+            </a:fld>
+            <a:endParaRPr lang="en-US" dirty="0"/>
+          </a:p>
+        </p:txBody>
+      </p:sp>
+      <p:sp>
+        <p:nvSpPr>
+          <p:cNvPr id="5" name="Espace réservé du numéro de diapositive 4"/>
+          <p:cNvSpPr>
+            <a:spLocks noGrp="1"/>
+          </p:cNvSpPr>
+          <p:nvPr>
+            <p:ph type="sldNum" sz="quarter" idx="12"/>
+          </p:nvPr>
+        </p:nvSpPr>
+        <p:spPr/>
+        <p:txBody>
+          <a:bodyPr/>
+          <a:lstStyle/>
+          <a:p>
+            <a:fld id="{D57F1E4F-1CFF-5643-939E-217C01CDF565}" type="slidenum">
+              <a:rPr lang="en-US" smtClean="0"/>
+              <a:pPr/>
+              <a:t>13</a:t>
+            </a:fld>
+            <a:endParaRPr lang="en-US" dirty="0"/>
+          </a:p>
+        </p:txBody>
+      </p:sp>
+      <p:sp>
+        <p:nvSpPr>
+          <p:cNvPr id="6" name="Espace réservé du contenu 2"/>
+          <p:cNvSpPr>
+            <a:spLocks noGrp="1"/>
+          </p:cNvSpPr>
+          <p:nvPr>
+            <p:ph idx="1"/>
+          </p:nvPr>
+        </p:nvSpPr>
+        <p:spPr>
+          <a:xfrm>
+            <a:off x="818712" y="2222287"/>
+            <a:ext cx="10554574" cy="3636511"/>
+          </a:xfrm>
+        </p:spPr>
+        <p:txBody>
+          <a:bodyPr/>
+          <a:lstStyle/>
+          <a:p>
+            <a:r>
+              <a:rPr lang="fr-CH" dirty="0" smtClean="0"/>
+              <a:t>Prise en main difficile</a:t>
+            </a:r>
+          </a:p>
+          <a:p>
+            <a:pPr lvl="1"/>
+            <a:r>
+              <a:rPr lang="fr-CH" dirty="0"/>
+              <a:t>Installation (docker</a:t>
+            </a:r>
+            <a:r>
+              <a:rPr lang="fr-CH" dirty="0" smtClean="0"/>
+              <a:t>..)</a:t>
+            </a:r>
+          </a:p>
+          <a:p>
+            <a:r>
+              <a:rPr lang="fr-CH" dirty="0" smtClean="0"/>
+              <a:t>Gem </a:t>
+            </a:r>
+          </a:p>
+          <a:p>
+            <a:pPr lvl="1"/>
+            <a:r>
+              <a:rPr lang="fr-CH" dirty="0" smtClean="0"/>
+              <a:t>Service/ faciliter la tache </a:t>
+            </a:r>
+          </a:p>
+          <a:p>
+            <a:r>
+              <a:rPr lang="fr-CH" dirty="0" smtClean="0"/>
+              <a:t>Site fonctionnel</a:t>
+            </a:r>
+          </a:p>
+        </p:txBody>
+      </p:sp>
+      <p:sp>
+        <p:nvSpPr>
+          <p:cNvPr id="7" name="ZoneTexte 6"/>
+          <p:cNvSpPr txBox="1"/>
+          <p:nvPr/>
+        </p:nvSpPr>
+        <p:spPr>
+          <a:xfrm>
+            <a:off x="8996264" y="-48768"/>
+            <a:ext cx="3412902" cy="2523768"/>
+          </a:xfrm>
+          <a:prstGeom prst="rect">
+            <a:avLst/>
+          </a:prstGeom>
+          <a:noFill/>
+        </p:spPr>
+        <p:txBody>
+          <a:bodyPr wrap="square" rtlCol="0">
+            <a:spAutoFit/>
+          </a:bodyPr>
+          <a:lstStyle/>
+          <a:p>
+            <a:pPr marL="285750" indent="-285750">
+              <a:buFont typeface="Arial" panose="020B0604020202020204" pitchFamily="34" charset="0"/>
+              <a:buChar char="•"/>
+            </a:pPr>
+            <a:r>
+              <a:rPr lang="fr-CH" sz="1400" dirty="0" smtClean="0"/>
+              <a:t>Introduction</a:t>
+            </a:r>
+          </a:p>
+          <a:p>
+            <a:pPr marL="285750" indent="-285750">
+              <a:buFont typeface="Arial" panose="020B0604020202020204" pitchFamily="34" charset="0"/>
+              <a:buChar char="•"/>
+            </a:pPr>
+            <a:r>
+              <a:rPr lang="fr-CH" sz="1400" dirty="0" smtClean="0"/>
+              <a:t>Répartition des </a:t>
+            </a:r>
+            <a:r>
+              <a:rPr lang="fr-CH" sz="1400" dirty="0" smtClean="0"/>
+              <a:t>tâches</a:t>
+            </a:r>
+          </a:p>
+          <a:p>
+            <a:pPr marL="285750" indent="-285750">
+              <a:buFont typeface="Arial" panose="020B0604020202020204" pitchFamily="34" charset="0"/>
+              <a:buChar char="•"/>
+            </a:pPr>
+            <a:r>
+              <a:rPr lang="fr-CH" sz="1400" dirty="0">
+                <a:ea typeface="Lato Thin" panose="020F0502020204030203" pitchFamily="34" charset="0"/>
+                <a:cs typeface="Lato Thin" panose="020F0502020204030203" pitchFamily="34" charset="0"/>
+              </a:rPr>
+              <a:t>Schéma base de </a:t>
+            </a:r>
+            <a:r>
+              <a:rPr lang="fr-CH" sz="1400" dirty="0" smtClean="0">
+                <a:ea typeface="Lato Thin" panose="020F0502020204030203" pitchFamily="34" charset="0"/>
+                <a:cs typeface="Lato Thin" panose="020F0502020204030203" pitchFamily="34" charset="0"/>
+              </a:rPr>
+              <a:t>données</a:t>
+            </a:r>
+          </a:p>
+          <a:p>
+            <a:pPr marL="285750" indent="-285750">
+              <a:buFont typeface="Arial" panose="020B0604020202020204" pitchFamily="34" charset="0"/>
+              <a:buChar char="•"/>
+            </a:pPr>
+            <a:r>
+              <a:rPr lang="fr-CH" sz="1400" dirty="0" smtClean="0"/>
+              <a:t>Fonctionnalités</a:t>
+            </a:r>
+            <a:endParaRPr lang="fr-CH" sz="1400" dirty="0" smtClean="0"/>
+          </a:p>
+          <a:p>
+            <a:pPr marL="285750" indent="-285750">
+              <a:buFont typeface="Arial" panose="020B0604020202020204" pitchFamily="34" charset="0"/>
+              <a:buChar char="•"/>
+            </a:pPr>
+            <a:r>
+              <a:rPr lang="fr-CH" sz="1400" dirty="0" smtClean="0"/>
+              <a:t>Librairies</a:t>
+            </a:r>
+            <a:endParaRPr lang="fr-CH" sz="1400" dirty="0" smtClean="0"/>
+          </a:p>
+          <a:p>
+            <a:pPr marL="285750" indent="-285750">
+              <a:buFont typeface="Arial" panose="020B0604020202020204" pitchFamily="34" charset="0"/>
+              <a:buChar char="•"/>
+            </a:pPr>
+            <a:r>
+              <a:rPr lang="fr-CH" sz="1400" dirty="0" smtClean="0"/>
+              <a:t>Démo</a:t>
+            </a:r>
+          </a:p>
+          <a:p>
+            <a:pPr marL="285750" indent="-285750">
+              <a:buFont typeface="Arial" panose="020B0604020202020204" pitchFamily="34" charset="0"/>
+              <a:buChar char="•"/>
+            </a:pPr>
+            <a:r>
+              <a:rPr lang="fr-CH" sz="1400" dirty="0"/>
+              <a:t>Améliorations</a:t>
+            </a:r>
+          </a:p>
+          <a:p>
+            <a:pPr marL="285750" indent="-285750">
+              <a:buFont typeface="Arial" panose="020B0604020202020204" pitchFamily="34" charset="0"/>
+              <a:buChar char="•"/>
+            </a:pPr>
+            <a:r>
+              <a:rPr lang="fr-CH" sz="1400" b="1" dirty="0">
+                <a:solidFill>
+                  <a:srgbClr val="FF0000"/>
+                </a:solidFill>
+              </a:rPr>
+              <a:t>Conclusion</a:t>
+            </a:r>
+          </a:p>
+          <a:p>
+            <a:pPr marL="285750" indent="-285750">
+              <a:buFont typeface="Arial" panose="020B0604020202020204" pitchFamily="34" charset="0"/>
+              <a:buChar char="•"/>
+            </a:pPr>
+            <a:r>
+              <a:rPr lang="fr-CH" sz="1400" dirty="0"/>
+              <a:t>Sources</a:t>
+            </a:r>
+          </a:p>
+          <a:p>
+            <a:endParaRPr lang="fr-CH" sz="1400" dirty="0" smtClean="0"/>
+          </a:p>
+          <a:p>
+            <a:pPr marL="285750" indent="-285750">
+              <a:buFont typeface="Arial" panose="020B0604020202020204" pitchFamily="34" charset="0"/>
+              <a:buChar char="•"/>
+            </a:pPr>
+            <a:endParaRPr lang="fr-CH" dirty="0"/>
+          </a:p>
+        </p:txBody>
+      </p:sp>
+    </p:spTree>
+    <p:extLst>
+      <p:ext uri="{BB962C8B-B14F-4D97-AF65-F5344CB8AC3E}">
+        <p14:creationId xmlns:p14="http://schemas.microsoft.com/office/powerpoint/2010/main" val="1726389840"/>
+      </p:ext>
+    </p:extLst>
+  </p:cSld>
+  <p:clrMapOvr>
+    <a:masterClrMapping/>
+  </p:clrMapOvr>
+</p:sld>
+</file>
+
+<file path=ppt/slides/slide14.xml><?xml version="1.0" encoding="utf-8"?>
+<p:sld xmlns:a="http://schemas.openxmlformats.org/drawingml/2006/main" xmlns:r="http://schemas.openxmlformats.org/officeDocument/2006/relationships" xmlns:p="http://schemas.openxmlformats.org/presentationml/2006/main">
+  <p:cSld>
+    <p:spTree>
+      <p:nvGrpSpPr>
+        <p:cNvPr id="1" name=""/>
+        <p:cNvGrpSpPr/>
+        <p:nvPr/>
+      </p:nvGrpSpPr>
+      <p:grpSpPr>
+        <a:xfrm>
+          <a:off x="0" y="0"/>
+          <a:ext cx="0" cy="0"/>
+          <a:chOff x="0" y="0"/>
+          <a:chExt cx="0" cy="0"/>
+        </a:xfrm>
+      </p:grpSpPr>
+      <p:sp>
+        <p:nvSpPr>
+          <p:cNvPr id="2" name="Titre 1"/>
+          <p:cNvSpPr>
+            <a:spLocks noGrp="1"/>
+          </p:cNvSpPr>
+          <p:nvPr>
+            <p:ph type="title"/>
+          </p:nvPr>
+        </p:nvSpPr>
+        <p:spPr/>
+        <p:txBody>
+          <a:bodyPr/>
+          <a:lstStyle/>
+          <a:p>
+            <a:r>
+              <a:rPr lang="fr-CH" dirty="0" smtClean="0"/>
+              <a:t>Sources</a:t>
+            </a:r>
+            <a:endParaRPr lang="fr-FR" dirty="0"/>
+          </a:p>
+        </p:txBody>
+      </p:sp>
+      <p:sp>
+        <p:nvSpPr>
+          <p:cNvPr id="3" name="Espace réservé du contenu 2"/>
+          <p:cNvSpPr>
+            <a:spLocks noGrp="1"/>
+          </p:cNvSpPr>
+          <p:nvPr>
+            <p:ph idx="1"/>
+          </p:nvPr>
+        </p:nvSpPr>
+        <p:spPr/>
+        <p:txBody>
+          <a:bodyPr/>
+          <a:lstStyle/>
+          <a:p>
+            <a:r>
+              <a:rPr lang="fr-FR" dirty="0">
+                <a:hlinkClick r:id="rId2"/>
+              </a:rPr>
+              <a:t>http://rubyonrails.org</a:t>
+            </a:r>
+            <a:r>
+              <a:rPr lang="fr-FR" dirty="0" smtClean="0">
+                <a:hlinkClick r:id="rId2"/>
+              </a:rPr>
+              <a:t>/</a:t>
+            </a:r>
+            <a:endParaRPr lang="fr-FR" dirty="0" smtClean="0"/>
+          </a:p>
+          <a:p>
+            <a:r>
+              <a:rPr lang="fr-FR" dirty="0">
+                <a:hlinkClick r:id="rId3"/>
+              </a:rPr>
+              <a:t>https://rubygems.org</a:t>
+            </a:r>
+            <a:r>
+              <a:rPr lang="fr-FR" dirty="0" smtClean="0">
+                <a:hlinkClick r:id="rId3"/>
+              </a:rPr>
+              <a:t>/</a:t>
+            </a:r>
+            <a:endParaRPr lang="fr-FR" dirty="0" smtClean="0"/>
+          </a:p>
+          <a:p>
+            <a:r>
+              <a:rPr lang="fr-FR" dirty="0">
+                <a:hlinkClick r:id="rId4"/>
+              </a:rPr>
+              <a:t>https://www.codeschool.com</a:t>
+            </a:r>
+            <a:r>
+              <a:rPr lang="fr-FR" dirty="0" smtClean="0">
+                <a:hlinkClick r:id="rId4"/>
+              </a:rPr>
+              <a:t>/</a:t>
+            </a:r>
+            <a:endParaRPr lang="fr-FR" dirty="0" smtClean="0"/>
+          </a:p>
+          <a:p>
+            <a:r>
+              <a:rPr lang="fr-FR" dirty="0">
+                <a:hlinkClick r:id="rId5"/>
+              </a:rPr>
+              <a:t>http://materializecss.com</a:t>
+            </a:r>
+            <a:r>
+              <a:rPr lang="fr-FR" dirty="0" smtClean="0">
+                <a:hlinkClick r:id="rId5"/>
+              </a:rPr>
+              <a:t>/</a:t>
+            </a:r>
+            <a:endParaRPr lang="fr-FR" dirty="0" smtClean="0"/>
+          </a:p>
+          <a:p>
+            <a:r>
+              <a:rPr lang="fr-FR" dirty="0"/>
+              <a:t>https://openclassrooms.com/</a:t>
+            </a:r>
+          </a:p>
+        </p:txBody>
+      </p:sp>
+      <p:sp>
+        <p:nvSpPr>
+          <p:cNvPr id="4" name="Espace réservé de la date 3"/>
+          <p:cNvSpPr>
+            <a:spLocks noGrp="1"/>
+          </p:cNvSpPr>
+          <p:nvPr>
+            <p:ph type="dt" sz="half" idx="10"/>
+          </p:nvPr>
+        </p:nvSpPr>
+        <p:spPr/>
+        <p:txBody>
+          <a:bodyPr/>
+          <a:lstStyle/>
+          <a:p>
+            <a:fld id="{51A4681B-B51D-4237-B332-FCF0C75B96FC}" type="datetime1">
+              <a:rPr lang="fr-CH" smtClean="0"/>
+              <a:t>17.04.2016</a:t>
+            </a:fld>
+            <a:endParaRPr lang="en-US" dirty="0"/>
+          </a:p>
+        </p:txBody>
+      </p:sp>
+      <p:sp>
+        <p:nvSpPr>
+          <p:cNvPr id="5" name="Espace réservé du numéro de diapositive 4"/>
+          <p:cNvSpPr>
+            <a:spLocks noGrp="1"/>
+          </p:cNvSpPr>
+          <p:nvPr>
+            <p:ph type="sldNum" sz="quarter" idx="12"/>
+          </p:nvPr>
+        </p:nvSpPr>
+        <p:spPr/>
+        <p:txBody>
+          <a:bodyPr/>
+          <a:lstStyle/>
+          <a:p>
+            <a:fld id="{D57F1E4F-1CFF-5643-939E-217C01CDF565}" type="slidenum">
+              <a:rPr lang="en-US" smtClean="0"/>
+              <a:pPr/>
+              <a:t>14</a:t>
+            </a:fld>
+            <a:endParaRPr lang="en-US" dirty="0"/>
+          </a:p>
+        </p:txBody>
+      </p:sp>
+      <p:sp>
+        <p:nvSpPr>
+          <p:cNvPr id="6" name="ZoneTexte 5"/>
+          <p:cNvSpPr txBox="1"/>
+          <p:nvPr/>
+        </p:nvSpPr>
+        <p:spPr>
+          <a:xfrm>
+            <a:off x="8996264" y="-48768"/>
+            <a:ext cx="3412902" cy="2523768"/>
+          </a:xfrm>
+          <a:prstGeom prst="rect">
+            <a:avLst/>
+          </a:prstGeom>
+          <a:noFill/>
+        </p:spPr>
+        <p:txBody>
+          <a:bodyPr wrap="square" rtlCol="0">
+            <a:spAutoFit/>
+          </a:bodyPr>
+          <a:lstStyle/>
+          <a:p>
+            <a:pPr marL="285750" indent="-285750">
+              <a:buFont typeface="Arial" panose="020B0604020202020204" pitchFamily="34" charset="0"/>
+              <a:buChar char="•"/>
+            </a:pPr>
+            <a:r>
+              <a:rPr lang="fr-CH" sz="1400" dirty="0" smtClean="0"/>
+              <a:t>Introduction</a:t>
+            </a:r>
+          </a:p>
+          <a:p>
+            <a:pPr marL="285750" indent="-285750">
+              <a:buFont typeface="Arial" panose="020B0604020202020204" pitchFamily="34" charset="0"/>
+              <a:buChar char="•"/>
+            </a:pPr>
+            <a:r>
+              <a:rPr lang="fr-CH" sz="1400" dirty="0" smtClean="0"/>
+              <a:t>Répartition des </a:t>
+            </a:r>
+            <a:r>
+              <a:rPr lang="fr-CH" sz="1400" dirty="0" smtClean="0"/>
+              <a:t>tâches</a:t>
+            </a:r>
+          </a:p>
+          <a:p>
+            <a:pPr marL="285750" indent="-285750">
+              <a:buFont typeface="Arial" panose="020B0604020202020204" pitchFamily="34" charset="0"/>
+              <a:buChar char="•"/>
+            </a:pPr>
+            <a:r>
+              <a:rPr lang="fr-CH" sz="1400" dirty="0">
+                <a:ea typeface="Lato Thin" panose="020F0502020204030203" pitchFamily="34" charset="0"/>
+                <a:cs typeface="Lato Thin" panose="020F0502020204030203" pitchFamily="34" charset="0"/>
+              </a:rPr>
+              <a:t>Schéma base de </a:t>
+            </a:r>
+            <a:r>
+              <a:rPr lang="fr-CH" sz="1400" dirty="0" smtClean="0">
+                <a:ea typeface="Lato Thin" panose="020F0502020204030203" pitchFamily="34" charset="0"/>
+                <a:cs typeface="Lato Thin" panose="020F0502020204030203" pitchFamily="34" charset="0"/>
+              </a:rPr>
+              <a:t>données</a:t>
+            </a:r>
+          </a:p>
+          <a:p>
+            <a:pPr marL="285750" indent="-285750">
+              <a:buFont typeface="Arial" panose="020B0604020202020204" pitchFamily="34" charset="0"/>
+              <a:buChar char="•"/>
+            </a:pPr>
+            <a:r>
+              <a:rPr lang="fr-CH" sz="1400" dirty="0" smtClean="0"/>
+              <a:t>Fonctionnalités</a:t>
+            </a:r>
+            <a:endParaRPr lang="fr-CH" sz="1400" dirty="0" smtClean="0"/>
+          </a:p>
+          <a:p>
+            <a:pPr marL="285750" indent="-285750">
+              <a:buFont typeface="Arial" panose="020B0604020202020204" pitchFamily="34" charset="0"/>
+              <a:buChar char="•"/>
+            </a:pPr>
+            <a:r>
+              <a:rPr lang="fr-CH" sz="1400" dirty="0" smtClean="0"/>
+              <a:t>Librairies</a:t>
+            </a:r>
+            <a:endParaRPr lang="fr-CH" sz="1400" dirty="0" smtClean="0"/>
+          </a:p>
+          <a:p>
+            <a:pPr marL="285750" indent="-285750">
+              <a:buFont typeface="Arial" panose="020B0604020202020204" pitchFamily="34" charset="0"/>
+              <a:buChar char="•"/>
+            </a:pPr>
+            <a:r>
+              <a:rPr lang="fr-CH" sz="1400" dirty="0" smtClean="0"/>
+              <a:t>Démo</a:t>
+            </a:r>
+          </a:p>
+          <a:p>
+            <a:pPr marL="285750" indent="-285750">
+              <a:buFont typeface="Arial" panose="020B0604020202020204" pitchFamily="34" charset="0"/>
+              <a:buChar char="•"/>
+            </a:pPr>
+            <a:r>
+              <a:rPr lang="fr-CH" sz="1400" dirty="0"/>
+              <a:t>Améliorations</a:t>
+            </a:r>
+          </a:p>
+          <a:p>
+            <a:pPr marL="285750" indent="-285750">
+              <a:buFont typeface="Arial" panose="020B0604020202020204" pitchFamily="34" charset="0"/>
+              <a:buChar char="•"/>
+            </a:pPr>
+            <a:r>
+              <a:rPr lang="fr-CH" sz="1400" dirty="0"/>
+              <a:t>Conclusion</a:t>
+            </a:r>
+          </a:p>
+          <a:p>
+            <a:pPr marL="285750" indent="-285750">
+              <a:buFont typeface="Arial" panose="020B0604020202020204" pitchFamily="34" charset="0"/>
+              <a:buChar char="•"/>
+            </a:pPr>
+            <a:r>
+              <a:rPr lang="fr-CH" sz="1400" b="1" dirty="0">
+                <a:solidFill>
+                  <a:srgbClr val="FF0000"/>
+                </a:solidFill>
+              </a:rPr>
+              <a:t>Sources</a:t>
+            </a:r>
+          </a:p>
+          <a:p>
+            <a:endParaRPr lang="fr-CH" sz="1400" dirty="0" smtClean="0"/>
+          </a:p>
+          <a:p>
+            <a:pPr marL="285750" indent="-285750">
+              <a:buFont typeface="Arial" panose="020B0604020202020204" pitchFamily="34" charset="0"/>
+              <a:buChar char="•"/>
+            </a:pPr>
+            <a:endParaRPr lang="fr-CH" dirty="0"/>
+          </a:p>
+        </p:txBody>
+      </p:sp>
+    </p:spTree>
+    <p:extLst>
+      <p:ext uri="{BB962C8B-B14F-4D97-AF65-F5344CB8AC3E}">
+        <p14:creationId xmlns:p14="http://schemas.microsoft.com/office/powerpoint/2010/main" val="695025000"/>
+      </p:ext>
+    </p:extLst>
+  </p:cSld>
+  <p:clrMapOvr>
+    <a:masterClrMapping/>
+  </p:clrMapOvr>
+</p:sld>
+</file>
+
+<file path=ppt/slides/slide15.xml><?xml version="1.0" encoding="utf-8"?>
+<p:sld xmlns:a="http://schemas.openxmlformats.org/drawingml/2006/main" xmlns:r="http://schemas.openxmlformats.org/officeDocument/2006/relationships" xmlns:p="http://schemas.openxmlformats.org/presentationml/2006/main">
+  <p:cSld>
+    <p:spTree>
+      <p:nvGrpSpPr>
+        <p:cNvPr id="1" name=""/>
+        <p:cNvGrpSpPr/>
+        <p:nvPr/>
+      </p:nvGrpSpPr>
+      <p:grpSpPr>
+        <a:xfrm>
+          <a:off x="0" y="0"/>
+          <a:ext cx="0" cy="0"/>
+          <a:chOff x="0" y="0"/>
+          <a:chExt cx="0" cy="0"/>
+        </a:xfrm>
+      </p:grpSpPr>
+      <p:sp>
+        <p:nvSpPr>
+          <p:cNvPr id="2" name="Titre 1"/>
+          <p:cNvSpPr>
+            <a:spLocks noGrp="1"/>
+          </p:cNvSpPr>
+          <p:nvPr>
+            <p:ph type="ctrTitle"/>
+          </p:nvPr>
+        </p:nvSpPr>
+        <p:spPr/>
+        <p:txBody>
+          <a:bodyPr/>
+          <a:lstStyle/>
+          <a:p>
+            <a:r>
+              <a:rPr lang="fr-CH" dirty="0" smtClean="0"/>
+              <a:t>Question(s) ?</a:t>
+            </a:r>
+            <a:endParaRPr lang="fr-CH" dirty="0"/>
+          </a:p>
+        </p:txBody>
+      </p:sp>
+      <p:sp>
+        <p:nvSpPr>
+          <p:cNvPr id="3" name="Sous-titre 2"/>
+          <p:cNvSpPr>
+            <a:spLocks noGrp="1"/>
+          </p:cNvSpPr>
+          <p:nvPr>
+            <p:ph type="subTitle" idx="1"/>
+          </p:nvPr>
+        </p:nvSpPr>
+        <p:spPr/>
+        <p:txBody>
+          <a:bodyPr/>
+          <a:lstStyle/>
+          <a:p>
+            <a:r>
+              <a:rPr lang="fr-CH" dirty="0" smtClean="0"/>
+              <a:t>Vous pouvez éviter</a:t>
+            </a:r>
+            <a:endParaRPr lang="fr-CH" dirty="0"/>
+          </a:p>
+        </p:txBody>
+      </p:sp>
+      <p:sp>
+        <p:nvSpPr>
+          <p:cNvPr id="4" name="Espace réservé de la date 3"/>
+          <p:cNvSpPr>
+            <a:spLocks noGrp="1"/>
+          </p:cNvSpPr>
+          <p:nvPr>
+            <p:ph type="dt" sz="half" idx="10"/>
+          </p:nvPr>
+        </p:nvSpPr>
+        <p:spPr/>
+        <p:txBody>
+          <a:bodyPr/>
+          <a:lstStyle/>
+          <a:p>
+            <a:fld id="{9DFE51E5-50AC-48B7-BA12-E65971CB18CA}" type="datetime1">
+              <a:rPr lang="fr-CH" smtClean="0"/>
+              <a:t>17.04.2016</a:t>
+            </a:fld>
+            <a:endParaRPr lang="en-US" dirty="0"/>
+          </a:p>
+        </p:txBody>
+      </p:sp>
+      <p:sp>
+        <p:nvSpPr>
+          <p:cNvPr id="5" name="Espace réservé du numéro de diapositive 4"/>
+          <p:cNvSpPr>
+            <a:spLocks noGrp="1"/>
+          </p:cNvSpPr>
+          <p:nvPr>
+            <p:ph type="sldNum" sz="quarter" idx="12"/>
+          </p:nvPr>
+        </p:nvSpPr>
+        <p:spPr/>
+        <p:txBody>
+          <a:bodyPr/>
+          <a:lstStyle/>
+          <a:p>
+            <a:fld id="{D57F1E4F-1CFF-5643-939E-217C01CDF565}" type="slidenum">
+              <a:rPr lang="en-US" smtClean="0"/>
+              <a:pPr/>
+              <a:t>15</a:t>
             </a:fld>
             <a:endParaRPr lang="en-US" dirty="0"/>
           </a:p>
@@ -6328,8 +7625,25 @@
           <a:p>
             <a:r>
               <a:rPr lang="fr-CH" dirty="0" smtClean="0"/>
-              <a:t>Répartition des tâches</a:t>
-            </a:r>
+              <a:t>Répartition des </a:t>
+            </a:r>
+            <a:r>
+              <a:rPr lang="fr-CH" dirty="0" smtClean="0"/>
+              <a:t>tâches</a:t>
+            </a:r>
+          </a:p>
+          <a:p>
+            <a:r>
+              <a:rPr lang="fr-CH" dirty="0">
+                <a:latin typeface="+mj-lt"/>
+                <a:ea typeface="Lato Thin" panose="020F0502020204030203" pitchFamily="34" charset="0"/>
+                <a:cs typeface="Lato Thin" panose="020F0502020204030203" pitchFamily="34" charset="0"/>
+              </a:rPr>
+              <a:t>Schéma base de données</a:t>
+            </a:r>
+            <a:endParaRPr lang="fr-CH" dirty="0" smtClean="0">
+              <a:latin typeface="+mj-lt"/>
+            </a:endParaRPr>
           </a:p>
           <a:p>
             <a:r>
@@ -6348,6 +7662,24 @@
               <a:rPr lang="fr-CH" dirty="0" smtClean="0"/>
               <a:t>Démo</a:t>
             </a:r>
+          </a:p>
+          <a:p>
+            <a:r>
+              <a:rPr lang="fr-CH" dirty="0" smtClean="0"/>
+              <a:t>Améliorations</a:t>
+            </a:r>
+          </a:p>
+          <a:p>
+            <a:r>
+              <a:rPr lang="fr-CH" dirty="0" smtClean="0"/>
+              <a:t>Conclusion</a:t>
+            </a:r>
+          </a:p>
+          <a:p>
+            <a:r>
+              <a:rPr lang="fr-CH" dirty="0" smtClean="0"/>
+              <a:t>Sources</a:t>
+            </a:r>
             <a:endParaRPr lang="fr-CH" dirty="0"/>
           </a:p>
         </p:txBody>
@@ -6369,7 +7701,7 @@
           <a:p>
             <a:fld id="{832784FF-D679-4CBA-AA3E-12EE606CFC87}" type="datetime1">
               <a:rPr lang="fr-CH" smtClean="0"/>
-              <a:t>13.04.2016</a:t>
+              <a:t>17.04.2016</a:t>
             </a:fld>
             <a:endParaRPr lang="en-US" dirty="0"/>
           </a:p>
@@ -6505,8 +7837,8 @@
         </p:nvSpPr>
         <p:spPr>
           <a:xfrm>
-            <a:off x="8779098" y="447188"/>
-            <a:ext cx="3412902" cy="1446550"/>
+            <a:off x="8754714" y="-73845"/>
+            <a:ext cx="3303174" cy="2308324"/>
           </a:xfrm>
           <a:prstGeom prst="rect">
             <a:avLst/>
@@ -6539,7 +7871,11 @@
             </a:pPr>
             <a:r>
               <a:rPr lang="fr-CH" sz="1400" dirty="0" smtClean="0"/>
-              <a:t>Répartition des tâches</a:t>
+              <a:t>Répartition des </a:t>
+            </a:r>
+            <a:r>
+              <a:rPr lang="fr-CH" sz="1400" dirty="0" smtClean="0"/>
+              <a:t>tâches</a:t>
             </a:r>
           </a:p>
           <a:p>
@@ -6548,9 +7884,20 @@
               <a:buChar char="•"/>
             </a:pPr>
             <a:r>
-              <a:rPr lang="fr-CH" sz="1400" dirty="0" smtClean="0"/>
-              <a:t>Fonctionnalités</a:t>
-            </a:r>
+              <a:rPr lang="fr-CH" sz="1400" dirty="0">
+                <a:ea typeface="Lato Thin" panose="020F0502020204030203" pitchFamily="34" charset="0"/>
+                <a:cs typeface="Lato Thin" panose="020F0502020204030203" pitchFamily="34" charset="0"/>
+              </a:rPr>
+              <a:t>Schéma base de </a:t>
+            </a:r>
+            <a:r>
+              <a:rPr lang="fr-CH" sz="1400" dirty="0" smtClean="0">
+                <a:ea typeface="Lato Thin" panose="020F0502020204030203" pitchFamily="34" charset="0"/>
+                <a:cs typeface="Lato Thin" panose="020F0502020204030203" pitchFamily="34" charset="0"/>
+              </a:rPr>
+              <a:t>données</a:t>
+            </a:r>
+            <a:endParaRPr lang="fr-CH" sz="1400" dirty="0" smtClean="0"/>
           </a:p>
           <a:p>
             <a:pPr marL="285750" indent="-285750">
@@ -6559,7 +7906,7 @@
             </a:pPr>
             <a:r>
               <a:rPr lang="fr-CH" sz="1400" dirty="0" smtClean="0"/>
-              <a:t>Librairies</a:t>
+              <a:t>Fonctionnalités</a:t>
             </a:r>
           </a:p>
           <a:p>
@@ -6569,8 +7916,49 @@
             </a:pPr>
             <a:r>
               <a:rPr lang="fr-CH" sz="1400" dirty="0" smtClean="0"/>
+              <a:t>Librairies</a:t>
+            </a:r>
+          </a:p>
+          <a:p>
+            <a:pPr marL="285750" indent="-285750">
+              <a:buFont typeface="Arial" panose="020B0604020202020204" pitchFamily="34" charset="0"/>
+              <a:buChar char="•"/>
+            </a:pPr>
+            <a:r>
+              <a:rPr lang="fr-CH" sz="1400" dirty="0" smtClean="0"/>
               <a:t>Démo</a:t>
             </a:r>
+          </a:p>
+          <a:p>
+            <a:pPr marL="285750" indent="-285750">
+              <a:buFont typeface="Arial" panose="020B0604020202020204" pitchFamily="34" charset="0"/>
+              <a:buChar char="•"/>
+            </a:pPr>
+            <a:r>
+              <a:rPr lang="fr-CH" sz="1400" dirty="0" smtClean="0"/>
+              <a:t>Améliorations</a:t>
+            </a:r>
+          </a:p>
+          <a:p>
+            <a:pPr marL="285750" indent="-285750">
+              <a:buFont typeface="Arial" panose="020B0604020202020204" pitchFamily="34" charset="0"/>
+              <a:buChar char="•"/>
+            </a:pPr>
+            <a:r>
+              <a:rPr lang="fr-CH" sz="1400" dirty="0" smtClean="0"/>
+              <a:t>Conclusion</a:t>
+            </a:r>
+          </a:p>
+          <a:p>
+            <a:pPr marL="285750" indent="-285750">
+              <a:buFont typeface="Arial" panose="020B0604020202020204" pitchFamily="34" charset="0"/>
+              <a:buChar char="•"/>
+            </a:pPr>
+            <a:r>
+              <a:rPr lang="fr-CH" sz="1400" dirty="0" smtClean="0"/>
+              <a:t>Sources</a:t>
+            </a:r>
+            <a:endParaRPr lang="fr-CH" sz="1400" dirty="0" smtClean="0"/>
           </a:p>
           <a:p>
             <a:pPr marL="285750" indent="-285750">
@@ -6598,7 +7986,7 @@
           <a:p>
             <a:fld id="{9D28585F-CEC0-4677-BCB4-FA5D534FF1C0}" type="datetime1">
               <a:rPr lang="fr-CH" smtClean="0"/>
-              <a:t>13.04.2016</a:t>
+              <a:t>17.04.2016</a:t>
             </a:fld>
             <a:endParaRPr lang="en-US" dirty="0"/>
           </a:p>
@@ -6843,8 +8231,8 @@
         </p:nvSpPr>
         <p:spPr>
           <a:xfrm>
-            <a:off x="8779098" y="447188"/>
-            <a:ext cx="3412902" cy="1446550"/>
+            <a:off x="8779098" y="-64678"/>
+            <a:ext cx="3412902" cy="2523768"/>
           </a:xfrm>
           <a:prstGeom prst="rect">
             <a:avLst/>
@@ -6877,7 +8265,15 @@
                   <a:srgbClr val="FF0000"/>
                 </a:solidFill>
               </a:rPr>
-              <a:t>Répartition des tâches</a:t>
+              <a:t>Répartition des </a:t>
+            </a:r>
+            <a:r>
+              <a:rPr lang="fr-CH" sz="1400" b="1" dirty="0" smtClean="0">
+                <a:solidFill>
+                  <a:srgbClr val="FF0000"/>
+                </a:solidFill>
+              </a:rPr>
+              <a:t>tâches</a:t>
             </a:r>
           </a:p>
           <a:p>
@@ -6886,9 +8282,19 @@
               <a:buChar char="•"/>
             </a:pPr>
             <a:r>
-              <a:rPr lang="fr-CH" sz="1400" dirty="0" smtClean="0"/>
-              <a:t>Fonctionnalités</a:t>
-            </a:r>
+              <a:rPr lang="fr-CH" sz="1400" dirty="0">
+                <a:latin typeface="+mj-lt"/>
+                <a:ea typeface="Lato Thin" panose="020F0502020204030203" pitchFamily="34" charset="0"/>
+                <a:cs typeface="Lato Thin" panose="020F0502020204030203" pitchFamily="34" charset="0"/>
+              </a:rPr>
+              <a:t>Schéma base de données</a:t>
+            </a:r>
+            <a:endParaRPr lang="fr-CH" sz="1400" b="1" dirty="0" smtClean="0">
+              <a:solidFill>
+                <a:srgbClr val="FF0000"/>
+              </a:solidFill>
+              <a:latin typeface="+mj-lt"/>
+            </a:endParaRPr>
           </a:p>
           <a:p>
             <a:pPr marL="285750" indent="-285750">
@@ -6897,7 +8303,7 @@
             </a:pPr>
             <a:r>
               <a:rPr lang="fr-CH" sz="1400" dirty="0" smtClean="0"/>
-              <a:t>Librairies</a:t>
+              <a:t>Fonctionnalités</a:t>
             </a:r>
           </a:p>
           <a:p>
@@ -6907,8 +8313,55 @@
             </a:pPr>
             <a:r>
               <a:rPr lang="fr-CH" sz="1400" dirty="0" smtClean="0"/>
+              <a:t>Librairies</a:t>
+            </a:r>
+          </a:p>
+          <a:p>
+            <a:pPr marL="285750" indent="-285750">
+              <a:buFont typeface="Arial" panose="020B0604020202020204" pitchFamily="34" charset="0"/>
+              <a:buChar char="•"/>
+            </a:pPr>
+            <a:r>
+              <a:rPr lang="fr-CH" sz="1400" dirty="0" smtClean="0"/>
               <a:t>Démo</a:t>
             </a:r>
+          </a:p>
+          <a:p>
+            <a:pPr marL="285750" indent="-285750">
+              <a:buFont typeface="Arial" panose="020B0604020202020204" pitchFamily="34" charset="0"/>
+              <a:buChar char="•"/>
+            </a:pPr>
+            <a:r>
+              <a:rPr lang="fr-CH" sz="1400" dirty="0"/>
+              <a:t>Améliorations</a:t>
+            </a:r>
+          </a:p>
+          <a:p>
+            <a:pPr marL="285750" indent="-285750">
+              <a:buFont typeface="Arial" panose="020B0604020202020204" pitchFamily="34" charset="0"/>
+              <a:buChar char="•"/>
+            </a:pPr>
+            <a:r>
+              <a:rPr lang="fr-CH" sz="1400" dirty="0"/>
+              <a:t>Conclusion</a:t>
+            </a:r>
+          </a:p>
+          <a:p>
+            <a:pPr marL="285750" indent="-285750">
+              <a:buFont typeface="Arial" panose="020B0604020202020204" pitchFamily="34" charset="0"/>
+              <a:buChar char="•"/>
+            </a:pPr>
+            <a:r>
+              <a:rPr lang="fr-CH" sz="1400" dirty="0"/>
+              <a:t>Sources</a:t>
+            </a:r>
+          </a:p>
+          <a:p>
+            <a:pPr marL="285750" indent="-285750">
+              <a:buFont typeface="Arial" panose="020B0604020202020204" pitchFamily="34" charset="0"/>
+              <a:buChar char="•"/>
+            </a:pPr>
+            <a:endParaRPr lang="fr-CH" sz="1400" dirty="0" smtClean="0"/>
           </a:p>
           <a:p>
             <a:pPr marL="285750" indent="-285750">
@@ -6936,7 +8389,7 @@
           <a:p>
             <a:fld id="{1A3D8A6F-E02E-4EFA-AAE6-7DAA96ABC37A}" type="datetime1">
               <a:rPr lang="fr-CH" smtClean="0"/>
-              <a:t>13.04.2016</a:t>
+              <a:t>17.04.2016</a:t>
             </a:fld>
             <a:endParaRPr lang="en-US" dirty="0"/>
           </a:p>
@@ -6998,12 +8451,12 @@
       </p:grpSpPr>
       <p:sp>
         <p:nvSpPr>
-          <p:cNvPr id="2" name="Titre 1"/>
-          <p:cNvSpPr>
-            <a:spLocks noGrp="1"/>
-          </p:cNvSpPr>
-          <p:nvPr>
-            <p:ph type="ctrTitle"/>
+          <p:cNvPr id="7" name="Espace réservé de la date 6"/>
+          <p:cNvSpPr>
+            <a:spLocks noGrp="1"/>
+          </p:cNvSpPr>
+          <p:nvPr>
+            <p:ph type="dt" sz="half" idx="10"/>
           </p:nvPr>
         </p:nvSpPr>
         <p:spPr/>
@@ -7011,55 +8464,9 @@
           <a:bodyPr/>
           <a:lstStyle/>
           <a:p>
-            <a:r>
-              <a:rPr lang="fr-CH" dirty="0" smtClean="0"/>
-              <a:t>Fonctionnalités</a:t>
-            </a:r>
-            <a:endParaRPr lang="fr-CH" dirty="0"/>
-          </a:p>
-        </p:txBody>
-      </p:sp>
-      <p:sp>
-        <p:nvSpPr>
-          <p:cNvPr id="3" name="Sous-titre 2"/>
-          <p:cNvSpPr>
-            <a:spLocks noGrp="1"/>
-          </p:cNvSpPr>
-          <p:nvPr>
-            <p:ph type="subTitle" idx="1"/>
-          </p:nvPr>
-        </p:nvSpPr>
-        <p:spPr/>
-        <p:txBody>
-          <a:bodyPr/>
-          <a:lstStyle/>
-          <a:p>
-            <a:r>
-              <a:rPr lang="fr-CH" dirty="0" smtClean="0"/>
-              <a:t>Qu’est-ce qu’il est possible de faire ?</a:t>
-            </a:r>
-            <a:endParaRPr lang="fr-CH" dirty="0"/>
-          </a:p>
-        </p:txBody>
-      </p:sp>
-      <p:sp>
-        <p:nvSpPr>
-          <p:cNvPr id="4" name="Espace réservé de la date 3"/>
-          <p:cNvSpPr>
-            <a:spLocks noGrp="1"/>
-          </p:cNvSpPr>
-          <p:nvPr>
-            <p:ph type="dt" sz="half" idx="10"/>
-          </p:nvPr>
-        </p:nvSpPr>
-        <p:spPr/>
-        <p:txBody>
-          <a:bodyPr/>
-          <a:lstStyle/>
-          <a:p>
-            <a:fld id="{F0DC37A3-FA22-47D6-9007-F206E7B3C871}" type="datetime1">
+            <a:fld id="{211143B2-DB96-424B-9EE2-A932DF274FDA}" type="datetime1">
               <a:rPr lang="fr-CH" smtClean="0"/>
-              <a:t>13.04.2016</a:t>
+              <a:t>17.04.2016</a:t>
             </a:fld>
             <a:endParaRPr lang="en-US" dirty="0"/>
           </a:p>
@@ -7067,7 +8474,7 @@
       </p:sp>
       <p:sp>
         <p:nvSpPr>
-          <p:cNvPr id="5" name="Espace réservé du numéro de diapositive 4"/>
+          <p:cNvPr id="8" name="Espace réservé du numéro de diapositive 7"/>
           <p:cNvSpPr>
             <a:spLocks noGrp="1"/>
           </p:cNvSpPr>
@@ -7089,10 +8496,2695 @@
           </a:p>
         </p:txBody>
       </p:sp>
+      <p:grpSp>
+        <p:nvGrpSpPr>
+          <p:cNvPr id="26" name="Groupe 25"/>
+          <p:cNvGrpSpPr/>
+          <p:nvPr/>
+        </p:nvGrpSpPr>
+        <p:grpSpPr>
+          <a:xfrm>
+            <a:off x="3203798" y="2064169"/>
+            <a:ext cx="2296977" cy="2774700"/>
+            <a:chOff x="614082" y="1784414"/>
+            <a:chExt cx="2296975" cy="4392269"/>
+          </a:xfrm>
+        </p:grpSpPr>
+        <p:sp>
+          <p:nvSpPr>
+            <p:cNvPr id="27" name="Rectangle 26"/>
+            <p:cNvSpPr/>
+            <p:nvPr/>
+          </p:nvSpPr>
+          <p:spPr>
+            <a:xfrm>
+              <a:off x="614082" y="2413521"/>
+              <a:ext cx="2296973" cy="3763162"/>
+            </a:xfrm>
+            <a:prstGeom prst="rect">
+              <a:avLst/>
+            </a:prstGeom>
+            <a:solidFill>
+              <a:schemeClr val="bg1"/>
+            </a:solidFill>
+            <a:ln>
+              <a:solidFill>
+                <a:schemeClr val="tx1"/>
+              </a:solidFill>
+            </a:ln>
+          </p:spPr>
+          <p:style>
+            <a:lnRef idx="2">
+              <a:schemeClr val="accent1">
+                <a:shade val="50000"/>
+              </a:schemeClr>
+            </a:lnRef>
+            <a:fillRef idx="1">
+              <a:schemeClr val="accent1"/>
+            </a:fillRef>
+            <a:effectRef idx="0">
+              <a:schemeClr val="accent1"/>
+            </a:effectRef>
+            <a:fontRef idx="minor">
+              <a:schemeClr val="lt1"/>
+            </a:fontRef>
+          </p:style>
+          <p:txBody>
+            <a:bodyPr rtlCol="0" anchor="t"/>
+            <a:lstStyle/>
+            <a:p>
+              <a:r>
+                <a:rPr lang="fr-CH" dirty="0">
+                  <a:solidFill>
+                    <a:schemeClr val="tx1"/>
+                  </a:solidFill>
+                  <a:latin typeface="Open Sans" panose="020B0606030504020204" pitchFamily="34" charset="0"/>
+                  <a:ea typeface="Open Sans" panose="020B0606030504020204" pitchFamily="34" charset="0"/>
+                  <a:cs typeface="Open Sans" panose="020B0606030504020204" pitchFamily="34" charset="0"/>
+                </a:rPr>
+                <a:t>i</a:t>
+              </a:r>
+              <a:r>
+                <a:rPr lang="fr-CH" dirty="0" smtClean="0">
+                  <a:solidFill>
+                    <a:schemeClr val="tx1"/>
+                  </a:solidFill>
+                  <a:latin typeface="Open Sans" panose="020B0606030504020204" pitchFamily="34" charset="0"/>
+                  <a:ea typeface="Open Sans" panose="020B0606030504020204" pitchFamily="34" charset="0"/>
+                  <a:cs typeface="Open Sans" panose="020B0606030504020204" pitchFamily="34" charset="0"/>
+                </a:rPr>
+                <a:t>d: </a:t>
+              </a:r>
+              <a:r>
+                <a:rPr lang="fr-CH" dirty="0" err="1" smtClean="0">
+                  <a:solidFill>
+                    <a:schemeClr val="tx1"/>
+                  </a:solidFill>
+                  <a:latin typeface="Open Sans" panose="020B0606030504020204" pitchFamily="34" charset="0"/>
+                  <a:ea typeface="Open Sans" panose="020B0606030504020204" pitchFamily="34" charset="0"/>
+                  <a:cs typeface="Open Sans" panose="020B0606030504020204" pitchFamily="34" charset="0"/>
+                </a:rPr>
+                <a:t>int</a:t>
+              </a:r>
+              <a:endParaRPr lang="fr-CH" dirty="0" smtClean="0">
+                <a:solidFill>
+                  <a:schemeClr val="tx1"/>
+                </a:solidFill>
+                <a:latin typeface="Open Sans" panose="020B0606030504020204" pitchFamily="34" charset="0"/>
+                <a:ea typeface="Open Sans" panose="020B0606030504020204" pitchFamily="34" charset="0"/>
+                <a:cs typeface="Open Sans" panose="020B0606030504020204" pitchFamily="34" charset="0"/>
+              </a:endParaRPr>
+            </a:p>
+            <a:p>
+              <a:r>
+                <a:rPr lang="fr-CH" dirty="0">
+                  <a:solidFill>
+                    <a:schemeClr val="tx1"/>
+                  </a:solidFill>
+                  <a:latin typeface="Open Sans" panose="020B0606030504020204" pitchFamily="34" charset="0"/>
+                  <a:ea typeface="Open Sans" panose="020B0606030504020204" pitchFamily="34" charset="0"/>
+                  <a:cs typeface="Open Sans" panose="020B0606030504020204" pitchFamily="34" charset="0"/>
+                </a:rPr>
+                <a:t>s</a:t>
+              </a:r>
+              <a:r>
+                <a:rPr lang="fr-CH" dirty="0" smtClean="0">
+                  <a:solidFill>
+                    <a:schemeClr val="tx1"/>
+                  </a:solidFill>
+                  <a:latin typeface="Open Sans" panose="020B0606030504020204" pitchFamily="34" charset="0"/>
+                  <a:ea typeface="Open Sans" panose="020B0606030504020204" pitchFamily="34" charset="0"/>
+                  <a:cs typeface="Open Sans" panose="020B0606030504020204" pitchFamily="34" charset="0"/>
+                </a:rPr>
+                <a:t>tring: </a:t>
+              </a:r>
+              <a:r>
+                <a:rPr lang="fr-CH" dirty="0" err="1" smtClean="0">
+                  <a:solidFill>
+                    <a:schemeClr val="tx1"/>
+                  </a:solidFill>
+                  <a:latin typeface="Open Sans" panose="020B0606030504020204" pitchFamily="34" charset="0"/>
+                  <a:ea typeface="Open Sans" panose="020B0606030504020204" pitchFamily="34" charset="0"/>
+                  <a:cs typeface="Open Sans" panose="020B0606030504020204" pitchFamily="34" charset="0"/>
+                </a:rPr>
+                <a:t>tittle</a:t>
+              </a:r>
+              <a:endParaRPr lang="fr-CH" dirty="0" smtClean="0">
+                <a:solidFill>
+                  <a:schemeClr val="tx1"/>
+                </a:solidFill>
+                <a:latin typeface="Open Sans" panose="020B0606030504020204" pitchFamily="34" charset="0"/>
+                <a:ea typeface="Open Sans" panose="020B0606030504020204" pitchFamily="34" charset="0"/>
+                <a:cs typeface="Open Sans" panose="020B0606030504020204" pitchFamily="34" charset="0"/>
+              </a:endParaRPr>
+            </a:p>
+            <a:p>
+              <a:r>
+                <a:rPr lang="fr-CH" dirty="0" err="1">
+                  <a:solidFill>
+                    <a:schemeClr val="tx1"/>
+                  </a:solidFill>
+                  <a:latin typeface="Open Sans" panose="020B0606030504020204" pitchFamily="34" charset="0"/>
+                  <a:ea typeface="Open Sans" panose="020B0606030504020204" pitchFamily="34" charset="0"/>
+                  <a:cs typeface="Open Sans" panose="020B0606030504020204" pitchFamily="34" charset="0"/>
+                </a:rPr>
+                <a:t>t</a:t>
+              </a:r>
+              <a:r>
+                <a:rPr lang="fr-CH" dirty="0" err="1" smtClean="0">
+                  <a:solidFill>
+                    <a:schemeClr val="tx1"/>
+                  </a:solidFill>
+                  <a:latin typeface="Open Sans" panose="020B0606030504020204" pitchFamily="34" charset="0"/>
+                  <a:ea typeface="Open Sans" panose="020B0606030504020204" pitchFamily="34" charset="0"/>
+                  <a:cs typeface="Open Sans" panose="020B0606030504020204" pitchFamily="34" charset="0"/>
+                </a:rPr>
+                <a:t>ext</a:t>
+              </a:r>
+              <a:r>
+                <a:rPr lang="fr-CH" dirty="0" smtClean="0">
+                  <a:solidFill>
+                    <a:schemeClr val="tx1"/>
+                  </a:solidFill>
+                  <a:latin typeface="Open Sans" panose="020B0606030504020204" pitchFamily="34" charset="0"/>
+                  <a:ea typeface="Open Sans" panose="020B0606030504020204" pitchFamily="34" charset="0"/>
+                  <a:cs typeface="Open Sans" panose="020B0606030504020204" pitchFamily="34" charset="0"/>
+                </a:rPr>
+                <a:t>: </a:t>
+              </a:r>
+              <a:r>
+                <a:rPr lang="fr-CH" dirty="0" err="1" smtClean="0">
+                  <a:solidFill>
+                    <a:schemeClr val="tx1"/>
+                  </a:solidFill>
+                  <a:latin typeface="Open Sans" panose="020B0606030504020204" pitchFamily="34" charset="0"/>
+                  <a:ea typeface="Open Sans" panose="020B0606030504020204" pitchFamily="34" charset="0"/>
+                  <a:cs typeface="Open Sans" panose="020B0606030504020204" pitchFamily="34" charset="0"/>
+                </a:rPr>
+                <a:t>desciption</a:t>
+              </a:r>
+              <a:endParaRPr lang="fr-CH" dirty="0" smtClean="0">
+                <a:solidFill>
+                  <a:schemeClr val="tx1"/>
+                </a:solidFill>
+                <a:latin typeface="Open Sans" panose="020B0606030504020204" pitchFamily="34" charset="0"/>
+                <a:ea typeface="Open Sans" panose="020B0606030504020204" pitchFamily="34" charset="0"/>
+                <a:cs typeface="Open Sans" panose="020B0606030504020204" pitchFamily="34" charset="0"/>
+              </a:endParaRPr>
+            </a:p>
+            <a:p>
+              <a:r>
+                <a:rPr lang="fr-CH" dirty="0">
+                  <a:solidFill>
+                    <a:schemeClr val="tx1"/>
+                  </a:solidFill>
+                  <a:latin typeface="Open Sans" panose="020B0606030504020204" pitchFamily="34" charset="0"/>
+                  <a:ea typeface="Open Sans" panose="020B0606030504020204" pitchFamily="34" charset="0"/>
+                  <a:cs typeface="Open Sans" panose="020B0606030504020204" pitchFamily="34" charset="0"/>
+                </a:rPr>
+                <a:t>s</a:t>
+              </a:r>
+              <a:r>
+                <a:rPr lang="fr-CH" dirty="0" smtClean="0">
+                  <a:solidFill>
+                    <a:schemeClr val="tx1"/>
+                  </a:solidFill>
+                  <a:latin typeface="Open Sans" panose="020B0606030504020204" pitchFamily="34" charset="0"/>
+                  <a:ea typeface="Open Sans" panose="020B0606030504020204" pitchFamily="34" charset="0"/>
+                  <a:cs typeface="Open Sans" panose="020B0606030504020204" pitchFamily="34" charset="0"/>
+                </a:rPr>
+                <a:t>tring: renter</a:t>
+              </a:r>
+            </a:p>
+            <a:p>
+              <a:r>
+                <a:rPr lang="fr-CH" dirty="0" err="1" smtClean="0">
+                  <a:solidFill>
+                    <a:schemeClr val="tx1"/>
+                  </a:solidFill>
+                  <a:latin typeface="Open Sans" panose="020B0606030504020204" pitchFamily="34" charset="0"/>
+                  <a:ea typeface="Open Sans" panose="020B0606030504020204" pitchFamily="34" charset="0"/>
+                  <a:cs typeface="Open Sans" panose="020B0606030504020204" pitchFamily="34" charset="0"/>
+                </a:rPr>
+                <a:t>decimal</a:t>
+              </a:r>
+              <a:r>
+                <a:rPr lang="fr-CH" dirty="0" smtClean="0">
+                  <a:solidFill>
+                    <a:schemeClr val="tx1"/>
+                  </a:solidFill>
+                  <a:latin typeface="Open Sans" panose="020B0606030504020204" pitchFamily="34" charset="0"/>
+                  <a:ea typeface="Open Sans" panose="020B0606030504020204" pitchFamily="34" charset="0"/>
+                  <a:cs typeface="Open Sans" panose="020B0606030504020204" pitchFamily="34" charset="0"/>
+                </a:rPr>
+                <a:t>: </a:t>
+              </a:r>
+              <a:r>
+                <a:rPr lang="fr-CH" dirty="0" err="1" smtClean="0">
+                  <a:solidFill>
+                    <a:schemeClr val="tx1"/>
+                  </a:solidFill>
+                  <a:latin typeface="Open Sans" panose="020B0606030504020204" pitchFamily="34" charset="0"/>
+                  <a:ea typeface="Open Sans" panose="020B0606030504020204" pitchFamily="34" charset="0"/>
+                  <a:cs typeface="Open Sans" panose="020B0606030504020204" pitchFamily="34" charset="0"/>
+                </a:rPr>
+                <a:t>price</a:t>
+              </a:r>
+              <a:endParaRPr lang="fr-CH" dirty="0" smtClean="0">
+                <a:solidFill>
+                  <a:schemeClr val="tx1"/>
+                </a:solidFill>
+                <a:latin typeface="Open Sans" panose="020B0606030504020204" pitchFamily="34" charset="0"/>
+                <a:ea typeface="Open Sans" panose="020B0606030504020204" pitchFamily="34" charset="0"/>
+                <a:cs typeface="Open Sans" panose="020B0606030504020204" pitchFamily="34" charset="0"/>
+              </a:endParaRPr>
+            </a:p>
+            <a:p>
+              <a:r>
+                <a:rPr lang="fr-CH" dirty="0">
+                  <a:solidFill>
+                    <a:schemeClr val="tx1"/>
+                  </a:solidFill>
+                  <a:latin typeface="Open Sans" panose="020B0606030504020204" pitchFamily="34" charset="0"/>
+                  <a:ea typeface="Open Sans" panose="020B0606030504020204" pitchFamily="34" charset="0"/>
+                  <a:cs typeface="Open Sans" panose="020B0606030504020204" pitchFamily="34" charset="0"/>
+                </a:rPr>
+                <a:t>d</a:t>
+              </a:r>
+              <a:r>
+                <a:rPr lang="fr-CH" dirty="0" smtClean="0">
+                  <a:solidFill>
+                    <a:schemeClr val="tx1"/>
+                  </a:solidFill>
+                  <a:latin typeface="Open Sans" panose="020B0606030504020204" pitchFamily="34" charset="0"/>
+                  <a:ea typeface="Open Sans" panose="020B0606030504020204" pitchFamily="34" charset="0"/>
+                  <a:cs typeface="Open Sans" panose="020B0606030504020204" pitchFamily="34" charset="0"/>
+                </a:rPr>
+                <a:t>ate: </a:t>
+              </a:r>
+              <a:r>
+                <a:rPr lang="fr-CH" dirty="0" err="1" smtClean="0">
+                  <a:solidFill>
+                    <a:schemeClr val="tx1"/>
+                  </a:solidFill>
+                  <a:latin typeface="Open Sans" panose="020B0606030504020204" pitchFamily="34" charset="0"/>
+                  <a:ea typeface="Open Sans" panose="020B0606030504020204" pitchFamily="34" charset="0"/>
+                  <a:cs typeface="Open Sans" panose="020B0606030504020204" pitchFamily="34" charset="0"/>
+                </a:rPr>
+                <a:t>date_start</a:t>
+              </a:r>
+              <a:endParaRPr lang="fr-CH" dirty="0" smtClean="0">
+                <a:solidFill>
+                  <a:schemeClr val="tx1"/>
+                </a:solidFill>
+                <a:latin typeface="Open Sans" panose="020B0606030504020204" pitchFamily="34" charset="0"/>
+                <a:ea typeface="Open Sans" panose="020B0606030504020204" pitchFamily="34" charset="0"/>
+                <a:cs typeface="Open Sans" panose="020B0606030504020204" pitchFamily="34" charset="0"/>
+              </a:endParaRPr>
+            </a:p>
+            <a:p>
+              <a:r>
+                <a:rPr lang="fr-CH" dirty="0">
+                  <a:solidFill>
+                    <a:schemeClr val="tx1"/>
+                  </a:solidFill>
+                  <a:latin typeface="Open Sans" panose="020B0606030504020204" pitchFamily="34" charset="0"/>
+                  <a:ea typeface="Open Sans" panose="020B0606030504020204" pitchFamily="34" charset="0"/>
+                  <a:cs typeface="Open Sans" panose="020B0606030504020204" pitchFamily="34" charset="0"/>
+                </a:rPr>
+                <a:t>d</a:t>
+              </a:r>
+              <a:r>
+                <a:rPr lang="fr-CH" dirty="0" smtClean="0">
+                  <a:solidFill>
+                    <a:schemeClr val="tx1"/>
+                  </a:solidFill>
+                  <a:latin typeface="Open Sans" panose="020B0606030504020204" pitchFamily="34" charset="0"/>
+                  <a:ea typeface="Open Sans" panose="020B0606030504020204" pitchFamily="34" charset="0"/>
+                  <a:cs typeface="Open Sans" panose="020B0606030504020204" pitchFamily="34" charset="0"/>
+                </a:rPr>
+                <a:t>ate: </a:t>
+              </a:r>
+              <a:r>
+                <a:rPr lang="fr-CH" dirty="0" err="1" smtClean="0">
+                  <a:solidFill>
+                    <a:schemeClr val="tx1"/>
+                  </a:solidFill>
+                  <a:latin typeface="Open Sans" panose="020B0606030504020204" pitchFamily="34" charset="0"/>
+                  <a:ea typeface="Open Sans" panose="020B0606030504020204" pitchFamily="34" charset="0"/>
+                  <a:cs typeface="Open Sans" panose="020B0606030504020204" pitchFamily="34" charset="0"/>
+                </a:rPr>
+                <a:t>date_end</a:t>
+              </a:r>
+              <a:endParaRPr lang="fr-CH" dirty="0" smtClean="0">
+                <a:solidFill>
+                  <a:schemeClr val="tx1"/>
+                </a:solidFill>
+                <a:latin typeface="Open Sans" panose="020B0606030504020204" pitchFamily="34" charset="0"/>
+                <a:ea typeface="Open Sans" panose="020B0606030504020204" pitchFamily="34" charset="0"/>
+                <a:cs typeface="Open Sans" panose="020B0606030504020204" pitchFamily="34" charset="0"/>
+              </a:endParaRPr>
+            </a:p>
+            <a:p>
+              <a:r>
+                <a:rPr lang="fr-CH" dirty="0" smtClean="0">
+                  <a:solidFill>
+                    <a:schemeClr val="tx1"/>
+                  </a:solidFill>
+                  <a:latin typeface="Open Sans" panose="020B0606030504020204" pitchFamily="34" charset="0"/>
+                  <a:ea typeface="Open Sans" panose="020B0606030504020204" pitchFamily="34" charset="0"/>
+                  <a:cs typeface="Open Sans" panose="020B0606030504020204" pitchFamily="34" charset="0"/>
+                </a:rPr>
+                <a:t>string: condition</a:t>
+              </a:r>
+            </a:p>
+            <a:p>
+              <a:r>
+                <a:rPr lang="fr-CH" dirty="0" smtClean="0">
+                  <a:solidFill>
+                    <a:schemeClr val="tx1"/>
+                  </a:solidFill>
+                  <a:latin typeface="Open Sans" panose="020B0606030504020204" pitchFamily="34" charset="0"/>
+                  <a:ea typeface="Open Sans" panose="020B0606030504020204" pitchFamily="34" charset="0"/>
+                  <a:cs typeface="Open Sans" panose="020B0606030504020204" pitchFamily="34" charset="0"/>
+                </a:rPr>
+                <a:t> </a:t>
+              </a:r>
+              <a:endParaRPr lang="fr-CH" dirty="0">
+                <a:solidFill>
+                  <a:schemeClr val="tx1"/>
+                </a:solidFill>
+                <a:latin typeface="Open Sans" panose="020B0606030504020204" pitchFamily="34" charset="0"/>
+                <a:ea typeface="Open Sans" panose="020B0606030504020204" pitchFamily="34" charset="0"/>
+                <a:cs typeface="Open Sans" panose="020B0606030504020204" pitchFamily="34" charset="0"/>
+              </a:endParaRPr>
+            </a:p>
+          </p:txBody>
+        </p:sp>
+        <p:sp>
+          <p:nvSpPr>
+            <p:cNvPr id="28" name="Rectangle 27"/>
+            <p:cNvSpPr/>
+            <p:nvPr/>
+          </p:nvSpPr>
+          <p:spPr>
+            <a:xfrm>
+              <a:off x="614082" y="1784414"/>
+              <a:ext cx="2296975" cy="629107"/>
+            </a:xfrm>
+            <a:prstGeom prst="rect">
+              <a:avLst/>
+            </a:prstGeom>
+            <a:solidFill>
+              <a:schemeClr val="bg1">
+                <a:lumMod val="95000"/>
+              </a:schemeClr>
+            </a:solidFill>
+            <a:ln>
+              <a:solidFill>
+                <a:schemeClr val="tx1"/>
+              </a:solidFill>
+            </a:ln>
+          </p:spPr>
+          <p:style>
+            <a:lnRef idx="2">
+              <a:schemeClr val="accent1">
+                <a:shade val="50000"/>
+              </a:schemeClr>
+            </a:lnRef>
+            <a:fillRef idx="1">
+              <a:schemeClr val="accent1"/>
+            </a:fillRef>
+            <a:effectRef idx="0">
+              <a:schemeClr val="accent1"/>
+            </a:effectRef>
+            <a:fontRef idx="minor">
+              <a:schemeClr val="lt1"/>
+            </a:fontRef>
+          </p:style>
+          <p:txBody>
+            <a:bodyPr rtlCol="0" anchor="ctr"/>
+            <a:lstStyle/>
+            <a:p>
+              <a:pPr algn="ctr"/>
+              <a:r>
+                <a:rPr lang="fr-CH" dirty="0" smtClean="0">
+                  <a:solidFill>
+                    <a:schemeClr val="tx1"/>
+                  </a:solidFill>
+                  <a:latin typeface="Open Sans" panose="020B0606030504020204" pitchFamily="34" charset="0"/>
+                  <a:ea typeface="Open Sans" panose="020B0606030504020204" pitchFamily="34" charset="0"/>
+                  <a:cs typeface="Open Sans" panose="020B0606030504020204" pitchFamily="34" charset="0"/>
+                </a:rPr>
+                <a:t>Product</a:t>
+              </a:r>
+              <a:endParaRPr lang="fr-CH" dirty="0">
+                <a:solidFill>
+                  <a:schemeClr val="tx1"/>
+                </a:solidFill>
+                <a:latin typeface="Open Sans" panose="020B0606030504020204" pitchFamily="34" charset="0"/>
+                <a:ea typeface="Open Sans" panose="020B0606030504020204" pitchFamily="34" charset="0"/>
+                <a:cs typeface="Open Sans" panose="020B0606030504020204" pitchFamily="34" charset="0"/>
+              </a:endParaRPr>
+            </a:p>
+          </p:txBody>
+        </p:sp>
+      </p:grpSp>
+      <p:grpSp>
+        <p:nvGrpSpPr>
+          <p:cNvPr id="29" name="Groupe 28"/>
+          <p:cNvGrpSpPr/>
+          <p:nvPr/>
+        </p:nvGrpSpPr>
+        <p:grpSpPr>
+          <a:xfrm>
+            <a:off x="7273223" y="1897937"/>
+            <a:ext cx="2296975" cy="1873186"/>
+            <a:chOff x="614082" y="1784414"/>
+            <a:chExt cx="2296975" cy="1873186"/>
+          </a:xfrm>
+        </p:grpSpPr>
+        <p:sp>
+          <p:nvSpPr>
+            <p:cNvPr id="30" name="Rectangle 29"/>
+            <p:cNvSpPr/>
+            <p:nvPr/>
+          </p:nvSpPr>
+          <p:spPr>
+            <a:xfrm>
+              <a:off x="614082" y="2413521"/>
+              <a:ext cx="2296973" cy="1244079"/>
+            </a:xfrm>
+            <a:prstGeom prst="rect">
+              <a:avLst/>
+            </a:prstGeom>
+            <a:solidFill>
+              <a:schemeClr val="bg1"/>
+            </a:solidFill>
+            <a:ln>
+              <a:solidFill>
+                <a:schemeClr val="tx1"/>
+              </a:solidFill>
+            </a:ln>
+          </p:spPr>
+          <p:style>
+            <a:lnRef idx="2">
+              <a:schemeClr val="accent1">
+                <a:shade val="50000"/>
+              </a:schemeClr>
+            </a:lnRef>
+            <a:fillRef idx="1">
+              <a:schemeClr val="accent1"/>
+            </a:fillRef>
+            <a:effectRef idx="0">
+              <a:schemeClr val="accent1"/>
+            </a:effectRef>
+            <a:fontRef idx="minor">
+              <a:schemeClr val="lt1"/>
+            </a:fontRef>
+          </p:style>
+          <p:txBody>
+            <a:bodyPr rtlCol="0" anchor="t"/>
+            <a:lstStyle/>
+            <a:p>
+              <a:r>
+                <a:rPr lang="fr-CH" sz="1400" dirty="0" smtClean="0">
+                  <a:solidFill>
+                    <a:schemeClr val="tx1"/>
+                  </a:solidFill>
+                  <a:latin typeface="Open Sans" panose="020B0606030504020204" pitchFamily="34" charset="0"/>
+                  <a:ea typeface="Open Sans" panose="020B0606030504020204" pitchFamily="34" charset="0"/>
+                  <a:cs typeface="Open Sans" panose="020B0606030504020204" pitchFamily="34" charset="0"/>
+                </a:rPr>
+                <a:t>id : </a:t>
+              </a:r>
+              <a:r>
+                <a:rPr lang="fr-CH" sz="1400" dirty="0" err="1" smtClean="0">
+                  <a:solidFill>
+                    <a:schemeClr val="tx1"/>
+                  </a:solidFill>
+                  <a:latin typeface="Open Sans" panose="020B0606030504020204" pitchFamily="34" charset="0"/>
+                  <a:ea typeface="Open Sans" panose="020B0606030504020204" pitchFamily="34" charset="0"/>
+                  <a:cs typeface="Open Sans" panose="020B0606030504020204" pitchFamily="34" charset="0"/>
+                </a:rPr>
+                <a:t>int</a:t>
+              </a:r>
+              <a:endParaRPr lang="fr-CH" sz="1400" dirty="0" smtClean="0">
+                <a:solidFill>
+                  <a:schemeClr val="tx1"/>
+                </a:solidFill>
+                <a:latin typeface="Open Sans" panose="020B0606030504020204" pitchFamily="34" charset="0"/>
+                <a:ea typeface="Open Sans" panose="020B0606030504020204" pitchFamily="34" charset="0"/>
+                <a:cs typeface="Open Sans" panose="020B0606030504020204" pitchFamily="34" charset="0"/>
+              </a:endParaRPr>
+            </a:p>
+            <a:p>
+              <a:r>
+                <a:rPr lang="fr-CH" sz="1400" dirty="0" smtClean="0">
+                  <a:solidFill>
+                    <a:schemeClr val="tx1"/>
+                  </a:solidFill>
+                  <a:latin typeface="Open Sans" panose="020B0606030504020204" pitchFamily="34" charset="0"/>
+                  <a:ea typeface="Open Sans" panose="020B0606030504020204" pitchFamily="34" charset="0"/>
+                  <a:cs typeface="Open Sans" panose="020B0606030504020204" pitchFamily="34" charset="0"/>
+                </a:rPr>
+                <a:t>nom : string</a:t>
+              </a:r>
+            </a:p>
+            <a:p>
+              <a:r>
+                <a:rPr lang="fr-CH" sz="1400" dirty="0" smtClean="0">
+                  <a:solidFill>
+                    <a:schemeClr val="tx1"/>
+                  </a:solidFill>
+                  <a:latin typeface="Open Sans" panose="020B0606030504020204" pitchFamily="34" charset="0"/>
+                  <a:ea typeface="Open Sans" panose="020B0606030504020204" pitchFamily="34" charset="0"/>
+                  <a:cs typeface="Open Sans" panose="020B0606030504020204" pitchFamily="34" charset="0"/>
+                </a:rPr>
+                <a:t>Int: </a:t>
+              </a:r>
+              <a:r>
+                <a:rPr lang="fr-CH" sz="1400" dirty="0" err="1" smtClean="0">
+                  <a:solidFill>
+                    <a:schemeClr val="tx1"/>
+                  </a:solidFill>
+                  <a:latin typeface="Open Sans" panose="020B0606030504020204" pitchFamily="34" charset="0"/>
+                  <a:ea typeface="Open Sans" panose="020B0606030504020204" pitchFamily="34" charset="0"/>
+                  <a:cs typeface="Open Sans" panose="020B0606030504020204" pitchFamily="34" charset="0"/>
+                </a:rPr>
+                <a:t>product</a:t>
+              </a:r>
+              <a:r>
+                <a:rPr lang="fr-CH" sz="1400" dirty="0" err="1" smtClean="0">
+                  <a:solidFill>
+                    <a:schemeClr val="tx1"/>
+                  </a:solidFill>
+                  <a:latin typeface="Open Sans" panose="020B0606030504020204" pitchFamily="34" charset="0"/>
+                  <a:ea typeface="Open Sans" panose="020B0606030504020204" pitchFamily="34" charset="0"/>
+                  <a:cs typeface="Open Sans" panose="020B0606030504020204" pitchFamily="34" charset="0"/>
+                </a:rPr>
+                <a:t>_id</a:t>
+              </a:r>
+              <a:r>
+                <a:rPr lang="fr-CH" sz="1400" dirty="0" smtClean="0">
+                  <a:solidFill>
+                    <a:schemeClr val="tx1"/>
+                  </a:solidFill>
+                  <a:latin typeface="Open Sans" panose="020B0606030504020204" pitchFamily="34" charset="0"/>
+                  <a:ea typeface="Open Sans" panose="020B0606030504020204" pitchFamily="34" charset="0"/>
+                  <a:cs typeface="Open Sans" panose="020B0606030504020204" pitchFamily="34" charset="0"/>
+                </a:rPr>
+                <a:t> </a:t>
+              </a:r>
+              <a:endParaRPr lang="fr-CH" sz="1400" dirty="0" smtClean="0">
+                <a:solidFill>
+                  <a:schemeClr val="tx1"/>
+                </a:solidFill>
+                <a:latin typeface="Open Sans" panose="020B0606030504020204" pitchFamily="34" charset="0"/>
+                <a:ea typeface="Open Sans" panose="020B0606030504020204" pitchFamily="34" charset="0"/>
+                <a:cs typeface="Open Sans" panose="020B0606030504020204" pitchFamily="34" charset="0"/>
+              </a:endParaRPr>
+            </a:p>
+            <a:p>
+              <a:r>
+                <a:rPr lang="fr-CH" sz="1400" dirty="0">
+                  <a:solidFill>
+                    <a:schemeClr val="tx1"/>
+                  </a:solidFill>
+                  <a:latin typeface="Open Sans" panose="020B0606030504020204" pitchFamily="34" charset="0"/>
+                  <a:ea typeface="Open Sans" panose="020B0606030504020204" pitchFamily="34" charset="0"/>
+                  <a:cs typeface="Open Sans" panose="020B0606030504020204" pitchFamily="34" charset="0"/>
+                </a:rPr>
+                <a:t>Int: </a:t>
+              </a:r>
+              <a:r>
+                <a:rPr lang="fr-CH" sz="1400" dirty="0" err="1">
+                  <a:solidFill>
+                    <a:schemeClr val="tx1"/>
+                  </a:solidFill>
+                  <a:latin typeface="Open Sans" panose="020B0606030504020204" pitchFamily="34" charset="0"/>
+                  <a:ea typeface="Open Sans" panose="020B0606030504020204" pitchFamily="34" charset="0"/>
+                  <a:cs typeface="Open Sans" panose="020B0606030504020204" pitchFamily="34" charset="0"/>
+                </a:rPr>
+                <a:t>created_at</a:t>
+              </a:r>
+              <a:r>
+                <a:rPr lang="fr-CH" sz="1400" dirty="0">
+                  <a:solidFill>
+                    <a:schemeClr val="tx1"/>
+                  </a:solidFill>
+                  <a:latin typeface="Open Sans" panose="020B0606030504020204" pitchFamily="34" charset="0"/>
+                  <a:ea typeface="Open Sans" panose="020B0606030504020204" pitchFamily="34" charset="0"/>
+                  <a:cs typeface="Open Sans" panose="020B0606030504020204" pitchFamily="34" charset="0"/>
+                </a:rPr>
+                <a:t> </a:t>
+              </a:r>
+              <a:endParaRPr lang="fr-CH" sz="1400" dirty="0" smtClean="0">
+                <a:solidFill>
+                  <a:schemeClr val="tx1"/>
+                </a:solidFill>
+                <a:latin typeface="Open Sans" panose="020B0606030504020204" pitchFamily="34" charset="0"/>
+                <a:ea typeface="Open Sans" panose="020B0606030504020204" pitchFamily="34" charset="0"/>
+                <a:cs typeface="Open Sans" panose="020B0606030504020204" pitchFamily="34" charset="0"/>
+              </a:endParaRPr>
+            </a:p>
+            <a:p>
+              <a:r>
+                <a:rPr lang="fr-CH" sz="1400" dirty="0">
+                  <a:solidFill>
+                    <a:schemeClr val="tx1"/>
+                  </a:solidFill>
+                  <a:latin typeface="Open Sans" panose="020B0606030504020204" pitchFamily="34" charset="0"/>
+                  <a:ea typeface="Open Sans" panose="020B0606030504020204" pitchFamily="34" charset="0"/>
+                  <a:cs typeface="Open Sans" panose="020B0606030504020204" pitchFamily="34" charset="0"/>
+                </a:rPr>
+                <a:t>Int: </a:t>
+              </a:r>
+              <a:r>
+                <a:rPr lang="fr-CH" sz="1400" dirty="0" err="1">
+                  <a:solidFill>
+                    <a:schemeClr val="tx1"/>
+                  </a:solidFill>
+                  <a:latin typeface="Open Sans" panose="020B0606030504020204" pitchFamily="34" charset="0"/>
+                  <a:ea typeface="Open Sans" panose="020B0606030504020204" pitchFamily="34" charset="0"/>
+                  <a:cs typeface="Open Sans" panose="020B0606030504020204" pitchFamily="34" charset="0"/>
+                </a:rPr>
+                <a:t>update_at</a:t>
+              </a:r>
+              <a:r>
+                <a:rPr lang="fr-CH" sz="1400" dirty="0">
+                  <a:solidFill>
+                    <a:schemeClr val="tx1"/>
+                  </a:solidFill>
+                  <a:latin typeface="Open Sans" panose="020B0606030504020204" pitchFamily="34" charset="0"/>
+                  <a:ea typeface="Open Sans" panose="020B0606030504020204" pitchFamily="34" charset="0"/>
+                  <a:cs typeface="Open Sans" panose="020B0606030504020204" pitchFamily="34" charset="0"/>
+                </a:rPr>
+                <a:t> </a:t>
+              </a:r>
+              <a:endParaRPr lang="fr-CH" sz="1400" dirty="0" smtClean="0">
+                <a:solidFill>
+                  <a:schemeClr val="tx1"/>
+                </a:solidFill>
+                <a:latin typeface="Open Sans" panose="020B0606030504020204" pitchFamily="34" charset="0"/>
+                <a:ea typeface="Open Sans" panose="020B0606030504020204" pitchFamily="34" charset="0"/>
+                <a:cs typeface="Open Sans" panose="020B0606030504020204" pitchFamily="34" charset="0"/>
+              </a:endParaRPr>
+            </a:p>
+            <a:p>
+              <a:endParaRPr lang="fr-CH" dirty="0">
+                <a:solidFill>
+                  <a:schemeClr val="tx1"/>
+                </a:solidFill>
+                <a:latin typeface="Open Sans" panose="020B0606030504020204" pitchFamily="34" charset="0"/>
+                <a:ea typeface="Open Sans" panose="020B0606030504020204" pitchFamily="34" charset="0"/>
+                <a:cs typeface="Open Sans" panose="020B0606030504020204" pitchFamily="34" charset="0"/>
+              </a:endParaRPr>
+            </a:p>
+          </p:txBody>
+        </p:sp>
+        <p:sp>
+          <p:nvSpPr>
+            <p:cNvPr id="31" name="Rectangle 30"/>
+            <p:cNvSpPr/>
+            <p:nvPr/>
+          </p:nvSpPr>
+          <p:spPr>
+            <a:xfrm>
+              <a:off x="614082" y="1784414"/>
+              <a:ext cx="2296975" cy="629107"/>
+            </a:xfrm>
+            <a:prstGeom prst="rect">
+              <a:avLst/>
+            </a:prstGeom>
+            <a:solidFill>
+              <a:schemeClr val="bg1">
+                <a:lumMod val="95000"/>
+              </a:schemeClr>
+            </a:solidFill>
+            <a:ln>
+              <a:solidFill>
+                <a:schemeClr val="tx1"/>
+              </a:solidFill>
+            </a:ln>
+          </p:spPr>
+          <p:style>
+            <a:lnRef idx="2">
+              <a:schemeClr val="accent1">
+                <a:shade val="50000"/>
+              </a:schemeClr>
+            </a:lnRef>
+            <a:fillRef idx="1">
+              <a:schemeClr val="accent1"/>
+            </a:fillRef>
+            <a:effectRef idx="0">
+              <a:schemeClr val="accent1"/>
+            </a:effectRef>
+            <a:fontRef idx="minor">
+              <a:schemeClr val="lt1"/>
+            </a:fontRef>
+          </p:style>
+          <p:txBody>
+            <a:bodyPr rtlCol="0" anchor="ctr"/>
+            <a:lstStyle/>
+            <a:p>
+              <a:pPr algn="ctr"/>
+              <a:r>
+                <a:rPr lang="fr-CH" dirty="0" smtClean="0">
+                  <a:solidFill>
+                    <a:schemeClr val="tx1"/>
+                  </a:solidFill>
+                  <a:latin typeface="Open Sans" panose="020B0606030504020204" pitchFamily="34" charset="0"/>
+                  <a:ea typeface="Open Sans" panose="020B0606030504020204" pitchFamily="34" charset="0"/>
+                  <a:cs typeface="Open Sans" panose="020B0606030504020204" pitchFamily="34" charset="0"/>
+                </a:rPr>
+                <a:t>Image</a:t>
+              </a:r>
+              <a:endParaRPr lang="fr-CH" dirty="0">
+                <a:solidFill>
+                  <a:schemeClr val="tx1"/>
+                </a:solidFill>
+                <a:latin typeface="Open Sans" panose="020B0606030504020204" pitchFamily="34" charset="0"/>
+                <a:ea typeface="Open Sans" panose="020B0606030504020204" pitchFamily="34" charset="0"/>
+                <a:cs typeface="Open Sans" panose="020B0606030504020204" pitchFamily="34" charset="0"/>
+              </a:endParaRPr>
+            </a:p>
+          </p:txBody>
+        </p:sp>
+      </p:grpSp>
+      <p:grpSp>
+        <p:nvGrpSpPr>
+          <p:cNvPr id="32" name="Groupe 31"/>
+          <p:cNvGrpSpPr/>
+          <p:nvPr/>
+        </p:nvGrpSpPr>
+        <p:grpSpPr>
+          <a:xfrm>
+            <a:off x="6068797" y="4299780"/>
+            <a:ext cx="2296977" cy="2454588"/>
+            <a:chOff x="614079" y="1634920"/>
+            <a:chExt cx="2296977" cy="2454588"/>
+          </a:xfrm>
+        </p:grpSpPr>
+        <p:sp>
+          <p:nvSpPr>
+            <p:cNvPr id="33" name="Rectangle 32"/>
+            <p:cNvSpPr/>
+            <p:nvPr/>
+          </p:nvSpPr>
+          <p:spPr>
+            <a:xfrm>
+              <a:off x="614079" y="2246152"/>
+              <a:ext cx="2296977" cy="1843356"/>
+            </a:xfrm>
+            <a:prstGeom prst="rect">
+              <a:avLst/>
+            </a:prstGeom>
+            <a:solidFill>
+              <a:schemeClr val="bg1"/>
+            </a:solidFill>
+            <a:ln>
+              <a:solidFill>
+                <a:schemeClr val="tx1"/>
+              </a:solidFill>
+            </a:ln>
+          </p:spPr>
+          <p:style>
+            <a:lnRef idx="2">
+              <a:schemeClr val="accent1">
+                <a:shade val="50000"/>
+              </a:schemeClr>
+            </a:lnRef>
+            <a:fillRef idx="1">
+              <a:schemeClr val="accent1"/>
+            </a:fillRef>
+            <a:effectRef idx="0">
+              <a:schemeClr val="accent1"/>
+            </a:effectRef>
+            <a:fontRef idx="minor">
+              <a:schemeClr val="lt1"/>
+            </a:fontRef>
+          </p:style>
+          <p:txBody>
+            <a:bodyPr rtlCol="0" anchor="t"/>
+            <a:lstStyle/>
+            <a:p>
+              <a:r>
+                <a:rPr lang="fr-CH" sz="1400" dirty="0" smtClean="0">
+                  <a:solidFill>
+                    <a:schemeClr val="tx1"/>
+                  </a:solidFill>
+                  <a:latin typeface="Open Sans" panose="020B0606030504020204" pitchFamily="34" charset="0"/>
+                  <a:ea typeface="Open Sans" panose="020B0606030504020204" pitchFamily="34" charset="0"/>
+                  <a:cs typeface="Open Sans" panose="020B0606030504020204" pitchFamily="34" charset="0"/>
+                </a:rPr>
+                <a:t>id : </a:t>
+              </a:r>
+              <a:r>
+                <a:rPr lang="fr-CH" sz="1400" dirty="0" err="1" smtClean="0">
+                  <a:solidFill>
+                    <a:schemeClr val="tx1"/>
+                  </a:solidFill>
+                  <a:latin typeface="Open Sans" panose="020B0606030504020204" pitchFamily="34" charset="0"/>
+                  <a:ea typeface="Open Sans" panose="020B0606030504020204" pitchFamily="34" charset="0"/>
+                  <a:cs typeface="Open Sans" panose="020B0606030504020204" pitchFamily="34" charset="0"/>
+                </a:rPr>
+                <a:t>int</a:t>
+              </a:r>
+              <a:endParaRPr lang="fr-CH" sz="1400" dirty="0" smtClean="0">
+                <a:solidFill>
+                  <a:schemeClr val="tx1"/>
+                </a:solidFill>
+                <a:latin typeface="Open Sans" panose="020B0606030504020204" pitchFamily="34" charset="0"/>
+                <a:ea typeface="Open Sans" panose="020B0606030504020204" pitchFamily="34" charset="0"/>
+                <a:cs typeface="Open Sans" panose="020B0606030504020204" pitchFamily="34" charset="0"/>
+              </a:endParaRPr>
+            </a:p>
+            <a:p>
+              <a:r>
+                <a:rPr lang="fr-CH" sz="1400" dirty="0" err="1" smtClean="0">
+                  <a:solidFill>
+                    <a:schemeClr val="tx1"/>
+                  </a:solidFill>
+                  <a:latin typeface="Open Sans" panose="020B0606030504020204" pitchFamily="34" charset="0"/>
+                  <a:ea typeface="Open Sans" panose="020B0606030504020204" pitchFamily="34" charset="0"/>
+                  <a:cs typeface="Open Sans" panose="020B0606030504020204" pitchFamily="34" charset="0"/>
+                </a:rPr>
+                <a:t>text</a:t>
+              </a:r>
+              <a:r>
+                <a:rPr lang="fr-CH" sz="1400" dirty="0" smtClean="0">
+                  <a:solidFill>
+                    <a:schemeClr val="tx1"/>
+                  </a:solidFill>
+                  <a:latin typeface="Open Sans" panose="020B0606030504020204" pitchFamily="34" charset="0"/>
+                  <a:ea typeface="Open Sans" panose="020B0606030504020204" pitchFamily="34" charset="0"/>
+                  <a:cs typeface="Open Sans" panose="020B0606030504020204" pitchFamily="34" charset="0"/>
+                </a:rPr>
+                <a:t>: question</a:t>
+              </a:r>
+            </a:p>
+            <a:p>
+              <a:r>
+                <a:rPr lang="fr-CH" sz="1400" dirty="0" err="1">
+                  <a:solidFill>
+                    <a:schemeClr val="tx1"/>
+                  </a:solidFill>
+                  <a:latin typeface="Open Sans" panose="020B0606030504020204" pitchFamily="34" charset="0"/>
+                  <a:ea typeface="Open Sans" panose="020B0606030504020204" pitchFamily="34" charset="0"/>
+                  <a:cs typeface="Open Sans" panose="020B0606030504020204" pitchFamily="34" charset="0"/>
+                </a:rPr>
+                <a:t>text</a:t>
+              </a:r>
+              <a:r>
+                <a:rPr lang="fr-CH" sz="1400" dirty="0">
+                  <a:solidFill>
+                    <a:schemeClr val="tx1"/>
+                  </a:solidFill>
+                  <a:latin typeface="Open Sans" panose="020B0606030504020204" pitchFamily="34" charset="0"/>
+                  <a:ea typeface="Open Sans" panose="020B0606030504020204" pitchFamily="34" charset="0"/>
+                  <a:cs typeface="Open Sans" panose="020B0606030504020204" pitchFamily="34" charset="0"/>
+                </a:rPr>
+                <a:t>: </a:t>
+              </a:r>
+              <a:r>
+                <a:rPr lang="fr-CH" sz="1400" dirty="0" err="1" smtClean="0">
+                  <a:solidFill>
+                    <a:schemeClr val="tx1"/>
+                  </a:solidFill>
+                  <a:latin typeface="Open Sans" panose="020B0606030504020204" pitchFamily="34" charset="0"/>
+                  <a:ea typeface="Open Sans" panose="020B0606030504020204" pitchFamily="34" charset="0"/>
+                  <a:cs typeface="Open Sans" panose="020B0606030504020204" pitchFamily="34" charset="0"/>
+                </a:rPr>
+                <a:t>answer</a:t>
+              </a:r>
+              <a:endParaRPr lang="fr-CH" sz="1400" dirty="0" smtClean="0">
+                <a:solidFill>
+                  <a:schemeClr val="tx1"/>
+                </a:solidFill>
+                <a:latin typeface="Open Sans" panose="020B0606030504020204" pitchFamily="34" charset="0"/>
+                <a:ea typeface="Open Sans" panose="020B0606030504020204" pitchFamily="34" charset="0"/>
+                <a:cs typeface="Open Sans" panose="020B0606030504020204" pitchFamily="34" charset="0"/>
+              </a:endParaRPr>
+            </a:p>
+            <a:p>
+              <a:r>
+                <a:rPr lang="fr-CH" sz="1400" dirty="0" smtClean="0">
+                  <a:solidFill>
+                    <a:schemeClr val="tx1"/>
+                  </a:solidFill>
+                  <a:latin typeface="Open Sans" panose="020B0606030504020204" pitchFamily="34" charset="0"/>
+                  <a:ea typeface="Open Sans" panose="020B0606030504020204" pitchFamily="34" charset="0"/>
+                  <a:cs typeface="Open Sans" panose="020B0606030504020204" pitchFamily="34" charset="0"/>
+                </a:rPr>
+                <a:t>string: </a:t>
+              </a:r>
+              <a:r>
+                <a:rPr lang="fr-CH" sz="1400" dirty="0" err="1" smtClean="0">
+                  <a:solidFill>
+                    <a:schemeClr val="tx1"/>
+                  </a:solidFill>
+                  <a:latin typeface="Open Sans" panose="020B0606030504020204" pitchFamily="34" charset="0"/>
+                  <a:ea typeface="Open Sans" panose="020B0606030504020204" pitchFamily="34" charset="0"/>
+                  <a:cs typeface="Open Sans" panose="020B0606030504020204" pitchFamily="34" charset="0"/>
+                </a:rPr>
+                <a:t>asker</a:t>
+              </a:r>
+              <a:endParaRPr lang="fr-CH" sz="1400" dirty="0" smtClean="0">
+                <a:solidFill>
+                  <a:schemeClr val="tx1"/>
+                </a:solidFill>
+                <a:latin typeface="Open Sans" panose="020B0606030504020204" pitchFamily="34" charset="0"/>
+                <a:ea typeface="Open Sans" panose="020B0606030504020204" pitchFamily="34" charset="0"/>
+                <a:cs typeface="Open Sans" panose="020B0606030504020204" pitchFamily="34" charset="0"/>
+              </a:endParaRPr>
+            </a:p>
+            <a:p>
+              <a:r>
+                <a:rPr lang="fr-CH" sz="1400" dirty="0">
+                  <a:solidFill>
+                    <a:schemeClr val="tx1"/>
+                  </a:solidFill>
+                  <a:latin typeface="Open Sans" panose="020B0606030504020204" pitchFamily="34" charset="0"/>
+                  <a:ea typeface="Open Sans" panose="020B0606030504020204" pitchFamily="34" charset="0"/>
+                  <a:cs typeface="Open Sans" panose="020B0606030504020204" pitchFamily="34" charset="0"/>
+                </a:rPr>
+                <a:t>s</a:t>
+              </a:r>
+              <a:r>
+                <a:rPr lang="fr-CH" sz="1400" dirty="0" smtClean="0">
+                  <a:solidFill>
+                    <a:schemeClr val="tx1"/>
+                  </a:solidFill>
+                  <a:latin typeface="Open Sans" panose="020B0606030504020204" pitchFamily="34" charset="0"/>
+                  <a:ea typeface="Open Sans" panose="020B0606030504020204" pitchFamily="34" charset="0"/>
+                  <a:cs typeface="Open Sans" panose="020B0606030504020204" pitchFamily="34" charset="0"/>
+                </a:rPr>
+                <a:t>tring: email</a:t>
+              </a:r>
+              <a:endParaRPr lang="fr-CH" sz="1400" dirty="0" smtClean="0">
+                <a:solidFill>
+                  <a:schemeClr val="tx1"/>
+                </a:solidFill>
+                <a:latin typeface="Open Sans" panose="020B0606030504020204" pitchFamily="34" charset="0"/>
+                <a:ea typeface="Open Sans" panose="020B0606030504020204" pitchFamily="34" charset="0"/>
+                <a:cs typeface="Open Sans" panose="020B0606030504020204" pitchFamily="34" charset="0"/>
+              </a:endParaRPr>
+            </a:p>
+            <a:p>
+              <a:r>
+                <a:rPr lang="fr-CH" sz="1400" dirty="0" err="1" smtClean="0">
+                  <a:solidFill>
+                    <a:schemeClr val="tx1"/>
+                  </a:solidFill>
+                  <a:latin typeface="Open Sans" panose="020B0606030504020204" pitchFamily="34" charset="0"/>
+                  <a:ea typeface="Open Sans" panose="020B0606030504020204" pitchFamily="34" charset="0"/>
+                  <a:cs typeface="Open Sans" panose="020B0606030504020204" pitchFamily="34" charset="0"/>
+                </a:rPr>
+                <a:t>datetime</a:t>
+              </a:r>
+              <a:r>
+                <a:rPr lang="fr-CH" sz="1400" dirty="0" smtClean="0">
+                  <a:solidFill>
+                    <a:schemeClr val="tx1"/>
+                  </a:solidFill>
+                  <a:latin typeface="Open Sans" panose="020B0606030504020204" pitchFamily="34" charset="0"/>
+                  <a:ea typeface="Open Sans" panose="020B0606030504020204" pitchFamily="34" charset="0"/>
+                  <a:cs typeface="Open Sans" panose="020B0606030504020204" pitchFamily="34" charset="0"/>
+                </a:rPr>
+                <a:t>: date</a:t>
+              </a:r>
+              <a:endParaRPr lang="fr-CH" sz="1400" dirty="0" smtClean="0">
+                <a:solidFill>
+                  <a:schemeClr val="tx1"/>
+                </a:solidFill>
+                <a:latin typeface="Open Sans" panose="020B0606030504020204" pitchFamily="34" charset="0"/>
+                <a:ea typeface="Open Sans" panose="020B0606030504020204" pitchFamily="34" charset="0"/>
+                <a:cs typeface="Open Sans" panose="020B0606030504020204" pitchFamily="34" charset="0"/>
+              </a:endParaRPr>
+            </a:p>
+            <a:p>
+              <a:r>
+                <a:rPr lang="fr-CH" sz="1400" dirty="0" err="1" smtClean="0">
+                  <a:solidFill>
+                    <a:schemeClr val="tx1"/>
+                  </a:solidFill>
+                  <a:latin typeface="Open Sans" panose="020B0606030504020204" pitchFamily="34" charset="0"/>
+                  <a:ea typeface="Open Sans" panose="020B0606030504020204" pitchFamily="34" charset="0"/>
+                  <a:cs typeface="Open Sans" panose="020B0606030504020204" pitchFamily="34" charset="0"/>
+                </a:rPr>
+                <a:t>created_at</a:t>
+              </a:r>
+              <a:r>
+                <a:rPr lang="fr-CH" sz="1400" dirty="0" smtClean="0">
+                  <a:solidFill>
+                    <a:schemeClr val="tx1"/>
+                  </a:solidFill>
+                  <a:latin typeface="Open Sans" panose="020B0606030504020204" pitchFamily="34" charset="0"/>
+                  <a:ea typeface="Open Sans" panose="020B0606030504020204" pitchFamily="34" charset="0"/>
+                  <a:cs typeface="Open Sans" panose="020B0606030504020204" pitchFamily="34" charset="0"/>
+                </a:rPr>
+                <a:t> : </a:t>
+              </a:r>
+              <a:r>
+                <a:rPr lang="fr-CH" sz="1400" dirty="0" err="1" smtClean="0">
+                  <a:solidFill>
+                    <a:schemeClr val="tx1"/>
+                  </a:solidFill>
+                  <a:latin typeface="Open Sans" panose="020B0606030504020204" pitchFamily="34" charset="0"/>
+                  <a:ea typeface="Open Sans" panose="020B0606030504020204" pitchFamily="34" charset="0"/>
+                  <a:cs typeface="Open Sans" panose="020B0606030504020204" pitchFamily="34" charset="0"/>
+                </a:rPr>
+                <a:t>int</a:t>
+              </a:r>
+              <a:endParaRPr lang="fr-CH" sz="1400" dirty="0" smtClean="0">
+                <a:solidFill>
+                  <a:schemeClr val="tx1"/>
+                </a:solidFill>
+                <a:latin typeface="Open Sans" panose="020B0606030504020204" pitchFamily="34" charset="0"/>
+                <a:ea typeface="Open Sans" panose="020B0606030504020204" pitchFamily="34" charset="0"/>
+                <a:cs typeface="Open Sans" panose="020B0606030504020204" pitchFamily="34" charset="0"/>
+              </a:endParaRPr>
+            </a:p>
+            <a:p>
+              <a:r>
+                <a:rPr lang="fr-CH" sz="1400" dirty="0" err="1" smtClean="0">
+                  <a:solidFill>
+                    <a:schemeClr val="tx1"/>
+                  </a:solidFill>
+                  <a:latin typeface="Open Sans" panose="020B0606030504020204" pitchFamily="34" charset="0"/>
+                  <a:ea typeface="Open Sans" panose="020B0606030504020204" pitchFamily="34" charset="0"/>
+                  <a:cs typeface="Open Sans" panose="020B0606030504020204" pitchFamily="34" charset="0"/>
+                </a:rPr>
+                <a:t>update_at</a:t>
+              </a:r>
+              <a:r>
+                <a:rPr lang="fr-CH" sz="1400" dirty="0" smtClean="0">
+                  <a:solidFill>
+                    <a:schemeClr val="tx1"/>
+                  </a:solidFill>
+                  <a:latin typeface="Open Sans" panose="020B0606030504020204" pitchFamily="34" charset="0"/>
+                  <a:ea typeface="Open Sans" panose="020B0606030504020204" pitchFamily="34" charset="0"/>
+                  <a:cs typeface="Open Sans" panose="020B0606030504020204" pitchFamily="34" charset="0"/>
+                </a:rPr>
+                <a:t> : </a:t>
+              </a:r>
+              <a:r>
+                <a:rPr lang="fr-CH" sz="1400" dirty="0" err="1" smtClean="0">
+                  <a:solidFill>
+                    <a:schemeClr val="tx1"/>
+                  </a:solidFill>
+                  <a:latin typeface="Open Sans" panose="020B0606030504020204" pitchFamily="34" charset="0"/>
+                  <a:ea typeface="Open Sans" panose="020B0606030504020204" pitchFamily="34" charset="0"/>
+                  <a:cs typeface="Open Sans" panose="020B0606030504020204" pitchFamily="34" charset="0"/>
+                </a:rPr>
+                <a:t>int</a:t>
+              </a:r>
+              <a:endParaRPr lang="fr-CH" sz="1400" dirty="0" smtClean="0">
+                <a:solidFill>
+                  <a:schemeClr val="tx1"/>
+                </a:solidFill>
+                <a:latin typeface="Open Sans" panose="020B0606030504020204" pitchFamily="34" charset="0"/>
+                <a:ea typeface="Open Sans" panose="020B0606030504020204" pitchFamily="34" charset="0"/>
+                <a:cs typeface="Open Sans" panose="020B0606030504020204" pitchFamily="34" charset="0"/>
+              </a:endParaRPr>
+            </a:p>
+            <a:p>
+              <a:endParaRPr lang="fr-CH" dirty="0">
+                <a:solidFill>
+                  <a:schemeClr val="tx1"/>
+                </a:solidFill>
+                <a:latin typeface="Open Sans" panose="020B0606030504020204" pitchFamily="34" charset="0"/>
+                <a:ea typeface="Open Sans" panose="020B0606030504020204" pitchFamily="34" charset="0"/>
+                <a:cs typeface="Open Sans" panose="020B0606030504020204" pitchFamily="34" charset="0"/>
+              </a:endParaRPr>
+            </a:p>
+          </p:txBody>
+        </p:sp>
+        <p:sp>
+          <p:nvSpPr>
+            <p:cNvPr id="34" name="Rectangle 33"/>
+            <p:cNvSpPr/>
+            <p:nvPr/>
+          </p:nvSpPr>
+          <p:spPr>
+            <a:xfrm>
+              <a:off x="614081" y="1634920"/>
+              <a:ext cx="2296975" cy="629107"/>
+            </a:xfrm>
+            <a:prstGeom prst="rect">
+              <a:avLst/>
+            </a:prstGeom>
+            <a:solidFill>
+              <a:schemeClr val="bg1">
+                <a:lumMod val="95000"/>
+              </a:schemeClr>
+            </a:solidFill>
+            <a:ln>
+              <a:solidFill>
+                <a:schemeClr val="tx1"/>
+              </a:solidFill>
+            </a:ln>
+          </p:spPr>
+          <p:style>
+            <a:lnRef idx="2">
+              <a:schemeClr val="accent1">
+                <a:shade val="50000"/>
+              </a:schemeClr>
+            </a:lnRef>
+            <a:fillRef idx="1">
+              <a:schemeClr val="accent1"/>
+            </a:fillRef>
+            <a:effectRef idx="0">
+              <a:schemeClr val="accent1"/>
+            </a:effectRef>
+            <a:fontRef idx="minor">
+              <a:schemeClr val="lt1"/>
+            </a:fontRef>
+          </p:style>
+          <p:txBody>
+            <a:bodyPr rtlCol="0" anchor="ctr"/>
+            <a:lstStyle/>
+            <a:p>
+              <a:pPr algn="ctr"/>
+              <a:r>
+                <a:rPr lang="fr-CH" dirty="0" smtClean="0">
+                  <a:solidFill>
+                    <a:schemeClr val="tx1"/>
+                  </a:solidFill>
+                  <a:latin typeface="Open Sans" panose="020B0606030504020204" pitchFamily="34" charset="0"/>
+                  <a:ea typeface="Open Sans" panose="020B0606030504020204" pitchFamily="34" charset="0"/>
+                  <a:cs typeface="Open Sans" panose="020B0606030504020204" pitchFamily="34" charset="0"/>
+                </a:rPr>
+                <a:t>Questions</a:t>
+              </a:r>
+              <a:endParaRPr lang="fr-CH" dirty="0">
+                <a:solidFill>
+                  <a:schemeClr val="tx1"/>
+                </a:solidFill>
+                <a:latin typeface="Open Sans" panose="020B0606030504020204" pitchFamily="34" charset="0"/>
+                <a:ea typeface="Open Sans" panose="020B0606030504020204" pitchFamily="34" charset="0"/>
+                <a:cs typeface="Open Sans" panose="020B0606030504020204" pitchFamily="34" charset="0"/>
+              </a:endParaRPr>
+            </a:p>
+          </p:txBody>
+        </p:sp>
+      </p:grpSp>
+      <p:grpSp>
+        <p:nvGrpSpPr>
+          <p:cNvPr id="35" name="Groupe 34"/>
+          <p:cNvGrpSpPr/>
+          <p:nvPr/>
+        </p:nvGrpSpPr>
+        <p:grpSpPr>
+          <a:xfrm>
+            <a:off x="235335" y="2202401"/>
+            <a:ext cx="2296975" cy="2708218"/>
+            <a:chOff x="614082" y="1784414"/>
+            <a:chExt cx="2296975" cy="2708218"/>
+          </a:xfrm>
+        </p:grpSpPr>
+        <p:sp>
+          <p:nvSpPr>
+            <p:cNvPr id="36" name="Rectangle 35"/>
+            <p:cNvSpPr/>
+            <p:nvPr/>
+          </p:nvSpPr>
+          <p:spPr>
+            <a:xfrm>
+              <a:off x="614082" y="2413521"/>
+              <a:ext cx="2296975" cy="2079111"/>
+            </a:xfrm>
+            <a:prstGeom prst="rect">
+              <a:avLst/>
+            </a:prstGeom>
+            <a:solidFill>
+              <a:schemeClr val="bg1"/>
+            </a:solidFill>
+            <a:ln>
+              <a:solidFill>
+                <a:schemeClr val="tx1"/>
+              </a:solidFill>
+            </a:ln>
+          </p:spPr>
+          <p:style>
+            <a:lnRef idx="2">
+              <a:schemeClr val="accent1">
+                <a:shade val="50000"/>
+              </a:schemeClr>
+            </a:lnRef>
+            <a:fillRef idx="1">
+              <a:schemeClr val="accent1"/>
+            </a:fillRef>
+            <a:effectRef idx="0">
+              <a:schemeClr val="accent1"/>
+            </a:effectRef>
+            <a:fontRef idx="minor">
+              <a:schemeClr val="lt1"/>
+            </a:fontRef>
+          </p:style>
+          <p:txBody>
+            <a:bodyPr rtlCol="0" anchor="t"/>
+            <a:lstStyle/>
+            <a:p>
+              <a:r>
+                <a:rPr lang="fr-CH" dirty="0" smtClean="0">
+                  <a:solidFill>
+                    <a:schemeClr val="tx1"/>
+                  </a:solidFill>
+                  <a:latin typeface="Open Sans" panose="020B0606030504020204" pitchFamily="34" charset="0"/>
+                  <a:ea typeface="Open Sans" panose="020B0606030504020204" pitchFamily="34" charset="0"/>
+                  <a:cs typeface="Open Sans" panose="020B0606030504020204" pitchFamily="34" charset="0"/>
+                </a:rPr>
+                <a:t>Int: </a:t>
+              </a:r>
+              <a:r>
+                <a:rPr lang="fr-CH" dirty="0">
+                  <a:solidFill>
+                    <a:schemeClr val="tx1"/>
+                  </a:solidFill>
+                  <a:latin typeface="Open Sans" panose="020B0606030504020204" pitchFamily="34" charset="0"/>
+                  <a:ea typeface="Open Sans" panose="020B0606030504020204" pitchFamily="34" charset="0"/>
+                  <a:cs typeface="Open Sans" panose="020B0606030504020204" pitchFamily="34" charset="0"/>
+                </a:rPr>
+                <a:t>id </a:t>
+              </a:r>
+            </a:p>
+            <a:p>
+              <a:r>
+                <a:rPr lang="fr-CH" dirty="0">
+                  <a:solidFill>
+                    <a:schemeClr val="tx1"/>
+                  </a:solidFill>
+                  <a:latin typeface="Open Sans" panose="020B0606030504020204" pitchFamily="34" charset="0"/>
+                  <a:ea typeface="Open Sans" panose="020B0606030504020204" pitchFamily="34" charset="0"/>
+                  <a:cs typeface="Open Sans" panose="020B0606030504020204" pitchFamily="34" charset="0"/>
+                </a:rPr>
+                <a:t>s</a:t>
+              </a:r>
+              <a:r>
+                <a:rPr lang="fr-CH" dirty="0" smtClean="0">
+                  <a:solidFill>
+                    <a:schemeClr val="tx1"/>
+                  </a:solidFill>
+                  <a:latin typeface="Open Sans" panose="020B0606030504020204" pitchFamily="34" charset="0"/>
+                  <a:ea typeface="Open Sans" panose="020B0606030504020204" pitchFamily="34" charset="0"/>
+                  <a:cs typeface="Open Sans" panose="020B0606030504020204" pitchFamily="34" charset="0"/>
+                </a:rPr>
+                <a:t>tring: </a:t>
+              </a:r>
+              <a:r>
+                <a:rPr lang="fr-CH" dirty="0" err="1" smtClean="0">
+                  <a:solidFill>
+                    <a:schemeClr val="tx1"/>
+                  </a:solidFill>
+                  <a:latin typeface="Open Sans" panose="020B0606030504020204" pitchFamily="34" charset="0"/>
+                  <a:ea typeface="Open Sans" panose="020B0606030504020204" pitchFamily="34" charset="0"/>
+                  <a:cs typeface="Open Sans" panose="020B0606030504020204" pitchFamily="34" charset="0"/>
+                </a:rPr>
+                <a:t>name</a:t>
+              </a:r>
+              <a:endParaRPr lang="fr-CH" dirty="0">
+                <a:solidFill>
+                  <a:schemeClr val="tx1"/>
+                </a:solidFill>
+                <a:latin typeface="Open Sans" panose="020B0606030504020204" pitchFamily="34" charset="0"/>
+                <a:ea typeface="Open Sans" panose="020B0606030504020204" pitchFamily="34" charset="0"/>
+                <a:cs typeface="Open Sans" panose="020B0606030504020204" pitchFamily="34" charset="0"/>
+              </a:endParaRPr>
+            </a:p>
+            <a:p>
+              <a:r>
+                <a:rPr lang="fr-CH" dirty="0">
+                  <a:solidFill>
+                    <a:schemeClr val="tx1"/>
+                  </a:solidFill>
+                  <a:latin typeface="Open Sans" panose="020B0606030504020204" pitchFamily="34" charset="0"/>
+                  <a:ea typeface="Open Sans" panose="020B0606030504020204" pitchFamily="34" charset="0"/>
+                  <a:cs typeface="Open Sans" panose="020B0606030504020204" pitchFamily="34" charset="0"/>
+                </a:rPr>
+                <a:t>s</a:t>
+              </a:r>
+              <a:r>
+                <a:rPr lang="fr-CH" dirty="0" smtClean="0">
+                  <a:solidFill>
+                    <a:schemeClr val="tx1"/>
+                  </a:solidFill>
+                  <a:latin typeface="Open Sans" panose="020B0606030504020204" pitchFamily="34" charset="0"/>
+                  <a:ea typeface="Open Sans" panose="020B0606030504020204" pitchFamily="34" charset="0"/>
+                  <a:cs typeface="Open Sans" panose="020B0606030504020204" pitchFamily="34" charset="0"/>
+                </a:rPr>
+                <a:t>tring: </a:t>
+              </a:r>
+              <a:r>
+                <a:rPr lang="fr-CH" dirty="0">
+                  <a:solidFill>
+                    <a:schemeClr val="tx1"/>
+                  </a:solidFill>
+                  <a:latin typeface="Open Sans" panose="020B0606030504020204" pitchFamily="34" charset="0"/>
+                  <a:ea typeface="Open Sans" panose="020B0606030504020204" pitchFamily="34" charset="0"/>
+                  <a:cs typeface="Open Sans" panose="020B0606030504020204" pitchFamily="34" charset="0"/>
+                </a:rPr>
+                <a:t>email: </a:t>
+              </a:r>
+            </a:p>
+            <a:p>
+              <a:r>
+                <a:rPr lang="fr-CH" dirty="0" smtClean="0">
+                  <a:solidFill>
+                    <a:schemeClr val="tx1"/>
+                  </a:solidFill>
+                  <a:latin typeface="Open Sans" panose="020B0606030504020204" pitchFamily="34" charset="0"/>
+                  <a:ea typeface="Open Sans" panose="020B0606030504020204" pitchFamily="34" charset="0"/>
+                  <a:cs typeface="Open Sans" panose="020B0606030504020204" pitchFamily="34" charset="0"/>
+                </a:rPr>
+                <a:t>string</a:t>
+              </a:r>
+              <a:r>
+                <a:rPr lang="fr-CH" dirty="0">
+                  <a:solidFill>
+                    <a:schemeClr val="tx1"/>
+                  </a:solidFill>
+                  <a:latin typeface="Open Sans" panose="020B0606030504020204" pitchFamily="34" charset="0"/>
+                  <a:ea typeface="Open Sans" panose="020B0606030504020204" pitchFamily="34" charset="0"/>
+                  <a:cs typeface="Open Sans" panose="020B0606030504020204" pitchFamily="34" charset="0"/>
+                </a:rPr>
+                <a:t> </a:t>
+              </a:r>
+              <a:r>
+                <a:rPr lang="fr-CH" dirty="0" smtClean="0">
+                  <a:solidFill>
+                    <a:schemeClr val="tx1"/>
+                  </a:solidFill>
+                  <a:latin typeface="Open Sans" panose="020B0606030504020204" pitchFamily="34" charset="0"/>
+                  <a:ea typeface="Open Sans" panose="020B0606030504020204" pitchFamily="34" charset="0"/>
+                  <a:cs typeface="Open Sans" panose="020B0606030504020204" pitchFamily="34" charset="0"/>
+                </a:rPr>
+                <a:t>: </a:t>
+              </a:r>
+              <a:r>
+                <a:rPr lang="fr-CH" dirty="0" err="1" smtClean="0">
+                  <a:solidFill>
+                    <a:schemeClr val="tx1"/>
+                  </a:solidFill>
+                  <a:latin typeface="Open Sans" panose="020B0606030504020204" pitchFamily="34" charset="0"/>
+                  <a:ea typeface="Open Sans" panose="020B0606030504020204" pitchFamily="34" charset="0"/>
+                  <a:cs typeface="Open Sans" panose="020B0606030504020204" pitchFamily="34" charset="0"/>
+                </a:rPr>
+                <a:t>password</a:t>
+              </a:r>
+              <a:r>
+                <a:rPr lang="fr-CH" dirty="0" smtClean="0">
+                  <a:solidFill>
+                    <a:schemeClr val="tx1"/>
+                  </a:solidFill>
+                  <a:latin typeface="Open Sans" panose="020B0606030504020204" pitchFamily="34" charset="0"/>
+                  <a:ea typeface="Open Sans" panose="020B0606030504020204" pitchFamily="34" charset="0"/>
+                  <a:cs typeface="Open Sans" panose="020B0606030504020204" pitchFamily="34" charset="0"/>
+                </a:rPr>
+                <a:t>  </a:t>
+              </a:r>
+              <a:endParaRPr lang="fr-CH" dirty="0">
+                <a:solidFill>
+                  <a:schemeClr val="tx1"/>
+                </a:solidFill>
+                <a:latin typeface="Open Sans" panose="020B0606030504020204" pitchFamily="34" charset="0"/>
+                <a:ea typeface="Open Sans" panose="020B0606030504020204" pitchFamily="34" charset="0"/>
+                <a:cs typeface="Open Sans" panose="020B0606030504020204" pitchFamily="34" charset="0"/>
+              </a:endParaRPr>
+            </a:p>
+            <a:p>
+              <a:r>
+                <a:rPr lang="fr-CH" dirty="0">
+                  <a:solidFill>
+                    <a:schemeClr val="tx1"/>
+                  </a:solidFill>
+                  <a:latin typeface="Open Sans" panose="020B0606030504020204" pitchFamily="34" charset="0"/>
+                  <a:ea typeface="Open Sans" panose="020B0606030504020204" pitchFamily="34" charset="0"/>
+                  <a:cs typeface="Open Sans" panose="020B0606030504020204" pitchFamily="34" charset="0"/>
+                </a:rPr>
+                <a:t>s</a:t>
+              </a:r>
+              <a:r>
+                <a:rPr lang="fr-CH" dirty="0" smtClean="0">
+                  <a:solidFill>
+                    <a:schemeClr val="tx1"/>
+                  </a:solidFill>
+                  <a:latin typeface="Open Sans" panose="020B0606030504020204" pitchFamily="34" charset="0"/>
+                  <a:ea typeface="Open Sans" panose="020B0606030504020204" pitchFamily="34" charset="0"/>
+                  <a:cs typeface="Open Sans" panose="020B0606030504020204" pitchFamily="34" charset="0"/>
+                </a:rPr>
+                <a:t>tring: </a:t>
+              </a:r>
+              <a:r>
+                <a:rPr lang="fr-CH" dirty="0" err="1" smtClean="0">
+                  <a:solidFill>
+                    <a:schemeClr val="tx1"/>
+                  </a:solidFill>
+                  <a:latin typeface="Open Sans" panose="020B0606030504020204" pitchFamily="34" charset="0"/>
+                  <a:ea typeface="Open Sans" panose="020B0606030504020204" pitchFamily="34" charset="0"/>
+                  <a:cs typeface="Open Sans" panose="020B0606030504020204" pitchFamily="34" charset="0"/>
+                </a:rPr>
+                <a:t>remember_token</a:t>
+              </a:r>
+              <a:endParaRPr lang="fr-CH" dirty="0">
+                <a:solidFill>
+                  <a:schemeClr val="tx1"/>
+                </a:solidFill>
+                <a:latin typeface="Open Sans" panose="020B0606030504020204" pitchFamily="34" charset="0"/>
+                <a:ea typeface="Open Sans" panose="020B0606030504020204" pitchFamily="34" charset="0"/>
+                <a:cs typeface="Open Sans" panose="020B0606030504020204" pitchFamily="34" charset="0"/>
+              </a:endParaRPr>
+            </a:p>
+            <a:p>
+              <a:r>
+                <a:rPr lang="fr-CH" dirty="0" err="1">
+                  <a:solidFill>
+                    <a:schemeClr val="tx1"/>
+                  </a:solidFill>
+                  <a:latin typeface="Open Sans" panose="020B0606030504020204" pitchFamily="34" charset="0"/>
+                  <a:ea typeface="Open Sans" panose="020B0606030504020204" pitchFamily="34" charset="0"/>
+                  <a:cs typeface="Open Sans" panose="020B0606030504020204" pitchFamily="34" charset="0"/>
+                </a:rPr>
+                <a:t>i</a:t>
+              </a:r>
+              <a:r>
+                <a:rPr lang="fr-CH" dirty="0" err="1" smtClean="0">
+                  <a:solidFill>
+                    <a:schemeClr val="tx1"/>
+                  </a:solidFill>
+                  <a:latin typeface="Open Sans" panose="020B0606030504020204" pitchFamily="34" charset="0"/>
+                  <a:ea typeface="Open Sans" panose="020B0606030504020204" pitchFamily="34" charset="0"/>
+                  <a:cs typeface="Open Sans" panose="020B0606030504020204" pitchFamily="34" charset="0"/>
+                </a:rPr>
+                <a:t>nt</a:t>
+              </a:r>
+              <a:r>
+                <a:rPr lang="fr-CH" dirty="0" smtClean="0">
+                  <a:solidFill>
+                    <a:schemeClr val="tx1"/>
+                  </a:solidFill>
+                  <a:latin typeface="Open Sans" panose="020B0606030504020204" pitchFamily="34" charset="0"/>
+                  <a:ea typeface="Open Sans" panose="020B0606030504020204" pitchFamily="34" charset="0"/>
+                  <a:cs typeface="Open Sans" panose="020B0606030504020204" pitchFamily="34" charset="0"/>
+                </a:rPr>
+                <a:t>: </a:t>
+              </a:r>
+              <a:r>
+                <a:rPr lang="fr-CH" dirty="0" err="1" smtClean="0">
+                  <a:solidFill>
+                    <a:schemeClr val="tx1"/>
+                  </a:solidFill>
+                  <a:latin typeface="Open Sans" panose="020B0606030504020204" pitchFamily="34" charset="0"/>
+                  <a:ea typeface="Open Sans" panose="020B0606030504020204" pitchFamily="34" charset="0"/>
+                  <a:cs typeface="Open Sans" panose="020B0606030504020204" pitchFamily="34" charset="0"/>
+                </a:rPr>
+                <a:t>created_at</a:t>
+              </a:r>
+              <a:r>
+                <a:rPr lang="fr-CH" dirty="0" smtClean="0">
+                  <a:solidFill>
+                    <a:schemeClr val="tx1"/>
+                  </a:solidFill>
+                  <a:latin typeface="Open Sans" panose="020B0606030504020204" pitchFamily="34" charset="0"/>
+                  <a:ea typeface="Open Sans" panose="020B0606030504020204" pitchFamily="34" charset="0"/>
+                  <a:cs typeface="Open Sans" panose="020B0606030504020204" pitchFamily="34" charset="0"/>
+                </a:rPr>
+                <a:t> </a:t>
+              </a:r>
+              <a:r>
+                <a:rPr lang="fr-CH" dirty="0">
+                  <a:solidFill>
+                    <a:schemeClr val="tx1"/>
+                  </a:solidFill>
+                  <a:latin typeface="Open Sans" panose="020B0606030504020204" pitchFamily="34" charset="0"/>
+                  <a:ea typeface="Open Sans" panose="020B0606030504020204" pitchFamily="34" charset="0"/>
+                  <a:cs typeface="Open Sans" panose="020B0606030504020204" pitchFamily="34" charset="0"/>
+                </a:rPr>
+                <a:t>: </a:t>
+              </a:r>
+              <a:r>
+                <a:rPr lang="fr-CH" dirty="0" err="1">
+                  <a:solidFill>
+                    <a:schemeClr val="tx1"/>
+                  </a:solidFill>
+                  <a:latin typeface="Open Sans" panose="020B0606030504020204" pitchFamily="34" charset="0"/>
+                  <a:ea typeface="Open Sans" panose="020B0606030504020204" pitchFamily="34" charset="0"/>
+                  <a:cs typeface="Open Sans" panose="020B0606030504020204" pitchFamily="34" charset="0"/>
+                </a:rPr>
+                <a:t>int</a:t>
+              </a:r>
+              <a:endParaRPr lang="fr-CH" dirty="0">
+                <a:solidFill>
+                  <a:schemeClr val="tx1"/>
+                </a:solidFill>
+                <a:latin typeface="Open Sans" panose="020B0606030504020204" pitchFamily="34" charset="0"/>
+                <a:ea typeface="Open Sans" panose="020B0606030504020204" pitchFamily="34" charset="0"/>
+                <a:cs typeface="Open Sans" panose="020B0606030504020204" pitchFamily="34" charset="0"/>
+              </a:endParaRPr>
+            </a:p>
+            <a:p>
+              <a:r>
+                <a:rPr lang="fr-CH" dirty="0" err="1">
+                  <a:solidFill>
+                    <a:schemeClr val="tx1"/>
+                  </a:solidFill>
+                  <a:latin typeface="Open Sans" panose="020B0606030504020204" pitchFamily="34" charset="0"/>
+                  <a:ea typeface="Open Sans" panose="020B0606030504020204" pitchFamily="34" charset="0"/>
+                  <a:cs typeface="Open Sans" panose="020B0606030504020204" pitchFamily="34" charset="0"/>
+                </a:rPr>
+                <a:t>i</a:t>
+              </a:r>
+              <a:r>
+                <a:rPr lang="fr-CH" dirty="0" err="1" smtClean="0">
+                  <a:solidFill>
+                    <a:schemeClr val="tx1"/>
+                  </a:solidFill>
+                  <a:latin typeface="Open Sans" panose="020B0606030504020204" pitchFamily="34" charset="0"/>
+                  <a:ea typeface="Open Sans" panose="020B0606030504020204" pitchFamily="34" charset="0"/>
+                  <a:cs typeface="Open Sans" panose="020B0606030504020204" pitchFamily="34" charset="0"/>
+                </a:rPr>
+                <a:t>nt</a:t>
+              </a:r>
+              <a:r>
+                <a:rPr lang="fr-CH" dirty="0" smtClean="0">
+                  <a:solidFill>
+                    <a:schemeClr val="tx1"/>
+                  </a:solidFill>
+                  <a:latin typeface="Open Sans" panose="020B0606030504020204" pitchFamily="34" charset="0"/>
+                  <a:ea typeface="Open Sans" panose="020B0606030504020204" pitchFamily="34" charset="0"/>
+                  <a:cs typeface="Open Sans" panose="020B0606030504020204" pitchFamily="34" charset="0"/>
+                </a:rPr>
+                <a:t>: </a:t>
+              </a:r>
+              <a:r>
+                <a:rPr lang="fr-CH" dirty="0" err="1" smtClean="0">
+                  <a:solidFill>
+                    <a:schemeClr val="tx1"/>
+                  </a:solidFill>
+                  <a:latin typeface="Open Sans" panose="020B0606030504020204" pitchFamily="34" charset="0"/>
+                  <a:ea typeface="Open Sans" panose="020B0606030504020204" pitchFamily="34" charset="0"/>
+                  <a:cs typeface="Open Sans" panose="020B0606030504020204" pitchFamily="34" charset="0"/>
+                </a:rPr>
+                <a:t>update_at</a:t>
+              </a:r>
+              <a:r>
+                <a:rPr lang="fr-CH" dirty="0" smtClean="0">
+                  <a:solidFill>
+                    <a:schemeClr val="tx1"/>
+                  </a:solidFill>
+                  <a:latin typeface="Open Sans" panose="020B0606030504020204" pitchFamily="34" charset="0"/>
+                  <a:ea typeface="Open Sans" panose="020B0606030504020204" pitchFamily="34" charset="0"/>
+                  <a:cs typeface="Open Sans" panose="020B0606030504020204" pitchFamily="34" charset="0"/>
+                </a:rPr>
+                <a:t> </a:t>
+              </a:r>
+              <a:r>
+                <a:rPr lang="fr-CH" dirty="0">
+                  <a:solidFill>
+                    <a:schemeClr val="tx1"/>
+                  </a:solidFill>
+                  <a:latin typeface="Open Sans" panose="020B0606030504020204" pitchFamily="34" charset="0"/>
+                  <a:ea typeface="Open Sans" panose="020B0606030504020204" pitchFamily="34" charset="0"/>
+                  <a:cs typeface="Open Sans" panose="020B0606030504020204" pitchFamily="34" charset="0"/>
+                </a:rPr>
+                <a:t>: </a:t>
+              </a:r>
+              <a:r>
+                <a:rPr lang="fr-CH" dirty="0" err="1">
+                  <a:solidFill>
+                    <a:schemeClr val="tx1"/>
+                  </a:solidFill>
+                  <a:latin typeface="Open Sans" panose="020B0606030504020204" pitchFamily="34" charset="0"/>
+                  <a:ea typeface="Open Sans" panose="020B0606030504020204" pitchFamily="34" charset="0"/>
+                  <a:cs typeface="Open Sans" panose="020B0606030504020204" pitchFamily="34" charset="0"/>
+                </a:rPr>
+                <a:t>int</a:t>
+              </a:r>
+              <a:endParaRPr lang="fr-CH" dirty="0">
+                <a:solidFill>
+                  <a:schemeClr val="tx1"/>
+                </a:solidFill>
+                <a:latin typeface="Open Sans" panose="020B0606030504020204" pitchFamily="34" charset="0"/>
+                <a:ea typeface="Open Sans" panose="020B0606030504020204" pitchFamily="34" charset="0"/>
+                <a:cs typeface="Open Sans" panose="020B0606030504020204" pitchFamily="34" charset="0"/>
+              </a:endParaRPr>
+            </a:p>
+            <a:p>
+              <a:endParaRPr lang="fr-CH" dirty="0">
+                <a:solidFill>
+                  <a:schemeClr val="tx1"/>
+                </a:solidFill>
+                <a:latin typeface="Open Sans" panose="020B0606030504020204" pitchFamily="34" charset="0"/>
+                <a:ea typeface="Open Sans" panose="020B0606030504020204" pitchFamily="34" charset="0"/>
+                <a:cs typeface="Open Sans" panose="020B0606030504020204" pitchFamily="34" charset="0"/>
+              </a:endParaRPr>
+            </a:p>
+          </p:txBody>
+        </p:sp>
+        <p:sp>
+          <p:nvSpPr>
+            <p:cNvPr id="37" name="Rectangle 36"/>
+            <p:cNvSpPr/>
+            <p:nvPr/>
+          </p:nvSpPr>
+          <p:spPr>
+            <a:xfrm>
+              <a:off x="614082" y="1784414"/>
+              <a:ext cx="2296975" cy="629107"/>
+            </a:xfrm>
+            <a:prstGeom prst="rect">
+              <a:avLst/>
+            </a:prstGeom>
+            <a:solidFill>
+              <a:schemeClr val="bg1">
+                <a:lumMod val="95000"/>
+              </a:schemeClr>
+            </a:solidFill>
+            <a:ln>
+              <a:solidFill>
+                <a:schemeClr val="tx1"/>
+              </a:solidFill>
+            </a:ln>
+          </p:spPr>
+          <p:style>
+            <a:lnRef idx="2">
+              <a:schemeClr val="accent1">
+                <a:shade val="50000"/>
+              </a:schemeClr>
+            </a:lnRef>
+            <a:fillRef idx="1">
+              <a:schemeClr val="accent1"/>
+            </a:fillRef>
+            <a:effectRef idx="0">
+              <a:schemeClr val="accent1"/>
+            </a:effectRef>
+            <a:fontRef idx="minor">
+              <a:schemeClr val="lt1"/>
+            </a:fontRef>
+          </p:style>
+          <p:txBody>
+            <a:bodyPr rtlCol="0" anchor="ctr"/>
+            <a:lstStyle/>
+            <a:p>
+              <a:pPr algn="ctr"/>
+              <a:r>
+                <a:rPr lang="fr-CH" dirty="0" err="1" smtClean="0">
+                  <a:solidFill>
+                    <a:schemeClr val="tx1"/>
+                  </a:solidFill>
+                  <a:latin typeface="Open Sans" panose="020B0606030504020204" pitchFamily="34" charset="0"/>
+                  <a:ea typeface="Open Sans" panose="020B0606030504020204" pitchFamily="34" charset="0"/>
+                  <a:cs typeface="Open Sans" panose="020B0606030504020204" pitchFamily="34" charset="0"/>
+                </a:rPr>
+                <a:t>Users</a:t>
+              </a:r>
+              <a:endParaRPr lang="fr-CH" dirty="0">
+                <a:solidFill>
+                  <a:schemeClr val="tx1"/>
+                </a:solidFill>
+                <a:latin typeface="Open Sans" panose="020B0606030504020204" pitchFamily="34" charset="0"/>
+                <a:ea typeface="Open Sans" panose="020B0606030504020204" pitchFamily="34" charset="0"/>
+                <a:cs typeface="Open Sans" panose="020B0606030504020204" pitchFamily="34" charset="0"/>
+              </a:endParaRPr>
+            </a:p>
+          </p:txBody>
+        </p:sp>
+      </p:grpSp>
+      <p:cxnSp>
+        <p:nvCxnSpPr>
+          <p:cNvPr id="38" name="Connecteur en angle 37"/>
+          <p:cNvCxnSpPr/>
+          <p:nvPr/>
+        </p:nvCxnSpPr>
+        <p:spPr>
+          <a:xfrm>
+            <a:off x="2532310" y="2842853"/>
+            <a:ext cx="642336" cy="306230"/>
+          </a:xfrm>
+          <a:prstGeom prst="bentConnector3">
+            <a:avLst/>
+          </a:prstGeom>
+          <a:ln>
+            <a:solidFill>
+              <a:schemeClr val="tx1"/>
+            </a:solidFill>
+            <a:tailEnd type="triangle"/>
+          </a:ln>
+        </p:spPr>
+        <p:style>
+          <a:lnRef idx="1">
+            <a:schemeClr val="accent1"/>
+          </a:lnRef>
+          <a:fillRef idx="0">
+            <a:schemeClr val="accent1"/>
+          </a:fillRef>
+          <a:effectRef idx="0">
+            <a:schemeClr val="accent1"/>
+          </a:effectRef>
+          <a:fontRef idx="minor">
+            <a:schemeClr val="tx1"/>
+          </a:fontRef>
+        </p:style>
+      </p:cxnSp>
+      <p:cxnSp>
+        <p:nvCxnSpPr>
+          <p:cNvPr id="39" name="Connecteur en angle 38"/>
+          <p:cNvCxnSpPr>
+            <a:endCxn id="30" idx="1"/>
+          </p:cNvCxnSpPr>
+          <p:nvPr/>
+        </p:nvCxnSpPr>
+        <p:spPr>
+          <a:xfrm>
+            <a:off x="5529925" y="2700893"/>
+            <a:ext cx="1743298" cy="448191"/>
+          </a:xfrm>
+          <a:prstGeom prst="bentConnector3">
+            <a:avLst/>
+          </a:prstGeom>
+          <a:ln>
+            <a:solidFill>
+              <a:schemeClr val="tx1"/>
+            </a:solidFill>
+            <a:tailEnd type="triangle"/>
+          </a:ln>
+        </p:spPr>
+        <p:style>
+          <a:lnRef idx="1">
+            <a:schemeClr val="accent1"/>
+          </a:lnRef>
+          <a:fillRef idx="0">
+            <a:schemeClr val="accent1"/>
+          </a:fillRef>
+          <a:effectRef idx="0">
+            <a:schemeClr val="accent1"/>
+          </a:effectRef>
+          <a:fontRef idx="minor">
+            <a:schemeClr val="tx1"/>
+          </a:fontRef>
+        </p:style>
+      </p:cxnSp>
+      <p:cxnSp>
+        <p:nvCxnSpPr>
+          <p:cNvPr id="40" name="Connecteur en angle 39"/>
+          <p:cNvCxnSpPr>
+            <a:stCxn id="27" idx="3"/>
+            <a:endCxn id="33" idx="1"/>
+          </p:cNvCxnSpPr>
+          <p:nvPr/>
+        </p:nvCxnSpPr>
+        <p:spPr>
+          <a:xfrm>
+            <a:off x="5500773" y="3650230"/>
+            <a:ext cx="568024" cy="2182460"/>
+          </a:xfrm>
+          <a:prstGeom prst="bentConnector3">
+            <a:avLst>
+              <a:gd name="adj1" fmla="val 50000"/>
+            </a:avLst>
+          </a:prstGeom>
+          <a:ln>
+            <a:solidFill>
+              <a:schemeClr val="tx1"/>
+            </a:solidFill>
+            <a:tailEnd type="triangle"/>
+          </a:ln>
+        </p:spPr>
+        <p:style>
+          <a:lnRef idx="1">
+            <a:schemeClr val="accent1"/>
+          </a:lnRef>
+          <a:fillRef idx="0">
+            <a:schemeClr val="accent1"/>
+          </a:fillRef>
+          <a:effectRef idx="0">
+            <a:schemeClr val="accent1"/>
+          </a:effectRef>
+          <a:fontRef idx="minor">
+            <a:schemeClr val="tx1"/>
+          </a:fontRef>
+        </p:style>
+      </p:cxnSp>
+      <p:grpSp>
+        <p:nvGrpSpPr>
+          <p:cNvPr id="45" name="Groupe 44"/>
+          <p:cNvGrpSpPr/>
+          <p:nvPr/>
+        </p:nvGrpSpPr>
+        <p:grpSpPr>
+          <a:xfrm>
+            <a:off x="9856708" y="2064169"/>
+            <a:ext cx="2163505" cy="4793831"/>
+            <a:chOff x="1302264" y="728952"/>
+            <a:chExt cx="2296975" cy="3257726"/>
+          </a:xfrm>
+        </p:grpSpPr>
+        <p:sp>
+          <p:nvSpPr>
+            <p:cNvPr id="46" name="Rectangle 45"/>
+            <p:cNvSpPr/>
+            <p:nvPr/>
+          </p:nvSpPr>
+          <p:spPr>
+            <a:xfrm>
+              <a:off x="1318318" y="1335614"/>
+              <a:ext cx="2280921" cy="2651064"/>
+            </a:xfrm>
+            <a:prstGeom prst="rect">
+              <a:avLst/>
+            </a:prstGeom>
+            <a:solidFill>
+              <a:schemeClr val="bg1"/>
+            </a:solidFill>
+            <a:ln>
+              <a:solidFill>
+                <a:schemeClr val="tx1"/>
+              </a:solidFill>
+            </a:ln>
+          </p:spPr>
+          <p:style>
+            <a:lnRef idx="2">
+              <a:schemeClr val="accent1">
+                <a:shade val="50000"/>
+              </a:schemeClr>
+            </a:lnRef>
+            <a:fillRef idx="1">
+              <a:schemeClr val="accent1"/>
+            </a:fillRef>
+            <a:effectRef idx="0">
+              <a:schemeClr val="accent1"/>
+            </a:effectRef>
+            <a:fontRef idx="minor">
+              <a:schemeClr val="lt1"/>
+            </a:fontRef>
+          </p:style>
+          <p:txBody>
+            <a:bodyPr rtlCol="0" anchor="t"/>
+            <a:lstStyle/>
+            <a:p>
+              <a:r>
+                <a:rPr lang="fr-CH" dirty="0">
+                  <a:solidFill>
+                    <a:schemeClr val="tx1"/>
+                  </a:solidFill>
+                  <a:latin typeface="Open Sans" panose="020B0606030504020204" pitchFamily="34" charset="0"/>
+                  <a:ea typeface="Open Sans" panose="020B0606030504020204" pitchFamily="34" charset="0"/>
+                  <a:cs typeface="Open Sans" panose="020B0606030504020204" pitchFamily="34" charset="0"/>
+                </a:rPr>
+                <a:t>id : </a:t>
+              </a:r>
+              <a:r>
+                <a:rPr lang="fr-CH" dirty="0" err="1">
+                  <a:solidFill>
+                    <a:schemeClr val="tx1"/>
+                  </a:solidFill>
+                  <a:latin typeface="Open Sans" panose="020B0606030504020204" pitchFamily="34" charset="0"/>
+                  <a:ea typeface="Open Sans" panose="020B0606030504020204" pitchFamily="34" charset="0"/>
+                  <a:cs typeface="Open Sans" panose="020B0606030504020204" pitchFamily="34" charset="0"/>
+                </a:rPr>
+                <a:t>int</a:t>
+              </a:r>
+              <a:endParaRPr lang="fr-CH" dirty="0">
+                <a:solidFill>
+                  <a:schemeClr val="tx1"/>
+                </a:solidFill>
+                <a:latin typeface="Open Sans" panose="020B0606030504020204" pitchFamily="34" charset="0"/>
+                <a:ea typeface="Open Sans" panose="020B0606030504020204" pitchFamily="34" charset="0"/>
+                <a:cs typeface="Open Sans" panose="020B0606030504020204" pitchFamily="34" charset="0"/>
+              </a:endParaRPr>
+            </a:p>
+            <a:p>
+              <a:r>
+                <a:rPr lang="fr-CH" dirty="0">
+                  <a:solidFill>
+                    <a:schemeClr val="tx1"/>
+                  </a:solidFill>
+                  <a:latin typeface="Open Sans" panose="020B0606030504020204" pitchFamily="34" charset="0"/>
+                  <a:ea typeface="Open Sans" panose="020B0606030504020204" pitchFamily="34" charset="0"/>
+                  <a:cs typeface="Open Sans" panose="020B0606030504020204" pitchFamily="34" charset="0"/>
+                </a:rPr>
+                <a:t>s</a:t>
+              </a:r>
+              <a:r>
+                <a:rPr lang="fr-CH" dirty="0" smtClean="0">
+                  <a:solidFill>
+                    <a:schemeClr val="tx1"/>
+                  </a:solidFill>
+                  <a:latin typeface="Open Sans" panose="020B0606030504020204" pitchFamily="34" charset="0"/>
+                  <a:ea typeface="Open Sans" panose="020B0606030504020204" pitchFamily="34" charset="0"/>
+                  <a:cs typeface="Open Sans" panose="020B0606030504020204" pitchFamily="34" charset="0"/>
+                </a:rPr>
+                <a:t>tring: </a:t>
+              </a:r>
+              <a:r>
+                <a:rPr lang="fr-CH" dirty="0" err="1" smtClean="0">
+                  <a:solidFill>
+                    <a:schemeClr val="tx1"/>
+                  </a:solidFill>
+                  <a:latin typeface="Open Sans" panose="020B0606030504020204" pitchFamily="34" charset="0"/>
+                  <a:ea typeface="Open Sans" panose="020B0606030504020204" pitchFamily="34" charset="0"/>
+                  <a:cs typeface="Open Sans" panose="020B0606030504020204" pitchFamily="34" charset="0"/>
+                </a:rPr>
+                <a:t>lastname</a:t>
+              </a:r>
+              <a:endParaRPr lang="fr-CH" dirty="0" smtClean="0">
+                <a:solidFill>
+                  <a:schemeClr val="tx1"/>
+                </a:solidFill>
+                <a:latin typeface="Open Sans" panose="020B0606030504020204" pitchFamily="34" charset="0"/>
+                <a:ea typeface="Open Sans" panose="020B0606030504020204" pitchFamily="34" charset="0"/>
+                <a:cs typeface="Open Sans" panose="020B0606030504020204" pitchFamily="34" charset="0"/>
+              </a:endParaRPr>
+            </a:p>
+            <a:p>
+              <a:r>
+                <a:rPr lang="fr-CH" dirty="0" smtClean="0">
+                  <a:solidFill>
+                    <a:schemeClr val="tx1"/>
+                  </a:solidFill>
+                  <a:latin typeface="Open Sans" panose="020B0606030504020204" pitchFamily="34" charset="0"/>
+                  <a:ea typeface="Open Sans" panose="020B0606030504020204" pitchFamily="34" charset="0"/>
+                  <a:cs typeface="Open Sans" panose="020B0606030504020204" pitchFamily="34" charset="0"/>
+                </a:rPr>
+                <a:t>string</a:t>
+              </a:r>
+              <a:r>
+                <a:rPr lang="fr-CH" dirty="0">
+                  <a:solidFill>
+                    <a:schemeClr val="tx1"/>
+                  </a:solidFill>
+                  <a:latin typeface="Open Sans" panose="020B0606030504020204" pitchFamily="34" charset="0"/>
+                  <a:ea typeface="Open Sans" panose="020B0606030504020204" pitchFamily="34" charset="0"/>
+                  <a:cs typeface="Open Sans" panose="020B0606030504020204" pitchFamily="34" charset="0"/>
+                </a:rPr>
+                <a:t>: </a:t>
+              </a:r>
+              <a:r>
+                <a:rPr lang="fr-CH" dirty="0" err="1" smtClean="0">
+                  <a:solidFill>
+                    <a:schemeClr val="tx1"/>
+                  </a:solidFill>
+                  <a:latin typeface="Open Sans" panose="020B0606030504020204" pitchFamily="34" charset="0"/>
+                  <a:ea typeface="Open Sans" panose="020B0606030504020204" pitchFamily="34" charset="0"/>
+                  <a:cs typeface="Open Sans" panose="020B0606030504020204" pitchFamily="34" charset="0"/>
+                </a:rPr>
+                <a:t>firstname</a:t>
+              </a:r>
+              <a:endParaRPr lang="fr-CH" dirty="0" smtClean="0">
+                <a:solidFill>
+                  <a:schemeClr val="tx1"/>
+                </a:solidFill>
+                <a:latin typeface="Open Sans" panose="020B0606030504020204" pitchFamily="34" charset="0"/>
+                <a:ea typeface="Open Sans" panose="020B0606030504020204" pitchFamily="34" charset="0"/>
+                <a:cs typeface="Open Sans" panose="020B0606030504020204" pitchFamily="34" charset="0"/>
+              </a:endParaRPr>
+            </a:p>
+            <a:p>
+              <a:r>
+                <a:rPr lang="fr-CH" dirty="0">
+                  <a:solidFill>
+                    <a:schemeClr val="tx1"/>
+                  </a:solidFill>
+                  <a:latin typeface="Open Sans" panose="020B0606030504020204" pitchFamily="34" charset="0"/>
+                  <a:ea typeface="Open Sans" panose="020B0606030504020204" pitchFamily="34" charset="0"/>
+                  <a:cs typeface="Open Sans" panose="020B0606030504020204" pitchFamily="34" charset="0"/>
+                </a:rPr>
+                <a:t>string: </a:t>
+              </a:r>
+              <a:r>
+                <a:rPr lang="fr-CH" dirty="0" err="1" smtClean="0">
+                  <a:solidFill>
+                    <a:schemeClr val="tx1"/>
+                  </a:solidFill>
+                  <a:latin typeface="Open Sans" panose="020B0606030504020204" pitchFamily="34" charset="0"/>
+                  <a:ea typeface="Open Sans" panose="020B0606030504020204" pitchFamily="34" charset="0"/>
+                  <a:cs typeface="Open Sans" panose="020B0606030504020204" pitchFamily="34" charset="0"/>
+                </a:rPr>
+                <a:t>adress</a:t>
+              </a:r>
+              <a:endParaRPr lang="fr-CH" dirty="0">
+                <a:solidFill>
+                  <a:schemeClr val="tx1"/>
+                </a:solidFill>
+                <a:latin typeface="Open Sans" panose="020B0606030504020204" pitchFamily="34" charset="0"/>
+                <a:ea typeface="Open Sans" panose="020B0606030504020204" pitchFamily="34" charset="0"/>
+                <a:cs typeface="Open Sans" panose="020B0606030504020204" pitchFamily="34" charset="0"/>
+              </a:endParaRPr>
+            </a:p>
+            <a:p>
+              <a:r>
+                <a:rPr lang="fr-CH" dirty="0">
+                  <a:solidFill>
+                    <a:schemeClr val="tx1"/>
+                  </a:solidFill>
+                  <a:latin typeface="Open Sans" panose="020B0606030504020204" pitchFamily="34" charset="0"/>
+                  <a:ea typeface="Open Sans" panose="020B0606030504020204" pitchFamily="34" charset="0"/>
+                  <a:cs typeface="Open Sans" panose="020B0606030504020204" pitchFamily="34" charset="0"/>
+                </a:rPr>
+                <a:t>string: </a:t>
+              </a:r>
+              <a:r>
+                <a:rPr lang="fr-CH" dirty="0" smtClean="0">
+                  <a:solidFill>
+                    <a:schemeClr val="tx1"/>
+                  </a:solidFill>
+                  <a:latin typeface="Open Sans" panose="020B0606030504020204" pitchFamily="34" charset="0"/>
+                  <a:ea typeface="Open Sans" panose="020B0606030504020204" pitchFamily="34" charset="0"/>
+                  <a:cs typeface="Open Sans" panose="020B0606030504020204" pitchFamily="34" charset="0"/>
+                </a:rPr>
+                <a:t>city</a:t>
+              </a:r>
+            </a:p>
+            <a:p>
+              <a:r>
+                <a:rPr lang="fr-CH" dirty="0">
+                  <a:solidFill>
+                    <a:schemeClr val="tx1"/>
+                  </a:solidFill>
+                  <a:latin typeface="Open Sans" panose="020B0606030504020204" pitchFamily="34" charset="0"/>
+                  <a:ea typeface="Open Sans" panose="020B0606030504020204" pitchFamily="34" charset="0"/>
+                  <a:cs typeface="Open Sans" panose="020B0606030504020204" pitchFamily="34" charset="0"/>
+                </a:rPr>
+                <a:t>s</a:t>
+              </a:r>
+              <a:r>
+                <a:rPr lang="fr-CH" dirty="0" smtClean="0">
+                  <a:solidFill>
+                    <a:schemeClr val="tx1"/>
+                  </a:solidFill>
+                  <a:latin typeface="Open Sans" panose="020B0606030504020204" pitchFamily="34" charset="0"/>
+                  <a:ea typeface="Open Sans" panose="020B0606030504020204" pitchFamily="34" charset="0"/>
+                  <a:cs typeface="Open Sans" panose="020B0606030504020204" pitchFamily="34" charset="0"/>
+                </a:rPr>
+                <a:t>tring: </a:t>
+              </a:r>
+              <a:r>
+                <a:rPr lang="fr-CH" dirty="0" err="1" smtClean="0">
+                  <a:solidFill>
+                    <a:schemeClr val="tx1"/>
+                  </a:solidFill>
+                  <a:latin typeface="Open Sans" panose="020B0606030504020204" pitchFamily="34" charset="0"/>
+                  <a:ea typeface="Open Sans" panose="020B0606030504020204" pitchFamily="34" charset="0"/>
+                  <a:cs typeface="Open Sans" panose="020B0606030504020204" pitchFamily="34" charset="0"/>
+                </a:rPr>
+                <a:t>npa</a:t>
+              </a:r>
+              <a:endParaRPr lang="fr-CH" dirty="0" smtClean="0">
+                <a:solidFill>
+                  <a:schemeClr val="tx1"/>
+                </a:solidFill>
+                <a:latin typeface="Open Sans" panose="020B0606030504020204" pitchFamily="34" charset="0"/>
+                <a:ea typeface="Open Sans" panose="020B0606030504020204" pitchFamily="34" charset="0"/>
+                <a:cs typeface="Open Sans" panose="020B0606030504020204" pitchFamily="34" charset="0"/>
+              </a:endParaRPr>
+            </a:p>
+            <a:p>
+              <a:r>
+                <a:rPr lang="fr-CH" dirty="0">
+                  <a:solidFill>
+                    <a:schemeClr val="tx1"/>
+                  </a:solidFill>
+                  <a:latin typeface="Open Sans" panose="020B0606030504020204" pitchFamily="34" charset="0"/>
+                  <a:ea typeface="Open Sans" panose="020B0606030504020204" pitchFamily="34" charset="0"/>
+                  <a:cs typeface="Open Sans" panose="020B0606030504020204" pitchFamily="34" charset="0"/>
+                </a:rPr>
+                <a:t>s</a:t>
+              </a:r>
+              <a:r>
+                <a:rPr lang="fr-CH" dirty="0" smtClean="0">
+                  <a:solidFill>
+                    <a:schemeClr val="tx1"/>
+                  </a:solidFill>
+                  <a:latin typeface="Open Sans" panose="020B0606030504020204" pitchFamily="34" charset="0"/>
+                  <a:ea typeface="Open Sans" panose="020B0606030504020204" pitchFamily="34" charset="0"/>
+                  <a:cs typeface="Open Sans" panose="020B0606030504020204" pitchFamily="34" charset="0"/>
+                </a:rPr>
+                <a:t>tring: email</a:t>
+              </a:r>
+            </a:p>
+            <a:p>
+              <a:r>
+                <a:rPr lang="fr-CH" dirty="0">
+                  <a:solidFill>
+                    <a:schemeClr val="tx1"/>
+                  </a:solidFill>
+                  <a:latin typeface="Open Sans" panose="020B0606030504020204" pitchFamily="34" charset="0"/>
+                  <a:ea typeface="Open Sans" panose="020B0606030504020204" pitchFamily="34" charset="0"/>
+                  <a:cs typeface="Open Sans" panose="020B0606030504020204" pitchFamily="34" charset="0"/>
+                </a:rPr>
+                <a:t>s</a:t>
+              </a:r>
+              <a:r>
+                <a:rPr lang="fr-CH" dirty="0" smtClean="0">
+                  <a:solidFill>
+                    <a:schemeClr val="tx1"/>
+                  </a:solidFill>
+                  <a:latin typeface="Open Sans" panose="020B0606030504020204" pitchFamily="34" charset="0"/>
+                  <a:ea typeface="Open Sans" panose="020B0606030504020204" pitchFamily="34" charset="0"/>
+                  <a:cs typeface="Open Sans" panose="020B0606030504020204" pitchFamily="34" charset="0"/>
+                </a:rPr>
+                <a:t>tring: utilisation</a:t>
+              </a:r>
+            </a:p>
+            <a:p>
+              <a:r>
+                <a:rPr lang="fr-CH" dirty="0" err="1">
+                  <a:solidFill>
+                    <a:schemeClr val="tx1"/>
+                  </a:solidFill>
+                  <a:latin typeface="Open Sans" panose="020B0606030504020204" pitchFamily="34" charset="0"/>
+                  <a:ea typeface="Open Sans" panose="020B0606030504020204" pitchFamily="34" charset="0"/>
+                  <a:cs typeface="Open Sans" panose="020B0606030504020204" pitchFamily="34" charset="0"/>
+                </a:rPr>
+                <a:t>b</a:t>
+              </a:r>
+              <a:r>
+                <a:rPr lang="fr-CH" dirty="0" err="1" smtClean="0">
+                  <a:solidFill>
+                    <a:schemeClr val="tx1"/>
+                  </a:solidFill>
+                  <a:latin typeface="Open Sans" panose="020B0606030504020204" pitchFamily="34" charset="0"/>
+                  <a:ea typeface="Open Sans" panose="020B0606030504020204" pitchFamily="34" charset="0"/>
+                  <a:cs typeface="Open Sans" panose="020B0606030504020204" pitchFamily="34" charset="0"/>
+                </a:rPr>
+                <a:t>oolean</a:t>
+              </a:r>
+              <a:r>
+                <a:rPr lang="fr-CH" dirty="0" smtClean="0">
+                  <a:solidFill>
+                    <a:schemeClr val="tx1"/>
+                  </a:solidFill>
+                  <a:latin typeface="Open Sans" panose="020B0606030504020204" pitchFamily="34" charset="0"/>
+                  <a:ea typeface="Open Sans" panose="020B0606030504020204" pitchFamily="34" charset="0"/>
+                  <a:cs typeface="Open Sans" panose="020B0606030504020204" pitchFamily="34" charset="0"/>
+                </a:rPr>
+                <a:t>: </a:t>
+              </a:r>
+              <a:r>
+                <a:rPr lang="fr-CH" dirty="0" err="1" smtClean="0">
+                  <a:solidFill>
+                    <a:schemeClr val="tx1"/>
+                  </a:solidFill>
+                  <a:latin typeface="Open Sans" panose="020B0606030504020204" pitchFamily="34" charset="0"/>
+                  <a:ea typeface="Open Sans" panose="020B0606030504020204" pitchFamily="34" charset="0"/>
+                  <a:cs typeface="Open Sans" panose="020B0606030504020204" pitchFamily="34" charset="0"/>
+                </a:rPr>
+                <a:t>status</a:t>
+              </a:r>
+              <a:endParaRPr lang="fr-CH" dirty="0" smtClean="0">
+                <a:solidFill>
+                  <a:schemeClr val="tx1"/>
+                </a:solidFill>
+                <a:latin typeface="Open Sans" panose="020B0606030504020204" pitchFamily="34" charset="0"/>
+                <a:ea typeface="Open Sans" panose="020B0606030504020204" pitchFamily="34" charset="0"/>
+                <a:cs typeface="Open Sans" panose="020B0606030504020204" pitchFamily="34" charset="0"/>
+              </a:endParaRPr>
+            </a:p>
+            <a:p>
+              <a:r>
+                <a:rPr lang="fr-CH" dirty="0">
+                  <a:solidFill>
+                    <a:schemeClr val="tx1"/>
+                  </a:solidFill>
+                  <a:latin typeface="Open Sans" panose="020B0606030504020204" pitchFamily="34" charset="0"/>
+                  <a:ea typeface="Open Sans" panose="020B0606030504020204" pitchFamily="34" charset="0"/>
+                  <a:cs typeface="Open Sans" panose="020B0606030504020204" pitchFamily="34" charset="0"/>
+                </a:rPr>
+                <a:t>date: </a:t>
+              </a:r>
+              <a:r>
+                <a:rPr lang="fr-CH" dirty="0" err="1">
+                  <a:solidFill>
+                    <a:schemeClr val="tx1"/>
+                  </a:solidFill>
+                  <a:latin typeface="Open Sans" panose="020B0606030504020204" pitchFamily="34" charset="0"/>
+                  <a:ea typeface="Open Sans" panose="020B0606030504020204" pitchFamily="34" charset="0"/>
+                  <a:cs typeface="Open Sans" panose="020B0606030504020204" pitchFamily="34" charset="0"/>
+                </a:rPr>
+                <a:t>date_start</a:t>
+              </a:r>
+              <a:endParaRPr lang="fr-CH" dirty="0">
+                <a:solidFill>
+                  <a:schemeClr val="tx1"/>
+                </a:solidFill>
+                <a:latin typeface="Open Sans" panose="020B0606030504020204" pitchFamily="34" charset="0"/>
+                <a:ea typeface="Open Sans" panose="020B0606030504020204" pitchFamily="34" charset="0"/>
+                <a:cs typeface="Open Sans" panose="020B0606030504020204" pitchFamily="34" charset="0"/>
+              </a:endParaRPr>
+            </a:p>
+            <a:p>
+              <a:r>
+                <a:rPr lang="fr-CH" dirty="0">
+                  <a:solidFill>
+                    <a:schemeClr val="tx1"/>
+                  </a:solidFill>
+                  <a:latin typeface="Open Sans" panose="020B0606030504020204" pitchFamily="34" charset="0"/>
+                  <a:ea typeface="Open Sans" panose="020B0606030504020204" pitchFamily="34" charset="0"/>
+                  <a:cs typeface="Open Sans" panose="020B0606030504020204" pitchFamily="34" charset="0"/>
+                </a:rPr>
+                <a:t>date: </a:t>
+              </a:r>
+              <a:r>
+                <a:rPr lang="fr-CH" dirty="0" err="1" smtClean="0">
+                  <a:solidFill>
+                    <a:schemeClr val="tx1"/>
+                  </a:solidFill>
+                  <a:latin typeface="Open Sans" panose="020B0606030504020204" pitchFamily="34" charset="0"/>
+                  <a:ea typeface="Open Sans" panose="020B0606030504020204" pitchFamily="34" charset="0"/>
+                  <a:cs typeface="Open Sans" panose="020B0606030504020204" pitchFamily="34" charset="0"/>
+                </a:rPr>
+                <a:t>date_end</a:t>
+              </a:r>
+              <a:endParaRPr lang="fr-CH" dirty="0">
+                <a:solidFill>
+                  <a:schemeClr val="tx1"/>
+                </a:solidFill>
+                <a:latin typeface="Open Sans" panose="020B0606030504020204" pitchFamily="34" charset="0"/>
+                <a:ea typeface="Open Sans" panose="020B0606030504020204" pitchFamily="34" charset="0"/>
+                <a:cs typeface="Open Sans" panose="020B0606030504020204" pitchFamily="34" charset="0"/>
+              </a:endParaRPr>
+            </a:p>
+            <a:p>
+              <a:r>
+                <a:rPr lang="fr-CH" dirty="0">
+                  <a:solidFill>
+                    <a:schemeClr val="tx1"/>
+                  </a:solidFill>
+                  <a:latin typeface="Open Sans" panose="020B0606030504020204" pitchFamily="34" charset="0"/>
+                  <a:ea typeface="Open Sans" panose="020B0606030504020204" pitchFamily="34" charset="0"/>
+                  <a:cs typeface="Open Sans" panose="020B0606030504020204" pitchFamily="34" charset="0"/>
+                </a:rPr>
+                <a:t>Int: </a:t>
+              </a:r>
+              <a:r>
+                <a:rPr lang="fr-CH" dirty="0" err="1">
+                  <a:solidFill>
+                    <a:schemeClr val="tx1"/>
+                  </a:solidFill>
+                  <a:latin typeface="Open Sans" panose="020B0606030504020204" pitchFamily="34" charset="0"/>
+                  <a:ea typeface="Open Sans" panose="020B0606030504020204" pitchFamily="34" charset="0"/>
+                  <a:cs typeface="Open Sans" panose="020B0606030504020204" pitchFamily="34" charset="0"/>
+                </a:rPr>
+                <a:t>product_id</a:t>
+              </a:r>
+              <a:r>
+                <a:rPr lang="fr-CH" dirty="0">
+                  <a:solidFill>
+                    <a:schemeClr val="tx1"/>
+                  </a:solidFill>
+                  <a:latin typeface="Open Sans" panose="020B0606030504020204" pitchFamily="34" charset="0"/>
+                  <a:ea typeface="Open Sans" panose="020B0606030504020204" pitchFamily="34" charset="0"/>
+                  <a:cs typeface="Open Sans" panose="020B0606030504020204" pitchFamily="34" charset="0"/>
+                </a:rPr>
+                <a:t> </a:t>
+              </a:r>
+            </a:p>
+            <a:p>
+              <a:r>
+                <a:rPr lang="fr-CH" dirty="0">
+                  <a:solidFill>
+                    <a:schemeClr val="tx1"/>
+                  </a:solidFill>
+                  <a:latin typeface="Open Sans" panose="020B0606030504020204" pitchFamily="34" charset="0"/>
+                  <a:ea typeface="Open Sans" panose="020B0606030504020204" pitchFamily="34" charset="0"/>
+                  <a:cs typeface="Open Sans" panose="020B0606030504020204" pitchFamily="34" charset="0"/>
+                </a:rPr>
+                <a:t>Int: </a:t>
+              </a:r>
+              <a:r>
+                <a:rPr lang="fr-CH" dirty="0" err="1">
+                  <a:solidFill>
+                    <a:schemeClr val="tx1"/>
+                  </a:solidFill>
+                  <a:latin typeface="Open Sans" panose="020B0606030504020204" pitchFamily="34" charset="0"/>
+                  <a:ea typeface="Open Sans" panose="020B0606030504020204" pitchFamily="34" charset="0"/>
+                  <a:cs typeface="Open Sans" panose="020B0606030504020204" pitchFamily="34" charset="0"/>
+                </a:rPr>
+                <a:t>created_at</a:t>
+              </a:r>
+              <a:r>
+                <a:rPr lang="fr-CH" dirty="0">
+                  <a:solidFill>
+                    <a:schemeClr val="tx1"/>
+                  </a:solidFill>
+                  <a:latin typeface="Open Sans" panose="020B0606030504020204" pitchFamily="34" charset="0"/>
+                  <a:ea typeface="Open Sans" panose="020B0606030504020204" pitchFamily="34" charset="0"/>
+                  <a:cs typeface="Open Sans" panose="020B0606030504020204" pitchFamily="34" charset="0"/>
+                </a:rPr>
+                <a:t> </a:t>
+              </a:r>
+            </a:p>
+            <a:p>
+              <a:r>
+                <a:rPr lang="fr-CH" dirty="0">
+                  <a:solidFill>
+                    <a:schemeClr val="tx1"/>
+                  </a:solidFill>
+                  <a:latin typeface="Open Sans" panose="020B0606030504020204" pitchFamily="34" charset="0"/>
+                  <a:ea typeface="Open Sans" panose="020B0606030504020204" pitchFamily="34" charset="0"/>
+                  <a:cs typeface="Open Sans" panose="020B0606030504020204" pitchFamily="34" charset="0"/>
+                </a:rPr>
+                <a:t>Int: </a:t>
+              </a:r>
+              <a:r>
+                <a:rPr lang="fr-CH" dirty="0" err="1" smtClean="0">
+                  <a:solidFill>
+                    <a:schemeClr val="tx1"/>
+                  </a:solidFill>
+                  <a:latin typeface="Open Sans" panose="020B0606030504020204" pitchFamily="34" charset="0"/>
+                  <a:ea typeface="Open Sans" panose="020B0606030504020204" pitchFamily="34" charset="0"/>
+                  <a:cs typeface="Open Sans" panose="020B0606030504020204" pitchFamily="34" charset="0"/>
+                </a:rPr>
+                <a:t>update_at</a:t>
+              </a:r>
+              <a:endParaRPr lang="fr-CH" dirty="0" smtClean="0">
+                <a:solidFill>
+                  <a:schemeClr val="tx1"/>
+                </a:solidFill>
+                <a:latin typeface="Open Sans" panose="020B0606030504020204" pitchFamily="34" charset="0"/>
+                <a:ea typeface="Open Sans" panose="020B0606030504020204" pitchFamily="34" charset="0"/>
+                <a:cs typeface="Open Sans" panose="020B0606030504020204" pitchFamily="34" charset="0"/>
+              </a:endParaRPr>
+            </a:p>
+            <a:p>
+              <a:r>
+                <a:rPr lang="fr-CH" dirty="0" smtClean="0">
+                  <a:solidFill>
+                    <a:schemeClr val="tx1"/>
+                  </a:solidFill>
+                  <a:latin typeface="Open Sans" panose="020B0606030504020204" pitchFamily="34" charset="0"/>
+                  <a:ea typeface="Open Sans" panose="020B0606030504020204" pitchFamily="34" charset="0"/>
+                  <a:cs typeface="Open Sans" panose="020B0606030504020204" pitchFamily="34" charset="0"/>
+                </a:rPr>
+                <a:t> </a:t>
+              </a:r>
+              <a:endParaRPr lang="fr-CH" dirty="0">
+                <a:solidFill>
+                  <a:schemeClr val="tx1"/>
+                </a:solidFill>
+                <a:latin typeface="Open Sans" panose="020B0606030504020204" pitchFamily="34" charset="0"/>
+                <a:ea typeface="Open Sans" panose="020B0606030504020204" pitchFamily="34" charset="0"/>
+                <a:cs typeface="Open Sans" panose="020B0606030504020204" pitchFamily="34" charset="0"/>
+              </a:endParaRPr>
+            </a:p>
+            <a:p>
+              <a:endParaRPr lang="fr-CH" dirty="0">
+                <a:solidFill>
+                  <a:schemeClr val="tx1"/>
+                </a:solidFill>
+                <a:latin typeface="Open Sans" panose="020B0606030504020204" pitchFamily="34" charset="0"/>
+                <a:ea typeface="Open Sans" panose="020B0606030504020204" pitchFamily="34" charset="0"/>
+                <a:cs typeface="Open Sans" panose="020B0606030504020204" pitchFamily="34" charset="0"/>
+              </a:endParaRPr>
+            </a:p>
+          </p:txBody>
+        </p:sp>
+        <p:sp>
+          <p:nvSpPr>
+            <p:cNvPr id="47" name="Rectangle 46"/>
+            <p:cNvSpPr/>
+            <p:nvPr/>
+          </p:nvSpPr>
+          <p:spPr>
+            <a:xfrm>
+              <a:off x="1302264" y="728952"/>
+              <a:ext cx="2296975" cy="629107"/>
+            </a:xfrm>
+            <a:prstGeom prst="rect">
+              <a:avLst/>
+            </a:prstGeom>
+            <a:solidFill>
+              <a:schemeClr val="bg1">
+                <a:lumMod val="95000"/>
+              </a:schemeClr>
+            </a:solidFill>
+            <a:ln>
+              <a:solidFill>
+                <a:schemeClr val="tx1"/>
+              </a:solidFill>
+            </a:ln>
+          </p:spPr>
+          <p:style>
+            <a:lnRef idx="2">
+              <a:schemeClr val="accent1">
+                <a:shade val="50000"/>
+              </a:schemeClr>
+            </a:lnRef>
+            <a:fillRef idx="1">
+              <a:schemeClr val="accent1"/>
+            </a:fillRef>
+            <a:effectRef idx="0">
+              <a:schemeClr val="accent1"/>
+            </a:effectRef>
+            <a:fontRef idx="minor">
+              <a:schemeClr val="lt1"/>
+            </a:fontRef>
+          </p:style>
+          <p:txBody>
+            <a:bodyPr rtlCol="0" anchor="ctr"/>
+            <a:lstStyle/>
+            <a:p>
+              <a:pPr algn="ctr"/>
+              <a:r>
+                <a:rPr lang="fr-CH" dirty="0" smtClean="0">
+                  <a:solidFill>
+                    <a:schemeClr val="tx1"/>
+                  </a:solidFill>
+                  <a:latin typeface="Open Sans" panose="020B0606030504020204" pitchFamily="34" charset="0"/>
+                  <a:ea typeface="Open Sans" panose="020B0606030504020204" pitchFamily="34" charset="0"/>
+                  <a:cs typeface="Open Sans" panose="020B0606030504020204" pitchFamily="34" charset="0"/>
+                </a:rPr>
+                <a:t>Tenant</a:t>
+              </a:r>
+              <a:endParaRPr lang="fr-CH" dirty="0">
+                <a:solidFill>
+                  <a:schemeClr val="tx1"/>
+                </a:solidFill>
+                <a:latin typeface="Open Sans" panose="020B0606030504020204" pitchFamily="34" charset="0"/>
+                <a:ea typeface="Open Sans" panose="020B0606030504020204" pitchFamily="34" charset="0"/>
+                <a:cs typeface="Open Sans" panose="020B0606030504020204" pitchFamily="34" charset="0"/>
+              </a:endParaRPr>
+            </a:p>
+          </p:txBody>
+        </p:sp>
+      </p:grpSp>
+      <p:cxnSp>
+        <p:nvCxnSpPr>
+          <p:cNvPr id="49" name="Connecteur en angle 48"/>
+          <p:cNvCxnSpPr/>
+          <p:nvPr/>
+        </p:nvCxnSpPr>
+        <p:spPr>
+          <a:xfrm>
+            <a:off x="5500773" y="4026535"/>
+            <a:ext cx="4371056" cy="169391"/>
+          </a:xfrm>
+          <a:prstGeom prst="bentConnector3">
+            <a:avLst/>
+          </a:prstGeom>
+          <a:ln>
+            <a:solidFill>
+              <a:schemeClr val="tx1"/>
+            </a:solidFill>
+            <a:tailEnd type="triangle"/>
+          </a:ln>
+        </p:spPr>
+        <p:style>
+          <a:lnRef idx="1">
+            <a:schemeClr val="accent1"/>
+          </a:lnRef>
+          <a:fillRef idx="0">
+            <a:schemeClr val="accent1"/>
+          </a:fillRef>
+          <a:effectRef idx="0">
+            <a:schemeClr val="accent1"/>
+          </a:effectRef>
+          <a:fontRef idx="minor">
+            <a:schemeClr val="tx1"/>
+          </a:fontRef>
+        </p:style>
+      </p:cxnSp>
+      <p:sp>
+        <p:nvSpPr>
+          <p:cNvPr id="72" name="Titre 1"/>
+          <p:cNvSpPr>
+            <a:spLocks noGrp="1"/>
+          </p:cNvSpPr>
+          <p:nvPr>
+            <p:ph type="title"/>
+          </p:nvPr>
+        </p:nvSpPr>
+        <p:spPr>
+          <a:xfrm>
+            <a:off x="810000" y="447188"/>
+            <a:ext cx="10571998" cy="970450"/>
+          </a:xfrm>
+        </p:spPr>
+        <p:txBody>
+          <a:bodyPr/>
+          <a:lstStyle/>
+          <a:p>
+            <a:r>
+              <a:rPr lang="fr-CH" dirty="0">
+                <a:ea typeface="Lato Thin" panose="020F0502020204030203" pitchFamily="34" charset="0"/>
+                <a:cs typeface="Lato Thin" panose="020F0502020204030203" pitchFamily="34" charset="0"/>
+              </a:rPr>
+              <a:t>Schéma base de données</a:t>
+            </a:r>
+            <a:endParaRPr lang="fr-CH" dirty="0"/>
+          </a:p>
+        </p:txBody>
+      </p:sp>
+      <p:sp>
+        <p:nvSpPr>
+          <p:cNvPr id="74" name="ZoneTexte 73"/>
+          <p:cNvSpPr txBox="1"/>
+          <p:nvPr/>
+        </p:nvSpPr>
+        <p:spPr>
+          <a:xfrm>
+            <a:off x="8928472" y="-68100"/>
+            <a:ext cx="3412902" cy="2031325"/>
+          </a:xfrm>
+          <a:prstGeom prst="rect">
+            <a:avLst/>
+          </a:prstGeom>
+          <a:noFill/>
+        </p:spPr>
+        <p:txBody>
+          <a:bodyPr wrap="square" rtlCol="0">
+            <a:spAutoFit/>
+          </a:bodyPr>
+          <a:lstStyle/>
+          <a:p>
+            <a:pPr marL="285750" indent="-285750">
+              <a:buFont typeface="Arial" panose="020B0604020202020204" pitchFamily="34" charset="0"/>
+              <a:buChar char="•"/>
+            </a:pPr>
+            <a:r>
+              <a:rPr lang="fr-CH" sz="1400" dirty="0" smtClean="0"/>
+              <a:t>Introduction</a:t>
+            </a:r>
+          </a:p>
+          <a:p>
+            <a:pPr marL="285750" indent="-285750">
+              <a:buFont typeface="Arial" panose="020B0604020202020204" pitchFamily="34" charset="0"/>
+              <a:buChar char="•"/>
+            </a:pPr>
+            <a:r>
+              <a:rPr lang="fr-CH" sz="1400" dirty="0" smtClean="0"/>
+              <a:t>Répartition des tâches</a:t>
+            </a:r>
+            <a:endParaRPr lang="fr-CH" sz="1400" dirty="0" smtClean="0"/>
+          </a:p>
+          <a:p>
+            <a:pPr marL="285750" indent="-285750">
+              <a:buFont typeface="Arial" panose="020B0604020202020204" pitchFamily="34" charset="0"/>
+              <a:buChar char="•"/>
+            </a:pPr>
+            <a:r>
+              <a:rPr lang="fr-CH" sz="1400" b="1" dirty="0" smtClean="0">
+                <a:solidFill>
+                  <a:schemeClr val="accent5">
+                    <a:lumMod val="75000"/>
+                  </a:schemeClr>
+                </a:solidFill>
+                <a:latin typeface="+mj-lt"/>
+                <a:ea typeface="Lato Thin" panose="020F0502020204030203" pitchFamily="34" charset="0"/>
+                <a:cs typeface="Lato Thin" panose="020F0502020204030203" pitchFamily="34" charset="0"/>
+              </a:rPr>
+              <a:t>Schéma </a:t>
+            </a:r>
+            <a:r>
+              <a:rPr lang="fr-CH" sz="1400" b="1" dirty="0">
+                <a:solidFill>
+                  <a:schemeClr val="accent5">
+                    <a:lumMod val="75000"/>
+                  </a:schemeClr>
+                </a:solidFill>
+                <a:latin typeface="+mj-lt"/>
+                <a:ea typeface="Lato Thin" panose="020F0502020204030203" pitchFamily="34" charset="0"/>
+                <a:cs typeface="Lato Thin" panose="020F0502020204030203" pitchFamily="34" charset="0"/>
+              </a:rPr>
+              <a:t>base de données</a:t>
+            </a:r>
+            <a:endParaRPr lang="fr-CH" sz="1400" b="1" dirty="0" smtClean="0">
+              <a:solidFill>
+                <a:schemeClr val="accent5">
+                  <a:lumMod val="75000"/>
+                </a:schemeClr>
+              </a:solidFill>
+              <a:latin typeface="+mj-lt"/>
+            </a:endParaRPr>
+          </a:p>
+          <a:p>
+            <a:pPr marL="285750" indent="-285750">
+              <a:buFont typeface="Arial" panose="020B0604020202020204" pitchFamily="34" charset="0"/>
+              <a:buChar char="•"/>
+            </a:pPr>
+            <a:r>
+              <a:rPr lang="fr-CH" sz="1400" dirty="0" smtClean="0"/>
+              <a:t>Fonctionnalités</a:t>
+            </a:r>
+          </a:p>
+          <a:p>
+            <a:pPr marL="285750" indent="-285750">
+              <a:buFont typeface="Arial" panose="020B0604020202020204" pitchFamily="34" charset="0"/>
+              <a:buChar char="•"/>
+            </a:pPr>
+            <a:r>
+              <a:rPr lang="fr-CH" sz="1400" dirty="0" smtClean="0"/>
+              <a:t>Librairies</a:t>
+            </a:r>
+          </a:p>
+          <a:p>
+            <a:pPr marL="285750" indent="-285750">
+              <a:buFont typeface="Arial" panose="020B0604020202020204" pitchFamily="34" charset="0"/>
+              <a:buChar char="•"/>
+            </a:pPr>
+            <a:r>
+              <a:rPr lang="fr-CH" sz="1400" dirty="0" smtClean="0"/>
+              <a:t>Démo</a:t>
+            </a:r>
+          </a:p>
+          <a:p>
+            <a:pPr marL="285750" indent="-285750">
+              <a:buFont typeface="Arial" panose="020B0604020202020204" pitchFamily="34" charset="0"/>
+              <a:buChar char="•"/>
+            </a:pPr>
+            <a:r>
+              <a:rPr lang="fr-CH" sz="1400" dirty="0"/>
+              <a:t>Améliorations</a:t>
+            </a:r>
+          </a:p>
+          <a:p>
+            <a:pPr marL="285750" indent="-285750">
+              <a:buFont typeface="Arial" panose="020B0604020202020204" pitchFamily="34" charset="0"/>
+              <a:buChar char="•"/>
+            </a:pPr>
+            <a:r>
+              <a:rPr lang="fr-CH" sz="1400" dirty="0"/>
+              <a:t>Conclusion</a:t>
+            </a:r>
+          </a:p>
+          <a:p>
+            <a:pPr marL="285750" indent="-285750">
+              <a:buFont typeface="Arial" panose="020B0604020202020204" pitchFamily="34" charset="0"/>
+              <a:buChar char="•"/>
+            </a:pPr>
+            <a:r>
+              <a:rPr lang="fr-CH" sz="1400" dirty="0" smtClean="0"/>
+              <a:t>Sources</a:t>
+            </a:r>
+            <a:endParaRPr lang="fr-CH" sz="1400" dirty="0"/>
+          </a:p>
+        </p:txBody>
+      </p:sp>
     </p:spTree>
     <p:extLst>
       <p:ext uri="{BB962C8B-B14F-4D97-AF65-F5344CB8AC3E}">
-        <p14:creationId xmlns:p14="http://schemas.microsoft.com/office/powerpoint/2010/main" val="4055293072"/>
+        <p14:creationId xmlns:p14="http://schemas.microsoft.com/office/powerpoint/2010/main" val="809063222"/>
       </p:ext>
     </p:extLst>
   </p:cSld>
@@ -7126,6 +11218,129 @@
             <a:spLocks noGrp="1"/>
           </p:cNvSpPr>
           <p:nvPr>
+            <p:ph type="ctrTitle"/>
+          </p:nvPr>
+        </p:nvSpPr>
+        <p:spPr/>
+        <p:txBody>
+          <a:bodyPr/>
+          <a:lstStyle/>
+          <a:p>
+            <a:r>
+              <a:rPr lang="fr-CH" dirty="0" smtClean="0"/>
+              <a:t>Fonctionnalités</a:t>
+            </a:r>
+            <a:endParaRPr lang="fr-CH" dirty="0"/>
+          </a:p>
+        </p:txBody>
+      </p:sp>
+      <p:sp>
+        <p:nvSpPr>
+          <p:cNvPr id="3" name="Sous-titre 2"/>
+          <p:cNvSpPr>
+            <a:spLocks noGrp="1"/>
+          </p:cNvSpPr>
+          <p:nvPr>
+            <p:ph type="subTitle" idx="1"/>
+          </p:nvPr>
+        </p:nvSpPr>
+        <p:spPr/>
+        <p:txBody>
+          <a:bodyPr/>
+          <a:lstStyle/>
+          <a:p>
+            <a:r>
+              <a:rPr lang="fr-CH" dirty="0" smtClean="0"/>
+              <a:t>Qu’est-ce qu’il est possible de faire ?</a:t>
+            </a:r>
+            <a:endParaRPr lang="fr-CH" dirty="0"/>
+          </a:p>
+        </p:txBody>
+      </p:sp>
+      <p:sp>
+        <p:nvSpPr>
+          <p:cNvPr id="4" name="Espace réservé de la date 3"/>
+          <p:cNvSpPr>
+            <a:spLocks noGrp="1"/>
+          </p:cNvSpPr>
+          <p:nvPr>
+            <p:ph type="dt" sz="half" idx="10"/>
+          </p:nvPr>
+        </p:nvSpPr>
+        <p:spPr/>
+        <p:txBody>
+          <a:bodyPr/>
+          <a:lstStyle/>
+          <a:p>
+            <a:fld id="{F0DC37A3-FA22-47D6-9007-F206E7B3C871}" type="datetime1">
+              <a:rPr lang="fr-CH" smtClean="0"/>
+              <a:t>17.04.2016</a:t>
+            </a:fld>
+            <a:endParaRPr lang="en-US" dirty="0"/>
+          </a:p>
+        </p:txBody>
+      </p:sp>
+      <p:sp>
+        <p:nvSpPr>
+          <p:cNvPr id="5" name="Espace réservé du numéro de diapositive 4"/>
+          <p:cNvSpPr>
+            <a:spLocks noGrp="1"/>
+          </p:cNvSpPr>
+          <p:nvPr>
+            <p:ph type="sldNum" sz="quarter" idx="12"/>
+          </p:nvPr>
+        </p:nvSpPr>
+        <p:spPr/>
+        <p:txBody>
+          <a:bodyPr/>
+          <a:lstStyle/>
+          <a:p>
+            <a:fld id="{D57F1E4F-1CFF-5643-939E-217C01CDF565}" type="slidenum">
+              <a:rPr lang="en-US" smtClean="0"/>
+              <a:pPr/>
+              <a:t>6</a:t>
+            </a:fld>
+            <a:endParaRPr lang="en-US" dirty="0"/>
+          </a:p>
+        </p:txBody>
+      </p:sp>
+    </p:spTree>
+    <p:extLst>
+      <p:ext uri="{BB962C8B-B14F-4D97-AF65-F5344CB8AC3E}">
+        <p14:creationId xmlns:p14="http://schemas.microsoft.com/office/powerpoint/2010/main" val="4055293072"/>
+      </p:ext>
+    </p:extLst>
+  </p:cSld>
+  <p:clrMapOvr>
+    <a:masterClrMapping/>
+  </p:clrMapOvr>
+</p:sld>
+</file>
+
+<file path=ppt/slides/slide7.xml><?xml version="1.0" encoding="utf-8"?>
+<p:sld xmlns:a="http://schemas.openxmlformats.org/drawingml/2006/main" xmlns:r="http://schemas.openxmlformats.org/officeDocument/2006/relationships" xmlns:p="http://schemas.openxmlformats.org/presentationml/2006/main">
+  <p:cSld>
+    <p:spTree>
+      <p:nvGrpSpPr>
+        <p:cNvPr id="1" name=""/>
+        <p:cNvGrpSpPr/>
+        <p:nvPr/>
+      </p:nvGrpSpPr>
+      <p:grpSpPr>
+        <a:xfrm>
+          <a:off x="0" y="0"/>
+          <a:ext cx="0" cy="0"/>
+          <a:chOff x="0" y="0"/>
+          <a:chExt cx="0" cy="0"/>
+        </a:xfrm>
+      </p:grpSpPr>
+      <p:sp>
+        <p:nvSpPr>
+          <p:cNvPr id="2" name="Titre 1"/>
+          <p:cNvSpPr>
+            <a:spLocks noGrp="1"/>
+          </p:cNvSpPr>
+          <p:nvPr>
             <p:ph type="title"/>
           </p:nvPr>
         </p:nvSpPr>
@@ -7179,8 +11394,8 @@
         </p:nvSpPr>
         <p:spPr>
           <a:xfrm>
-            <a:off x="8779098" y="447188"/>
-            <a:ext cx="3412902" cy="1446550"/>
+            <a:off x="8779098" y="-52684"/>
+            <a:ext cx="3412902" cy="2523768"/>
           </a:xfrm>
           <a:prstGeom prst="rect">
             <a:avLst/>
@@ -7209,8 +11424,33 @@
             </a:pPr>
             <a:r>
               <a:rPr lang="fr-CH" sz="1400" dirty="0" smtClean="0"/>
-              <a:t>Répartition des tâches</a:t>
-            </a:r>
+              <a:t>Répartition des </a:t>
+            </a:r>
+            <a:r>
+              <a:rPr lang="fr-CH" sz="1400" dirty="0" smtClean="0"/>
+              <a:t>tâches</a:t>
+            </a:r>
+          </a:p>
+          <a:p>
+            <a:pPr marL="285750" indent="-285750">
+              <a:buFont typeface="Arial" panose="020B0604020202020204" pitchFamily="34" charset="0"/>
+              <a:buChar char="•"/>
+            </a:pPr>
+            <a:r>
+              <a:rPr lang="fr-CH" sz="1400" dirty="0">
+                <a:ea typeface="Lato Thin" panose="020F0502020204030203" pitchFamily="34" charset="0"/>
+                <a:cs typeface="Lato Thin" panose="020F0502020204030203" pitchFamily="34" charset="0"/>
+              </a:rPr>
+              <a:t>Schéma base de </a:t>
+            </a:r>
+            <a:r>
+              <a:rPr lang="fr-CH" sz="1400" dirty="0" smtClean="0">
+                <a:ea typeface="Lato Thin" panose="020F0502020204030203" pitchFamily="34" charset="0"/>
+                <a:cs typeface="Lato Thin" panose="020F0502020204030203" pitchFamily="34" charset="0"/>
+              </a:rPr>
+              <a:t>données</a:t>
+            </a:r>
+            <a:endParaRPr lang="fr-CH" sz="1400" dirty="0" smtClean="0"/>
           </a:p>
           <a:p>
             <a:pPr marL="285750" indent="-285750">
@@ -7251,6 +11491,39 @@
               <a:buFont typeface="Arial" panose="020B0604020202020204" pitchFamily="34" charset="0"/>
               <a:buChar char="•"/>
             </a:pPr>
+            <a:r>
+              <a:rPr lang="fr-CH" sz="1400" dirty="0"/>
+              <a:t>Améliorations</a:t>
+            </a:r>
+          </a:p>
+          <a:p>
+            <a:pPr marL="285750" indent="-285750">
+              <a:buFont typeface="Arial" panose="020B0604020202020204" pitchFamily="34" charset="0"/>
+              <a:buChar char="•"/>
+            </a:pPr>
+            <a:r>
+              <a:rPr lang="fr-CH" sz="1400" dirty="0"/>
+              <a:t>Conclusion</a:t>
+            </a:r>
+          </a:p>
+          <a:p>
+            <a:pPr marL="285750" indent="-285750">
+              <a:buFont typeface="Arial" panose="020B0604020202020204" pitchFamily="34" charset="0"/>
+              <a:buChar char="•"/>
+            </a:pPr>
+            <a:r>
+              <a:rPr lang="fr-CH" sz="1400" dirty="0"/>
+              <a:t>Sources</a:t>
+            </a:r>
+          </a:p>
+          <a:p>
+            <a:endParaRPr lang="fr-CH" sz="1400" dirty="0" smtClean="0"/>
+          </a:p>
+          <a:p>
+            <a:pPr marL="285750" indent="-285750">
+              <a:buFont typeface="Arial" panose="020B0604020202020204" pitchFamily="34" charset="0"/>
+              <a:buChar char="•"/>
+            </a:pPr>
             <a:endParaRPr lang="fr-CH" dirty="0"/>
           </a:p>
         </p:txBody>
@@ -7272,7 +11545,7 @@
           <a:p>
             <a:fld id="{4DE5BA8C-F1D6-4EAD-9E3D-90FADFEFC2EF}" type="datetime1">
               <a:rPr lang="fr-CH" smtClean="0"/>
-              <a:t>13.04.2016</a:t>
+              <a:t>17.04.2016</a:t>
             </a:fld>
             <a:endParaRPr lang="en-US" dirty="0"/>
           </a:p>
@@ -7296,7 +11569,7 @@
             <a:fld id="{D57F1E4F-1CFF-5643-939E-217C01CDF565}" type="slidenum">
               <a:rPr lang="en-US" smtClean="0"/>
               <a:pPr/>
-              <a:t>6</a:t>
+              <a:t>7</a:t>
             </a:fld>
             <a:endParaRPr lang="en-US" dirty="0"/>
           </a:p>
@@ -7322,231 +11595,6 @@
 </p:sld>
 </file>
 
-<file path=ppt/slides/slide7.xml><?xml version="1.0" encoding="utf-8"?>
-<p:sld xmlns:a="http://schemas.openxmlformats.org/drawingml/2006/main" xmlns:r="http://schemas.openxmlformats.org/officeDocument/2006/relationships" xmlns:p="http://schemas.openxmlformats.org/presentationml/2006/main">
-  <p:cSld>
-    <p:spTree>
-      <p:nvGrpSpPr>
-        <p:cNvPr id="1" name=""/>
-        <p:cNvGrpSpPr/>
-        <p:nvPr/>
-      </p:nvGrpSpPr>
-      <p:grpSpPr>
-        <a:xfrm>
-          <a:off x="0" y="0"/>
-          <a:ext cx="0" cy="0"/>
-          <a:chOff x="0" y="0"/>
-          <a:chExt cx="0" cy="0"/>
-        </a:xfrm>
-      </p:grpSpPr>
-      <p:sp>
-        <p:nvSpPr>
-          <p:cNvPr id="2" name="Titre 1"/>
-          <p:cNvSpPr>
-            <a:spLocks noGrp="1"/>
-          </p:cNvSpPr>
-          <p:nvPr>
-            <p:ph type="title"/>
-          </p:nvPr>
-        </p:nvSpPr>
-        <p:spPr/>
-        <p:txBody>
-          <a:bodyPr/>
-          <a:lstStyle/>
-          <a:p>
-            <a:r>
-              <a:rPr lang="fr-CH" dirty="0" smtClean="0"/>
-              <a:t>Location</a:t>
-            </a:r>
-            <a:endParaRPr lang="fr-CH" dirty="0"/>
-          </a:p>
-        </p:txBody>
-      </p:sp>
-      <p:sp>
-        <p:nvSpPr>
-          <p:cNvPr id="3" name="Espace réservé du contenu 2"/>
-          <p:cNvSpPr>
-            <a:spLocks noGrp="1"/>
-          </p:cNvSpPr>
-          <p:nvPr>
-            <p:ph idx="1"/>
-          </p:nvPr>
-        </p:nvSpPr>
-        <p:spPr/>
-        <p:txBody>
-          <a:bodyPr/>
-          <a:lstStyle/>
-          <a:p>
-            <a:r>
-              <a:rPr lang="fr-CH" dirty="0" smtClean="0"/>
-              <a:t>Confirmation / refus location</a:t>
-            </a:r>
-          </a:p>
-          <a:p>
-            <a:r>
-              <a:rPr lang="fr-CH" dirty="0" smtClean="0"/>
-              <a:t>Demander une location</a:t>
-            </a:r>
-          </a:p>
-          <a:p>
-            <a:r>
-              <a:rPr lang="fr-CH" dirty="0" smtClean="0"/>
-              <a:t>Gestion des dates</a:t>
-            </a:r>
-          </a:p>
-          <a:p>
-            <a:r>
-              <a:rPr lang="fr-CH" dirty="0" smtClean="0"/>
-              <a:t>Envoi de mail</a:t>
-            </a:r>
-            <a:endParaRPr lang="fr-CH" dirty="0"/>
-          </a:p>
-        </p:txBody>
-      </p:sp>
-      <p:sp>
-        <p:nvSpPr>
-          <p:cNvPr id="4" name="ZoneTexte 3"/>
-          <p:cNvSpPr txBox="1"/>
-          <p:nvPr/>
-        </p:nvSpPr>
-        <p:spPr>
-          <a:xfrm>
-            <a:off x="8779098" y="447188"/>
-            <a:ext cx="3412902" cy="1446550"/>
-          </a:xfrm>
-          <a:prstGeom prst="rect">
-            <a:avLst/>
-          </a:prstGeom>
-          <a:noFill/>
-        </p:spPr>
-        <p:txBody>
-          <a:bodyPr wrap="square" rtlCol="0">
-            <a:spAutoFit/>
-          </a:bodyPr>
-          <a:lstStyle/>
-          <a:p>
-            <a:pPr marL="285750" indent="-285750">
-              <a:buFont typeface="Arial" panose="020B0604020202020204" pitchFamily="34" charset="0"/>
-              <a:buChar char="•"/>
-            </a:pPr>
-            <a:r>
-              <a:rPr lang="fr-CH" sz="1400" dirty="0" smtClean="0"/>
-              <a:t>Introduction</a:t>
-            </a:r>
-          </a:p>
-          <a:p>
-            <a:pPr marL="285750" indent="-285750">
-              <a:buFont typeface="Arial" panose="020B0604020202020204" pitchFamily="34" charset="0"/>
-              <a:buChar char="•"/>
-            </a:pPr>
-            <a:r>
-              <a:rPr lang="fr-CH" sz="1400" dirty="0" smtClean="0"/>
-              <a:t>Répartition des tâches</a:t>
-            </a:r>
-          </a:p>
-          <a:p>
-            <a:pPr marL="285750" indent="-285750">
-              <a:buFont typeface="Arial" panose="020B0604020202020204" pitchFamily="34" charset="0"/>
-              <a:buChar char="•"/>
-            </a:pPr>
-            <a:r>
-              <a:rPr lang="fr-CH" sz="1400" b="1" dirty="0" smtClean="0">
-                <a:solidFill>
-                  <a:srgbClr val="FF0000"/>
-                </a:solidFill>
-              </a:rPr>
-              <a:t>Fonctionnalités</a:t>
-            </a:r>
-          </a:p>
-          <a:p>
-            <a:pPr marL="285750" indent="-285750">
-              <a:buFont typeface="Arial" panose="020B0604020202020204" pitchFamily="34" charset="0"/>
-              <a:buChar char="•"/>
-            </a:pPr>
-            <a:r>
-              <a:rPr lang="fr-CH" sz="1400" dirty="0" smtClean="0"/>
-              <a:t>Librairies</a:t>
-            </a:r>
-          </a:p>
-          <a:p>
-            <a:pPr marL="285750" indent="-285750">
-              <a:buFont typeface="Arial" panose="020B0604020202020204" pitchFamily="34" charset="0"/>
-              <a:buChar char="•"/>
-            </a:pPr>
-            <a:r>
-              <a:rPr lang="fr-CH" sz="1400" dirty="0" smtClean="0"/>
-              <a:t>Démo</a:t>
-            </a:r>
-          </a:p>
-          <a:p>
-            <a:pPr marL="285750" indent="-285750">
-              <a:buFont typeface="Arial" panose="020B0604020202020204" pitchFamily="34" charset="0"/>
-              <a:buChar char="•"/>
-            </a:pPr>
-            <a:endParaRPr lang="fr-CH" dirty="0"/>
-          </a:p>
-        </p:txBody>
-      </p:sp>
-      <p:sp>
-        <p:nvSpPr>
-          <p:cNvPr id="5" name="Espace réservé de la date 4"/>
-          <p:cNvSpPr>
-            <a:spLocks noGrp="1"/>
-          </p:cNvSpPr>
-          <p:nvPr>
-            <p:ph type="dt" sz="half" idx="10"/>
-          </p:nvPr>
-        </p:nvSpPr>
-        <p:spPr/>
-        <p:txBody>
-          <a:bodyPr/>
-          <a:lstStyle/>
-          <a:p>
-            <a:fld id="{93CE8249-8C15-4548-ADB0-F5E44E0D9723}" type="datetime1">
-              <a:rPr lang="fr-CH" smtClean="0"/>
-              <a:t>13.04.2016</a:t>
-            </a:fld>
-            <a:endParaRPr lang="en-US" dirty="0"/>
-          </a:p>
-        </p:txBody>
-      </p:sp>
-      <p:sp>
-        <p:nvSpPr>
-          <p:cNvPr id="6" name="Espace réservé du numéro de diapositive 5"/>
-          <p:cNvSpPr>
-            <a:spLocks noGrp="1"/>
-          </p:cNvSpPr>
-          <p:nvPr>
-            <p:ph type="sldNum" sz="quarter" idx="12"/>
-          </p:nvPr>
-        </p:nvSpPr>
-        <p:spPr/>
-        <p:txBody>
-          <a:bodyPr/>
-          <a:lstStyle/>
-          <a:p>
-            <a:fld id="{D57F1E4F-1CFF-5643-939E-217C01CDF565}" type="slidenum">
-              <a:rPr lang="en-US" smtClean="0"/>
-              <a:pPr/>
-              <a:t>7</a:t>
-            </a:fld>
-            <a:endParaRPr lang="en-US" dirty="0"/>
-          </a:p>
-        </p:txBody>
-      </p:sp>
-    </p:spTree>
-    <p:extLst>
-      <p:ext uri="{BB962C8B-B14F-4D97-AF65-F5344CB8AC3E}">
-        <p14:creationId xmlns:p14="http://schemas.microsoft.com/office/powerpoint/2010/main" val="744087055"/>
-      </p:ext>
-    </p:extLst>
-  </p:cSld>
-  <p:clrMapOvr>
-    <a:masterClrMapping/>
-  </p:clrMapOvr>
-</p:sld>
-</file>
-
 <file path=ppt/slides/slide8.xml><?xml version="1.0" encoding="utf-8"?>
 <p:sld xmlns:a="http://schemas.openxmlformats.org/drawingml/2006/main" xmlns:r="http://schemas.openxmlformats.org/officeDocument/2006/relationships" xmlns:p="http://schemas.openxmlformats.org/presentationml/2006/main">
   <p:cSld>
@@ -7581,7 +11629,7 @@
           <a:p>
             <a:r>
               <a:rPr lang="fr-CH" dirty="0" smtClean="0"/>
-              <a:t>Questions produit</a:t>
+              <a:t>Location</a:t>
             </a:r>
             <a:endParaRPr lang="fr-CH" dirty="0"/>
           </a:p>
@@ -7604,13 +11652,19 @@
           <a:p>
             <a:r>
               <a:rPr lang="fr-CH" dirty="0" smtClean="0"/>
-              <a:t>Questions par article</a:t>
+              <a:t>Confirmation / refus location</a:t>
             </a:r>
           </a:p>
           <a:p>
             <a:r>
               <a:rPr lang="fr-CH" dirty="0" smtClean="0"/>
-              <a:t>Répondre aux questions</a:t>
+              <a:t>Demander une location</a:t>
+            </a:r>
+          </a:p>
+          <a:p>
+            <a:r>
+              <a:rPr lang="fr-CH" dirty="0" smtClean="0"/>
+              <a:t>Gestion des dates</a:t>
             </a:r>
           </a:p>
           <a:p>
@@ -7624,14 +11678,61 @@
       </p:sp>
       <p:sp>
         <p:nvSpPr>
-          <p:cNvPr id="4" name="ZoneTexte 3"/>
+          <p:cNvPr id="5" name="Espace réservé de la date 4"/>
+          <p:cNvSpPr>
+            <a:spLocks noGrp="1"/>
+          </p:cNvSpPr>
+          <p:nvPr>
+            <p:ph type="dt" sz="half" idx="10"/>
+          </p:nvPr>
+        </p:nvSpPr>
+        <p:spPr/>
+        <p:txBody>
+          <a:bodyPr/>
+          <a:lstStyle/>
+          <a:p>
+            <a:fld id="{93CE8249-8C15-4548-ADB0-F5E44E0D9723}" type="datetime1">
+              <a:rPr lang="fr-CH" smtClean="0"/>
+              <a:t>17.04.2016</a:t>
+            </a:fld>
+            <a:endParaRPr lang="en-US" dirty="0"/>
+          </a:p>
+        </p:txBody>
+      </p:sp>
+      <p:sp>
+        <p:nvSpPr>
+          <p:cNvPr id="6" name="Espace réservé du numéro de diapositive 5"/>
+          <p:cNvSpPr>
+            <a:spLocks noGrp="1"/>
+          </p:cNvSpPr>
+          <p:nvPr>
+            <p:ph type="sldNum" sz="quarter" idx="12"/>
+          </p:nvPr>
+        </p:nvSpPr>
+        <p:spPr/>
+        <p:txBody>
+          <a:bodyPr/>
+          <a:lstStyle/>
+          <a:p>
+            <a:fld id="{D57F1E4F-1CFF-5643-939E-217C01CDF565}" type="slidenum">
+              <a:rPr lang="en-US" smtClean="0"/>
+              <a:pPr/>
+              <a:t>8</a:t>
+            </a:fld>
+            <a:endParaRPr lang="en-US" dirty="0"/>
+          </a:p>
+        </p:txBody>
+      </p:sp>
+      <p:sp>
+        <p:nvSpPr>
+          <p:cNvPr id="8" name="ZoneTexte 7"/>
           <p:cNvSpPr txBox="1"/>
           <p:nvPr/>
         </p:nvSpPr>
         <p:spPr>
           <a:xfrm>
-            <a:off x="8779098" y="447188"/>
-            <a:ext cx="3412902" cy="1446550"/>
+            <a:off x="8779098" y="-52684"/>
+            <a:ext cx="3412902" cy="2523768"/>
           </a:xfrm>
           <a:prstGeom prst="rect">
             <a:avLst/>
@@ -7660,8 +11761,33 @@
             </a:pPr>
             <a:r>
               <a:rPr lang="fr-CH" sz="1400" dirty="0" smtClean="0"/>
-              <a:t>Répartition des tâches</a:t>
-            </a:r>
+              <a:t>Répartition des </a:t>
+            </a:r>
+            <a:r>
+              <a:rPr lang="fr-CH" sz="1400" dirty="0" smtClean="0"/>
+              <a:t>tâches</a:t>
+            </a:r>
+          </a:p>
+          <a:p>
+            <a:pPr marL="285750" indent="-285750">
+              <a:buFont typeface="Arial" panose="020B0604020202020204" pitchFamily="34" charset="0"/>
+              <a:buChar char="•"/>
+            </a:pPr>
+            <a:r>
+              <a:rPr lang="fr-CH" sz="1400" dirty="0">
+                <a:ea typeface="Lato Thin" panose="020F0502020204030203" pitchFamily="34" charset="0"/>
+                <a:cs typeface="Lato Thin" panose="020F0502020204030203" pitchFamily="34" charset="0"/>
+              </a:rPr>
+              <a:t>Schéma base de </a:t>
+            </a:r>
+            <a:r>
+              <a:rPr lang="fr-CH" sz="1400" dirty="0" smtClean="0">
+                <a:ea typeface="Lato Thin" panose="020F0502020204030203" pitchFamily="34" charset="0"/>
+                <a:cs typeface="Lato Thin" panose="020F0502020204030203" pitchFamily="34" charset="0"/>
+              </a:rPr>
+              <a:t>données</a:t>
+            </a:r>
+            <a:endParaRPr lang="fr-CH" sz="1400" dirty="0" smtClean="0"/>
           </a:p>
           <a:p>
             <a:pPr marL="285750" indent="-285750">
@@ -7702,61 +11828,47 @@
               <a:buFont typeface="Arial" panose="020B0604020202020204" pitchFamily="34" charset="0"/>
               <a:buChar char="•"/>
             </a:pPr>
+            <a:r>
+              <a:rPr lang="fr-CH" sz="1400" dirty="0"/>
+              <a:t>Améliorations</a:t>
+            </a:r>
+          </a:p>
+          <a:p>
+            <a:pPr marL="285750" indent="-285750">
+              <a:buFont typeface="Arial" panose="020B0604020202020204" pitchFamily="34" charset="0"/>
+              <a:buChar char="•"/>
+            </a:pPr>
+            <a:r>
+              <a:rPr lang="fr-CH" sz="1400" dirty="0"/>
+              <a:t>Conclusion</a:t>
+            </a:r>
+          </a:p>
+          <a:p>
+            <a:pPr marL="285750" indent="-285750">
+              <a:buFont typeface="Arial" panose="020B0604020202020204" pitchFamily="34" charset="0"/>
+              <a:buChar char="•"/>
+            </a:pPr>
+            <a:r>
+              <a:rPr lang="fr-CH" sz="1400" dirty="0"/>
+              <a:t>Sources</a:t>
+            </a:r>
+          </a:p>
+          <a:p>
+            <a:endParaRPr lang="fr-CH" sz="1400" dirty="0" smtClean="0"/>
+          </a:p>
+          <a:p>
+            <a:pPr marL="285750" indent="-285750">
+              <a:buFont typeface="Arial" panose="020B0604020202020204" pitchFamily="34" charset="0"/>
+              <a:buChar char="•"/>
+            </a:pPr>
             <a:endParaRPr lang="fr-CH" dirty="0"/>
-          </a:p>
-        </p:txBody>
-      </p:sp>
-      <p:sp>
-        <p:nvSpPr>
-          <p:cNvPr id="5" name="Espace réservé de la date 4"/>
-          <p:cNvSpPr>
-            <a:spLocks noGrp="1"/>
-          </p:cNvSpPr>
-          <p:nvPr>
-            <p:ph type="dt" sz="half" idx="10"/>
-          </p:nvPr>
-        </p:nvSpPr>
-        <p:spPr/>
-        <p:txBody>
-          <a:bodyPr/>
-          <a:lstStyle/>
-          <a:p>
-            <a:fld id="{7C194BC8-FC63-4E0A-B827-E06D6F9EDDB0}" type="datetime1">
-              <a:rPr lang="fr-CH" smtClean="0"/>
-              <a:t>13.04.2016</a:t>
-            </a:fld>
-            <a:endParaRPr lang="en-US" dirty="0"/>
-          </a:p>
-        </p:txBody>
-      </p:sp>
-      <p:sp>
-        <p:nvSpPr>
-          <p:cNvPr id="6" name="Espace réservé du numéro de diapositive 5"/>
-          <p:cNvSpPr>
-            <a:spLocks noGrp="1"/>
-          </p:cNvSpPr>
-          <p:nvPr>
-            <p:ph type="sldNum" sz="quarter" idx="12"/>
-          </p:nvPr>
-        </p:nvSpPr>
-        <p:spPr/>
-        <p:txBody>
-          <a:bodyPr/>
-          <a:lstStyle/>
-          <a:p>
-            <a:fld id="{D57F1E4F-1CFF-5643-939E-217C01CDF565}" type="slidenum">
-              <a:rPr lang="en-US" smtClean="0"/>
-              <a:pPr/>
-              <a:t>8</a:t>
-            </a:fld>
-            <a:endParaRPr lang="en-US" dirty="0"/>
           </a:p>
         </p:txBody>
       </p:sp>
     </p:spTree>
     <p:extLst>
       <p:ext uri="{BB962C8B-B14F-4D97-AF65-F5344CB8AC3E}">
-        <p14:creationId xmlns:p14="http://schemas.microsoft.com/office/powerpoint/2010/main" val="1341802973"/>
+        <p14:creationId xmlns:p14="http://schemas.microsoft.com/office/powerpoint/2010/main" val="744087055"/>
       </p:ext>
     </p:extLst>
   </p:cSld>
@@ -7800,7 +11912,7 @@
           <a:p>
             <a:r>
               <a:rPr lang="fr-CH" dirty="0" smtClean="0"/>
-              <a:t>Librairies</a:t>
+              <a:t>Questions produit</a:t>
             </a:r>
             <a:endParaRPr lang="fr-CH" dirty="0"/>
           </a:p>
@@ -7822,98 +11934,82 @@
           <a:lstStyle/>
           <a:p>
             <a:r>
-              <a:rPr lang="fr-CH" dirty="0" err="1" smtClean="0"/>
-              <a:t>Capistrano</a:t>
-            </a:r>
-            <a:r>
               <a:rPr lang="fr-CH" dirty="0" smtClean="0"/>
-              <a:t>		: 	</a:t>
-            </a:r>
-            <a:r>
-              <a:rPr lang="fr-CH" b="1" dirty="0" err="1" smtClean="0"/>
-              <a:t>capistrano</a:t>
-            </a:r>
-            <a:r>
-              <a:rPr lang="fr-CH" b="1" dirty="0" smtClean="0"/>
-              <a:t>-rails</a:t>
-            </a:r>
-          </a:p>
-          <a:p>
-            <a:r>
-              <a:rPr lang="fr-CH" dirty="0" err="1" smtClean="0"/>
-              <a:t>Materialize</a:t>
-            </a:r>
+              <a:t>Questions par article</a:t>
+            </a:r>
+          </a:p>
+          <a:p>
             <a:r>
               <a:rPr lang="fr-CH" dirty="0" smtClean="0"/>
-              <a:t> 		: 	</a:t>
-            </a:r>
-            <a:r>
-              <a:rPr lang="fr-CH" b="1" dirty="0" err="1" smtClean="0"/>
-              <a:t>materialize-sass</a:t>
-            </a:r>
-            <a:r>
-              <a:rPr lang="fr-CH" b="1" dirty="0" smtClean="0"/>
-              <a:t>	</a:t>
-            </a:r>
+              <a:t>Répondre aux questions</a:t>
+            </a:r>
+          </a:p>
+          <a:p>
             <a:r>
               <a:rPr lang="fr-CH" dirty="0" smtClean="0"/>
-              <a:t>	</a:t>
-            </a:r>
-          </a:p>
-          <a:p>
-            <a:r>
-              <a:rPr lang="fr-CH" dirty="0" smtClean="0"/>
-              <a:t>Administration 	: 	</a:t>
-            </a:r>
-            <a:r>
-              <a:rPr lang="fr-CH" b="1" dirty="0" err="1" smtClean="0"/>
-              <a:t>rails_admin</a:t>
-            </a:r>
-            <a:endParaRPr lang="fr-CH" b="1" dirty="0" smtClean="0"/>
-          </a:p>
-          <a:p>
-            <a:r>
-              <a:rPr lang="fr-CH" dirty="0" err="1" smtClean="0"/>
-              <a:t>FullCalendar</a:t>
-            </a:r>
-            <a:r>
-              <a:rPr lang="fr-CH" dirty="0" smtClean="0"/>
-              <a:t>		:	</a:t>
-            </a:r>
-            <a:r>
-              <a:rPr lang="fr-CH" b="1" dirty="0" err="1" smtClean="0"/>
-              <a:t>fullcalendar</a:t>
-            </a:r>
-            <a:r>
-              <a:rPr lang="fr-CH" b="1" dirty="0" smtClean="0"/>
-              <a:t>-rails</a:t>
-            </a:r>
-            <a:r>
-              <a:rPr lang="fr-CH" dirty="0" smtClean="0"/>
-              <a:t>, </a:t>
-            </a:r>
-            <a:r>
-              <a:rPr lang="fr-CH" b="1" dirty="0" err="1" smtClean="0"/>
-              <a:t>momentjs</a:t>
-            </a:r>
-            <a:r>
-              <a:rPr lang="fr-CH" b="1" dirty="0" smtClean="0"/>
-              <a:t>-rails</a:t>
-            </a:r>
-            <a:endParaRPr lang="fr-CH" b="1" dirty="0"/>
-          </a:p>
-        </p:txBody>
-      </p:sp>
-      <p:sp>
-        <p:nvSpPr>
-          <p:cNvPr id="4" name="ZoneTexte 3"/>
+              <a:t>Envoi de mail</a:t>
+            </a:r>
+            <a:endParaRPr lang="fr-CH" dirty="0"/>
+          </a:p>
+        </p:txBody>
+      </p:sp>
+      <p:sp>
+        <p:nvSpPr>
+          <p:cNvPr id="5" name="Espace réservé de la date 4"/>
+          <p:cNvSpPr>
+            <a:spLocks noGrp="1"/>
+          </p:cNvSpPr>
+          <p:nvPr>
+            <p:ph type="dt" sz="half" idx="10"/>
+          </p:nvPr>
+        </p:nvSpPr>
+        <p:spPr/>
+        <p:txBody>
+          <a:bodyPr/>
+          <a:lstStyle/>
+          <a:p>
+            <a:fld id="{7C194BC8-FC63-4E0A-B827-E06D6F9EDDB0}" type="datetime1">
+              <a:rPr lang="fr-CH" smtClean="0"/>
+              <a:t>17.04.2016</a:t>
+            </a:fld>
+            <a:endParaRPr lang="en-US" dirty="0"/>
+          </a:p>
+        </p:txBody>
+      </p:sp>
+      <p:sp>
+        <p:nvSpPr>
+          <p:cNvPr id="6" name="Espace réservé du numéro de diapositive 5"/>
+          <p:cNvSpPr>
+            <a:spLocks noGrp="1"/>
+          </p:cNvSpPr>
+          <p:nvPr>
+            <p:ph type="sldNum" sz="quarter" idx="12"/>
+          </p:nvPr>
+        </p:nvSpPr>
+        <p:spPr/>
+        <p:txBody>
+          <a:bodyPr/>
+          <a:lstStyle/>
+          <a:p>
+            <a:fld id="{D57F1E4F-1CFF-5643-939E-217C01CDF565}" type="slidenum">
+              <a:rPr lang="en-US" smtClean="0"/>
+              <a:pPr/>
+              <a:t>9</a:t>
+            </a:fld>
+            <a:endParaRPr lang="en-US" dirty="0"/>
+          </a:p>
+        </p:txBody>
+      </p:sp>
+      <p:sp>
+        <p:nvSpPr>
+          <p:cNvPr id="7" name="ZoneTexte 6"/>
           <p:cNvSpPr txBox="1"/>
           <p:nvPr/>
         </p:nvSpPr>
         <p:spPr>
           <a:xfrm>
-            <a:off x="8779098" y="447188"/>
-            <a:ext cx="3412902" cy="1446550"/>
+            <a:off x="8996264" y="-48768"/>
+            <a:ext cx="3412902" cy="2523768"/>
           </a:xfrm>
           <a:prstGeom prst="rect">
             <a:avLst/>
@@ -7942,7 +12038,11 @@
             </a:pPr>
             <a:r>
               <a:rPr lang="fr-CH" sz="1400" dirty="0" smtClean="0"/>
-              <a:t>Répartition des tâches</a:t>
+              <a:t>Répartition des </a:t>
+            </a:r>
+            <a:r>
+              <a:rPr lang="fr-CH" sz="1400" dirty="0" smtClean="0"/>
+              <a:t>tâches</a:t>
             </a:r>
           </a:p>
           <a:p>
@@ -7951,9 +12051,20 @@
               <a:buChar char="•"/>
             </a:pPr>
             <a:r>
-              <a:rPr lang="fr-CH" sz="1400" dirty="0" smtClean="0"/>
-              <a:t>Fonctionnalités</a:t>
-            </a:r>
+              <a:rPr lang="fr-CH" sz="1400" dirty="0">
+                <a:ea typeface="Lato Thin" panose="020F0502020204030203" pitchFamily="34" charset="0"/>
+                <a:cs typeface="Lato Thin" panose="020F0502020204030203" pitchFamily="34" charset="0"/>
+              </a:rPr>
+              <a:t>Schéma base de </a:t>
+            </a:r>
+            <a:r>
+              <a:rPr lang="fr-CH" sz="1400" dirty="0" smtClean="0">
+                <a:ea typeface="Lato Thin" panose="020F0502020204030203" pitchFamily="34" charset="0"/>
+                <a:cs typeface="Lato Thin" panose="020F0502020204030203" pitchFamily="34" charset="0"/>
+              </a:rPr>
+              <a:t>données</a:t>
+            </a:r>
+            <a:endParaRPr lang="fr-CH" sz="1400" dirty="0" smtClean="0"/>
           </a:p>
           <a:p>
             <a:pPr marL="285750" indent="-285750">
@@ -7966,7 +12077,7 @@
                   <a:srgbClr val="FF0000"/>
                 </a:solidFill>
               </a:rPr>
-              <a:t>Librairies</a:t>
+              <a:t>Fonctionnalités</a:t>
             </a:r>
           </a:p>
           <a:p>
@@ -7976,8 +12087,51 @@
             </a:pPr>
             <a:r>
               <a:rPr lang="fr-CH" sz="1400" dirty="0" smtClean="0"/>
+              <a:t>Librairies</a:t>
+            </a:r>
+          </a:p>
+          <a:p>
+            <a:pPr marL="285750" indent="-285750">
+              <a:buFont typeface="Arial" panose="020B0604020202020204" pitchFamily="34" charset="0"/>
+              <a:buChar char="•"/>
+            </a:pPr>
+            <a:r>
+              <a:rPr lang="fr-CH" sz="1400" dirty="0" smtClean="0"/>
               <a:t>Démo</a:t>
             </a:r>
+          </a:p>
+          <a:p>
+            <a:pPr marL="285750" indent="-285750">
+              <a:buFont typeface="Arial" panose="020B0604020202020204" pitchFamily="34" charset="0"/>
+              <a:buChar char="•"/>
+            </a:pPr>
+            <a:r>
+              <a:rPr lang="fr-CH" sz="1400" dirty="0"/>
+              <a:t>Améliorations</a:t>
+            </a:r>
+          </a:p>
+          <a:p>
+            <a:pPr marL="285750" indent="-285750">
+              <a:buFont typeface="Arial" panose="020B0604020202020204" pitchFamily="34" charset="0"/>
+              <a:buChar char="•"/>
+            </a:pPr>
+            <a:r>
+              <a:rPr lang="fr-CH" sz="1400" dirty="0"/>
+              <a:t>Conclusion</a:t>
+            </a:r>
+          </a:p>
+          <a:p>
+            <a:pPr marL="285750" indent="-285750">
+              <a:buFont typeface="Arial" panose="020B0604020202020204" pitchFamily="34" charset="0"/>
+              <a:buChar char="•"/>
+            </a:pPr>
+            <a:r>
+              <a:rPr lang="fr-CH" sz="1400" dirty="0"/>
+              <a:t>Sources</a:t>
+            </a:r>
+          </a:p>
+          <a:p>
+            <a:endParaRPr lang="fr-CH" sz="1400" dirty="0" smtClean="0"/>
           </a:p>
           <a:p>
             <a:pPr marL="285750" indent="-285750">
@@ -7988,57 +12142,10 @@
           </a:p>
         </p:txBody>
       </p:sp>
-      <p:sp>
-        <p:nvSpPr>
-          <p:cNvPr id="5" name="Espace réservé de la date 4"/>
-          <p:cNvSpPr>
-            <a:spLocks noGrp="1"/>
-          </p:cNvSpPr>
-          <p:nvPr>
-            <p:ph type="dt" sz="half" idx="10"/>
-          </p:nvPr>
-        </p:nvSpPr>
-        <p:spPr/>
-        <p:txBody>
-          <a:bodyPr/>
-          <a:lstStyle/>
-          <a:p>
-            <a:fld id="{28E05341-C71E-4EBE-AE53-120129451AE5}" type="datetime1">
-              <a:rPr lang="fr-CH" smtClean="0"/>
-              <a:t>13.04.2016</a:t>
-            </a:fld>
-            <a:endParaRPr lang="en-US" dirty="0"/>
-          </a:p>
-        </p:txBody>
-      </p:sp>
-      <p:sp>
-        <p:nvSpPr>
-          <p:cNvPr id="6" name="Espace réservé du numéro de diapositive 5"/>
-          <p:cNvSpPr>
-            <a:spLocks noGrp="1"/>
-          </p:cNvSpPr>
-          <p:nvPr>
-            <p:ph type="sldNum" sz="quarter" idx="12"/>
-          </p:nvPr>
-        </p:nvSpPr>
-        <p:spPr/>
-        <p:txBody>
-          <a:bodyPr/>
-          <a:lstStyle/>
-          <a:p>
-            <a:fld id="{D57F1E4F-1CFF-5643-939E-217C01CDF565}" type="slidenum">
-              <a:rPr lang="en-US" smtClean="0"/>
-              <a:pPr/>
-              <a:t>9</a:t>
-            </a:fld>
-            <a:endParaRPr lang="en-US" dirty="0"/>
-          </a:p>
-        </p:txBody>
-      </p:sp>
     </p:spTree>
     <p:extLst>
       <p:ext uri="{BB962C8B-B14F-4D97-AF65-F5344CB8AC3E}">
-        <p14:creationId xmlns:p14="http://schemas.microsoft.com/office/powerpoint/2010/main" val="2898080955"/>
+        <p14:creationId xmlns:p14="http://schemas.microsoft.com/office/powerpoint/2010/main" val="1341802973"/>
       </p:ext>
     </p:extLst>
   </p:cSld>

--- a/ProjetRubyDoc/Presentation_RentArt.pptx
+++ b/ProjetRubyDoc/Presentation_RentArt.pptx
@@ -658,7 +658,7 @@
           <a:effectLst/>
           <a:extLst>
             <a:ext uri="{91240B29-F687-4f45-9708-019B960494DF}">
-              <a14:hiddenLine xmlns="" xmlns:a14="http://schemas.microsoft.com/office/drawing/2010/main" w="9525">
+              <a14:hiddenLine xmlns:a14="http://schemas.microsoft.com/office/drawing/2010/main" xmlns="" w="9525">
                 <a:solidFill>
                   <a:srgbClr val="000000"/>
                 </a:solidFill>
@@ -2164,7 +2164,7 @@
           <a:ln/>
           <a:extLst>
             <a:ext uri="{91240B29-F687-4f45-9708-019B960494DF}">
-              <a14:hiddenLine xmlns="" xmlns:a14="http://schemas.microsoft.com/office/drawing/2010/main" w="9525">
+              <a14:hiddenLine xmlns:a14="http://schemas.microsoft.com/office/drawing/2010/main" xmlns="" w="9525">
                 <a:solidFill>
                   <a:srgbClr val="000000"/>
                 </a:solidFill>
@@ -2435,7 +2435,7 @@
           <a:ln/>
           <a:extLst>
             <a:ext uri="{91240B29-F687-4f45-9708-019B960494DF}">
-              <a14:hiddenLine xmlns="" xmlns:a14="http://schemas.microsoft.com/office/drawing/2010/main" w="9525">
+              <a14:hiddenLine xmlns:a14="http://schemas.microsoft.com/office/drawing/2010/main" xmlns="" w="9525">
                 <a:solidFill>
                   <a:srgbClr val="000000"/>
                 </a:solidFill>
@@ -2714,7 +2714,7 @@
           <a:ln/>
           <a:extLst>
             <a:ext uri="{91240B29-F687-4f45-9708-019B960494DF}">
-              <a14:hiddenLine xmlns="" xmlns:a14="http://schemas.microsoft.com/office/drawing/2010/main" w="9525">
+              <a14:hiddenLine xmlns:a14="http://schemas.microsoft.com/office/drawing/2010/main" xmlns="" w="9525">
                 <a:solidFill>
                   <a:srgbClr val="000000"/>
                 </a:solidFill>
@@ -3332,7 +3332,7 @@
           <a:ln/>
           <a:extLst>
             <a:ext uri="{91240B29-F687-4f45-9708-019B960494DF}">
-              <a14:hiddenLine xmlns="" xmlns:a14="http://schemas.microsoft.com/office/drawing/2010/main" w="9525">
+              <a14:hiddenLine xmlns:a14="http://schemas.microsoft.com/office/drawing/2010/main" xmlns="" w="9525">
                 <a:solidFill>
                   <a:srgbClr val="000000"/>
                 </a:solidFill>
@@ -3667,7 +3667,7 @@
           <a:ln/>
           <a:extLst>
             <a:ext uri="{91240B29-F687-4f45-9708-019B960494DF}">
-              <a14:hiddenLine xmlns="" xmlns:a14="http://schemas.microsoft.com/office/drawing/2010/main" w="9525">
+              <a14:hiddenLine xmlns:a14="http://schemas.microsoft.com/office/drawing/2010/main" xmlns="" w="9525">
                 <a:solidFill>
                   <a:srgbClr val="000000"/>
                 </a:solidFill>
@@ -4140,7 +4140,7 @@
           <a:ln/>
           <a:extLst>
             <a:ext uri="{91240B29-F687-4f45-9708-019B960494DF}">
-              <a14:hiddenLine xmlns="" xmlns:a14="http://schemas.microsoft.com/office/drawing/2010/main" w="9525">
+              <a14:hiddenLine xmlns:a14="http://schemas.microsoft.com/office/drawing/2010/main" xmlns="" w="9525">
                 <a:solidFill>
                   <a:srgbClr val="000000"/>
                 </a:solidFill>
@@ -4561,7 +4561,7 @@
           <a:ln/>
           <a:extLst>
             <a:ext uri="{91240B29-F687-4f45-9708-019B960494DF}">
-              <a14:hiddenLine xmlns="" xmlns:a14="http://schemas.microsoft.com/office/drawing/2010/main" w="9525">
+              <a14:hiddenLine xmlns:a14="http://schemas.microsoft.com/office/drawing/2010/main" xmlns="" w="9525">
                 <a:solidFill>
                   <a:srgbClr val="000000"/>
                 </a:solidFill>
@@ -6141,7 +6141,6 @@
               <a:rPr lang="fr-CH" b="1" dirty="0" smtClean="0"/>
               <a:t> </a:t>
             </a:r>
-            <a:endParaRPr lang="fr-CH" b="1" dirty="0" smtClean="0"/>
           </a:p>
           <a:p>
             <a:r>
@@ -6261,11 +6260,7 @@
             </a:pPr>
             <a:r>
               <a:rPr lang="fr-CH" sz="1400" dirty="0" smtClean="0"/>
-              <a:t>Répartition des </a:t>
-            </a:r>
-            <a:r>
-              <a:rPr lang="fr-CH" sz="1400" dirty="0" smtClean="0"/>
-              <a:t>tâches</a:t>
+              <a:t>Répartition des tâches</a:t>
             </a:r>
           </a:p>
           <a:p>
@@ -6298,7 +6293,6 @@
               <a:rPr lang="fr-CH" sz="1400" dirty="0" smtClean="0"/>
               <a:t>Fonctionnalités </a:t>
             </a:r>
-            <a:endParaRPr lang="fr-CH" sz="1400" dirty="0" smtClean="0"/>
           </a:p>
           <a:p>
             <a:pPr marL="285750" indent="-285750">
@@ -6630,11 +6624,7 @@
           <a:p>
             <a:r>
               <a:rPr lang="fr-CH" dirty="0" smtClean="0"/>
-              <a:t>Design </a:t>
-            </a:r>
-            <a:r>
-              <a:rPr lang="fr-CH" dirty="0" smtClean="0"/>
-              <a:t>	</a:t>
+              <a:t>Design 	</a:t>
             </a:r>
           </a:p>
           <a:p>
@@ -6654,7 +6644,6 @@
               <a:rPr lang="fr-CH" b="1" dirty="0" smtClean="0"/>
               <a:t>Pagination</a:t>
             </a:r>
-            <a:endParaRPr lang="fr-CH" b="1" dirty="0" smtClean="0"/>
           </a:p>
         </p:txBody>
       </p:sp>
@@ -6696,11 +6685,7 @@
             </a:pPr>
             <a:r>
               <a:rPr lang="fr-CH" sz="1400" dirty="0" smtClean="0"/>
-              <a:t>Répartition des </a:t>
-            </a:r>
-            <a:r>
-              <a:rPr lang="fr-CH" sz="1400" dirty="0" smtClean="0"/>
-              <a:t>tâches</a:t>
+              <a:t>Répartition des tâches</a:t>
             </a:r>
           </a:p>
           <a:p>
@@ -6732,7 +6717,6 @@
               <a:rPr lang="fr-CH" sz="1400" dirty="0" smtClean="0"/>
               <a:t>Fonctionnalités</a:t>
             </a:r>
-            <a:endParaRPr lang="fr-CH" sz="1400" dirty="0" smtClean="0"/>
           </a:p>
           <a:p>
             <a:pPr marL="285750" indent="-285750">
@@ -6743,7 +6727,6 @@
               <a:rPr lang="fr-CH" sz="1400" dirty="0" smtClean="0"/>
               <a:t>Librairies</a:t>
             </a:r>
-            <a:endParaRPr lang="fr-CH" sz="1400" dirty="0" smtClean="0"/>
           </a:p>
           <a:p>
             <a:pPr marL="285750" indent="-285750">
@@ -6996,11 +6979,7 @@
             </a:pPr>
             <a:r>
               <a:rPr lang="fr-CH" sz="1400" dirty="0" smtClean="0"/>
-              <a:t>Répartition des </a:t>
-            </a:r>
-            <a:r>
-              <a:rPr lang="fr-CH" sz="1400" dirty="0" smtClean="0"/>
-              <a:t>tâches</a:t>
+              <a:t>Répartition des tâches</a:t>
             </a:r>
           </a:p>
           <a:p>
@@ -7032,7 +7011,6 @@
               <a:rPr lang="fr-CH" sz="1400" dirty="0" smtClean="0"/>
               <a:t>Fonctionnalités</a:t>
             </a:r>
-            <a:endParaRPr lang="fr-CH" sz="1400" dirty="0" smtClean="0"/>
           </a:p>
           <a:p>
             <a:pPr marL="285750" indent="-285750">
@@ -7043,7 +7021,6 @@
               <a:rPr lang="fr-CH" sz="1400" dirty="0" smtClean="0"/>
               <a:t>Librairies</a:t>
             </a:r>
-            <a:endParaRPr lang="fr-CH" sz="1400" dirty="0" smtClean="0"/>
           </a:p>
           <a:p>
             <a:pPr marL="285750" indent="-285750">
@@ -7230,9 +7207,22 @@
           </a:p>
           <a:p>
             <a:r>
-              <a:rPr lang="fr-FR" dirty="0"/>
-              <a:t>https://openclassrooms.com/</a:t>
-            </a:r>
+              <a:rPr lang="fr-FR" dirty="0">
+                <a:hlinkClick r:id="rId6"/>
+              </a:rPr>
+              <a:t>https://openclassrooms.com</a:t>
+            </a:r>
+            <a:r>
+              <a:rPr lang="fr-FR" dirty="0" smtClean="0">
+                <a:hlinkClick r:id="rId6"/>
+              </a:rPr>
+              <a:t>/</a:t>
+            </a:r>
+            <a:r>
+              <a:rPr lang="fr-FR" dirty="0" smtClean="0"/>
+              <a:t> </a:t>
+            </a:r>
+            <a:endParaRPr lang="fr-FR" dirty="0"/>
           </a:p>
         </p:txBody>
       </p:sp>
@@ -7321,11 +7311,7 @@
             </a:pPr>
             <a:r>
               <a:rPr lang="fr-CH" sz="1400" dirty="0" smtClean="0"/>
-              <a:t>Répartition des </a:t>
-            </a:r>
-            <a:r>
-              <a:rPr lang="fr-CH" sz="1400" dirty="0" smtClean="0"/>
-              <a:t>tâches</a:t>
+              <a:t>Répartition des tâches</a:t>
             </a:r>
           </a:p>
           <a:p>
@@ -7357,7 +7343,6 @@
               <a:rPr lang="fr-CH" sz="1400" dirty="0" smtClean="0"/>
               <a:t>Fonctionnalités</a:t>
             </a:r>
-            <a:endParaRPr lang="fr-CH" sz="1400" dirty="0" smtClean="0"/>
           </a:p>
           <a:p>
             <a:pPr marL="285750" indent="-285750">
@@ -7368,7 +7353,6 @@
               <a:rPr lang="fr-CH" sz="1400" dirty="0" smtClean="0"/>
               <a:t>Librairies</a:t>
             </a:r>
-            <a:endParaRPr lang="fr-CH" sz="1400" dirty="0" smtClean="0"/>
           </a:p>
           <a:p>
             <a:pPr marL="285750" indent="-285750">
@@ -7625,11 +7609,7 @@
           <a:p>
             <a:r>
               <a:rPr lang="fr-CH" dirty="0" smtClean="0"/>
-              <a:t>Répartition des </a:t>
-            </a:r>
-            <a:r>
-              <a:rPr lang="fr-CH" dirty="0" smtClean="0"/>
-              <a:t>tâches</a:t>
+              <a:t>Répartition des tâches</a:t>
             </a:r>
           </a:p>
           <a:p>
@@ -7871,11 +7851,7 @@
             </a:pPr>
             <a:r>
               <a:rPr lang="fr-CH" sz="1400" dirty="0" smtClean="0"/>
-              <a:t>Répartition des </a:t>
-            </a:r>
-            <a:r>
-              <a:rPr lang="fr-CH" sz="1400" dirty="0" smtClean="0"/>
-              <a:t>tâches</a:t>
+              <a:t>Répartition des tâches</a:t>
             </a:r>
           </a:p>
           <a:p>
@@ -7958,7 +7934,6 @@
               <a:rPr lang="fr-CH" sz="1400" dirty="0" smtClean="0"/>
               <a:t>Sources</a:t>
             </a:r>
-            <a:endParaRPr lang="fr-CH" sz="1400" dirty="0" smtClean="0"/>
           </a:p>
           <a:p>
             <a:pPr marL="285750" indent="-285750">
@@ -8265,15 +8240,7 @@
                   <a:srgbClr val="FF0000"/>
                 </a:solidFill>
               </a:rPr>
-              <a:t>Répartition des </a:t>
-            </a:r>
-            <a:r>
-              <a:rPr lang="fr-CH" sz="1400" b="1" dirty="0" smtClean="0">
-                <a:solidFill>
-                  <a:srgbClr val="FF0000"/>
-                </a:solidFill>
-              </a:rPr>
-              <a:t>tâches</a:t>
+              <a:t>Répartition des tâches</a:t>
             </a:r>
           </a:p>
           <a:p>
@@ -9072,18 +9039,7 @@
                   <a:ea typeface="Open Sans" panose="020B0606030504020204" pitchFamily="34" charset="0"/>
                   <a:cs typeface="Open Sans" panose="020B0606030504020204" pitchFamily="34" charset="0"/>
                 </a:rPr>
-                <a:t>product</a:t>
-              </a:r>
-              <a:r>
-                <a:rPr lang="fr-CH" sz="1400" dirty="0" err="1" smtClean="0">
-                  <a:solidFill>
-                    <a:schemeClr val="tx1"/>
-                  </a:solidFill>
-                  <a:latin typeface="Open Sans" panose="020B0606030504020204" pitchFamily="34" charset="0"/>
-                  <a:ea typeface="Open Sans" panose="020B0606030504020204" pitchFamily="34" charset="0"/>
-                  <a:cs typeface="Open Sans" panose="020B0606030504020204" pitchFamily="34" charset="0"/>
-                </a:rPr>
-                <a:t>_id</a:t>
+                <a:t>product_id</a:t>
               </a:r>
               <a:r>
                 <a:rPr lang="fr-CH" sz="1400" dirty="0" smtClean="0">
@@ -9096,14 +9052,6 @@
                 </a:rPr>
                 <a:t> </a:t>
               </a:r>
-              <a:endParaRPr lang="fr-CH" sz="1400" dirty="0" smtClean="0">
-                <a:solidFill>
-                  <a:schemeClr val="tx1"/>
-                </a:solidFill>
-                <a:latin typeface="Open Sans" panose="020B0606030504020204" pitchFamily="34" charset="0"/>
-                <a:ea typeface="Open Sans" panose="020B0606030504020204" pitchFamily="34" charset="0"/>
-                <a:cs typeface="Open Sans" panose="020B0606030504020204" pitchFamily="34" charset="0"/>
-              </a:endParaRPr>
             </a:p>
             <a:p>
               <a:r>
@@ -9482,14 +9430,6 @@
                 </a:rPr>
                 <a:t>tring: email</a:t>
               </a:r>
-              <a:endParaRPr lang="fr-CH" sz="1400" dirty="0" smtClean="0">
-                <a:solidFill>
-                  <a:schemeClr val="tx1"/>
-                </a:solidFill>
-                <a:latin typeface="Open Sans" panose="020B0606030504020204" pitchFamily="34" charset="0"/>
-                <a:ea typeface="Open Sans" panose="020B0606030504020204" pitchFamily="34" charset="0"/>
-                <a:cs typeface="Open Sans" panose="020B0606030504020204" pitchFamily="34" charset="0"/>
-              </a:endParaRPr>
             </a:p>
             <a:p>
               <a:r>
@@ -9514,14 +9454,6 @@
                 </a:rPr>
                 <a:t>: date</a:t>
               </a:r>
-              <a:endParaRPr lang="fr-CH" sz="1400" dirty="0" smtClean="0">
-                <a:solidFill>
-                  <a:schemeClr val="tx1"/>
-                </a:solidFill>
-                <a:latin typeface="Open Sans" panose="020B0606030504020204" pitchFamily="34" charset="0"/>
-                <a:ea typeface="Open Sans" panose="020B0606030504020204" pitchFamily="34" charset="0"/>
-                <a:cs typeface="Open Sans" panose="020B0606030504020204" pitchFamily="34" charset="0"/>
-              </a:endParaRPr>
             </a:p>
             <a:p>
               <a:r>
@@ -11076,7 +11008,6 @@
               <a:rPr lang="fr-CH" sz="1400" dirty="0" smtClean="0"/>
               <a:t>Répartition des tâches</a:t>
             </a:r>
-            <a:endParaRPr lang="fr-CH" sz="1400" dirty="0" smtClean="0"/>
           </a:p>
           <a:p>
             <a:pPr marL="285750" indent="-285750">
@@ -11424,11 +11355,7 @@
             </a:pPr>
             <a:r>
               <a:rPr lang="fr-CH" sz="1400" dirty="0" smtClean="0"/>
-              <a:t>Répartition des </a:t>
-            </a:r>
-            <a:r>
-              <a:rPr lang="fr-CH" sz="1400" dirty="0" smtClean="0"/>
-              <a:t>tâches</a:t>
+              <a:t>Répartition des tâches</a:t>
             </a:r>
           </a:p>
           <a:p>
@@ -11761,11 +11688,7 @@
             </a:pPr>
             <a:r>
               <a:rPr lang="fr-CH" sz="1400" dirty="0" smtClean="0"/>
-              <a:t>Répartition des </a:t>
-            </a:r>
-            <a:r>
-              <a:rPr lang="fr-CH" sz="1400" dirty="0" smtClean="0"/>
-              <a:t>tâches</a:t>
+              <a:t>Répartition des tâches</a:t>
             </a:r>
           </a:p>
           <a:p>
@@ -12038,11 +11961,7 @@
             </a:pPr>
             <a:r>
               <a:rPr lang="fr-CH" sz="1400" dirty="0" smtClean="0"/>
-              <a:t>Répartition des </a:t>
-            </a:r>
-            <a:r>
-              <a:rPr lang="fr-CH" sz="1400" dirty="0" smtClean="0"/>
-              <a:t>tâches</a:t>
+              <a:t>Répartition des tâches</a:t>
             </a:r>
           </a:p>
           <a:p>
